--- a/Frontend/AutoDiff/01.introduction.pptx
+++ b/Frontend/AutoDiff/01.introduction.pptx
@@ -10,22 +10,21 @@
     <p:sldMasterId id="2147483881" r:id="rId6"/>
   </p:sldMasterIdLst>
   <p:notesMasterIdLst>
-    <p:notesMasterId r:id="rId12"/>
+    <p:notesMasterId r:id="rId11"/>
   </p:notesMasterIdLst>
   <p:handoutMasterIdLst>
-    <p:handoutMasterId r:id="rId13"/>
+    <p:handoutMasterId r:id="rId12"/>
   </p:handoutMasterIdLst>
   <p:sldIdLst>
     <p:sldId id="693" r:id="rId7"/>
     <p:sldId id="716" r:id="rId8"/>
     <p:sldId id="710" r:id="rId9"/>
-    <p:sldId id="712" r:id="rId10"/>
-    <p:sldId id="680" r:id="rId11"/>
+    <p:sldId id="680" r:id="rId10"/>
   </p:sldIdLst>
   <p:sldSz cx="12196763" cy="6858000"/>
   <p:notesSz cx="6805613" cy="9939338"/>
   <p:custDataLst>
-    <p:tags r:id="rId14"/>
+    <p:tags r:id="rId13"/>
   </p:custDataLst>
   <p:defaultTextStyle>
     <a:defPPr>
@@ -382,7 +381,7 @@
               <a:pPr>
                 <a:defRPr/>
               </a:pPr>
-              <a:t>2022/9/20</a:t>
+              <a:t>2023/1/6</a:t>
             </a:fld>
             <a:endParaRPr lang="en-US" altLang="zh-CN"/>
           </a:p>
@@ -635,7 +634,7 @@
             <a:fld id="{C45443A1-D8F2-48CD-A659-3CEDBA8DF541}" type="datetimeFigureOut">
               <a:rPr lang="zh-CN" altLang="en-US" smtClean="0"/>
               <a:pPr/>
-              <a:t>2022/9/20</a:t>
+              <a:t>2023/1/6</a:t>
             </a:fld>
             <a:endParaRPr lang="zh-CN" altLang="en-US"/>
           </a:p>
@@ -955,7 +954,7 @@
                 </a:solidFill>
               </a:rPr>
               <a:pPr/>
-              <a:t>5</a:t>
+              <a:t>4</a:t>
             </a:fld>
             <a:endParaRPr lang="en-US" altLang="zh-CN">
               <a:solidFill>
@@ -1002,7 +1001,7 @@
                 <a:ea typeface="MS PGothic" pitchFamily="34" charset="-128"/>
               </a:rPr>
               <a:pPr algn="r" defTabSz="931863" eaLnBrk="0" hangingPunct="0"/>
-              <a:t>5</a:t>
+              <a:t>4</a:t>
             </a:fld>
             <a:endParaRPr lang="en-US" altLang="zh-CN" sz="1200">
               <a:solidFill>
@@ -16945,6169 +16944,6 @@
 </file>
 
 <file path=ppt/slides/slide4.xml><?xml version="1.0" encoding="utf-8"?>
-<p:sld xmlns:a="http://schemas.openxmlformats.org/drawingml/2006/main" xmlns:r="http://schemas.openxmlformats.org/officeDocument/2006/relationships" xmlns:p="http://schemas.openxmlformats.org/presentationml/2006/main">
-  <p:cSld>
-    <p:spTree>
-      <p:nvGrpSpPr>
-        <p:cNvPr id="1" name=""/>
-        <p:cNvGrpSpPr/>
-        <p:nvPr/>
-      </p:nvGrpSpPr>
-      <p:grpSpPr>
-        <a:xfrm>
-          <a:off x="0" y="0"/>
-          <a:ext cx="0" cy="0"/>
-          <a:chOff x="0" y="0"/>
-          <a:chExt cx="0" cy="0"/>
-        </a:xfrm>
-      </p:grpSpPr>
-      <p:sp>
-        <p:nvSpPr>
-          <p:cNvPr id="253" name="矩形 252"/>
-          <p:cNvSpPr/>
-          <p:nvPr/>
-        </p:nvSpPr>
-        <p:spPr>
-          <a:xfrm>
-            <a:off x="3256684" y="4698067"/>
-            <a:ext cx="6821462" cy="470279"/>
-          </a:xfrm>
-          <a:prstGeom prst="rect">
-            <a:avLst/>
-          </a:prstGeom>
-          <a:solidFill>
-            <a:schemeClr val="bg2">
-              <a:lumMod val="20000"/>
-              <a:lumOff val="80000"/>
-            </a:schemeClr>
-          </a:solidFill>
-          <a:ln w="12700" cap="flat" cmpd="sng" algn="ctr">
-            <a:noFill/>
-            <a:prstDash val="solid"/>
-            <a:miter lim="800000"/>
-          </a:ln>
-          <a:effectLst/>
-        </p:spPr>
-        <p:txBody>
-          <a:bodyPr rtlCol="0" anchor="ctr" anchorCtr="0"/>
-          <a:lstStyle/>
-          <a:p>
-            <a:pPr marL="0" marR="0" lvl="0" indent="0" algn="ctr" defTabSz="914400" eaLnBrk="1" fontAlgn="auto" latinLnBrk="0" hangingPunct="1">
-              <a:lnSpc>
-                <a:spcPct val="100000"/>
-              </a:lnSpc>
-              <a:spcBef>
-                <a:spcPts val="0"/>
-              </a:spcBef>
-              <a:spcAft>
-                <a:spcPts val="0"/>
-              </a:spcAft>
-              <a:buClrTx/>
-              <a:buSzTx/>
-              <a:buFontTx/>
-              <a:buNone/>
-              <a:tabLst/>
-              <a:defRPr/>
-            </a:pPr>
-            <a:endParaRPr kumimoji="0" lang="en-US" altLang="zh-CN" sz="1000" b="1" i="0" u="none" strike="noStrike" kern="0" cap="none" spc="0" normalizeH="0" baseline="0" noProof="0" dirty="0">
-              <a:ln>
-                <a:noFill/>
-              </a:ln>
-              <a:solidFill>
-                <a:srgbClr val="1D1D1A"/>
-              </a:solidFill>
-              <a:effectLst/>
-              <a:uLnTx/>
-              <a:uFillTx/>
-              <a:latin typeface="微软雅黑"/>
-              <a:ea typeface="微软雅黑"/>
-              <a:cs typeface="+mn-cs"/>
-            </a:endParaRPr>
-          </a:p>
-        </p:txBody>
-      </p:sp>
-      <p:sp>
-        <p:nvSpPr>
-          <p:cNvPr id="2" name="标题 1"/>
-          <p:cNvSpPr>
-            <a:spLocks noGrp="1"/>
-          </p:cNvSpPr>
-          <p:nvPr>
-            <p:ph type="title"/>
-          </p:nvPr>
-        </p:nvSpPr>
-        <p:spPr/>
-        <p:txBody>
-          <a:bodyPr/>
-          <a:lstStyle/>
-          <a:p>
-            <a:r>
-              <a:rPr lang="en-US" altLang="zh-CN" dirty="0">
-                <a:latin typeface="+mj-ea"/>
-                <a:cs typeface="Arial" panose="020B0604020202020204" pitchFamily="34" charset="0"/>
-                <a:sym typeface="Huawei Sans" panose="020C0503030203020204" pitchFamily="34" charset="0"/>
-              </a:rPr>
-              <a:t>MindSpore</a:t>
-            </a:r>
-            <a:r>
-              <a:rPr lang="zh-CN" altLang="en-US" dirty="0">
-                <a:latin typeface="+mj-ea"/>
-                <a:cs typeface="Arial" panose="020B0604020202020204" pitchFamily="34" charset="0"/>
-                <a:sym typeface="Huawei Sans" panose="020C0503030203020204" pitchFamily="34" charset="0"/>
-              </a:rPr>
-              <a:t> 全场景</a:t>
-            </a:r>
-            <a:r>
-              <a:rPr lang="en-US" altLang="zh-CN" dirty="0">
-                <a:latin typeface="+mj-ea"/>
-                <a:cs typeface="Arial" panose="020B0604020202020204" pitchFamily="34" charset="0"/>
-                <a:sym typeface="Huawei Sans" panose="020C0503030203020204" pitchFamily="34" charset="0"/>
-              </a:rPr>
-              <a:t>AI</a:t>
-            </a:r>
-            <a:r>
-              <a:rPr lang="zh-CN" altLang="en-US" dirty="0">
-                <a:latin typeface="+mj-ea"/>
-                <a:cs typeface="Arial" panose="020B0604020202020204" pitchFamily="34" charset="0"/>
-                <a:sym typeface="Huawei Sans" panose="020C0503030203020204" pitchFamily="34" charset="0"/>
-              </a:rPr>
-              <a:t>计算框架 架构图</a:t>
-            </a:r>
-            <a:endParaRPr lang="zh-CN" altLang="en-US" dirty="0">
-              <a:latin typeface="+mj-ea"/>
-            </a:endParaRPr>
-          </a:p>
-        </p:txBody>
-      </p:sp>
-      <p:sp>
-        <p:nvSpPr>
-          <p:cNvPr id="226" name="矩形 225"/>
-          <p:cNvSpPr/>
-          <p:nvPr/>
-        </p:nvSpPr>
-        <p:spPr>
-          <a:xfrm>
-            <a:off x="3256685" y="2828659"/>
-            <a:ext cx="964564" cy="1207885"/>
-          </a:xfrm>
-          <a:prstGeom prst="rect">
-            <a:avLst/>
-          </a:prstGeom>
-          <a:solidFill>
-            <a:srgbClr val="CCECFF">
-              <a:alpha val="40000"/>
-            </a:srgbClr>
-          </a:solidFill>
-          <a:ln w="12700" cap="flat" cmpd="sng" algn="ctr">
-            <a:noFill/>
-            <a:prstDash val="solid"/>
-            <a:miter lim="800000"/>
-          </a:ln>
-          <a:effectLst/>
-        </p:spPr>
-        <p:txBody>
-          <a:bodyPr rtlCol="0" anchor="t" anchorCtr="0"/>
-          <a:lstStyle/>
-          <a:p>
-            <a:pPr marL="0" marR="0" lvl="0" indent="0" algn="ctr" defTabSz="914400" eaLnBrk="1" fontAlgn="auto" latinLnBrk="0" hangingPunct="1">
-              <a:lnSpc>
-                <a:spcPct val="100000"/>
-              </a:lnSpc>
-              <a:spcBef>
-                <a:spcPts val="0"/>
-              </a:spcBef>
-              <a:spcAft>
-                <a:spcPts val="0"/>
-              </a:spcAft>
-              <a:buClrTx/>
-              <a:buSzTx/>
-              <a:buFontTx/>
-              <a:buNone/>
-              <a:tabLst/>
-              <a:defRPr/>
-            </a:pPr>
-            <a:r>
-              <a:rPr kumimoji="0" lang="en-US" altLang="zh-CN" sz="1000" b="1" i="0" u="none" strike="noStrike" kern="0" cap="none" spc="0" normalizeH="0" baseline="0" noProof="0" dirty="0">
-                <a:ln>
-                  <a:noFill/>
-                </a:ln>
-                <a:solidFill>
-                  <a:srgbClr val="1D1D1A"/>
-                </a:solidFill>
-                <a:effectLst/>
-                <a:uLnTx/>
-                <a:uFillTx/>
-                <a:latin typeface="微软雅黑"/>
-                <a:ea typeface="微软雅黑"/>
-                <a:cs typeface="+mn-cs"/>
-              </a:rPr>
-              <a:t>Data</a:t>
-            </a:r>
-          </a:p>
-        </p:txBody>
-      </p:sp>
-      <p:sp>
-        <p:nvSpPr>
-          <p:cNvPr id="227" name="矩形 226"/>
-          <p:cNvSpPr/>
-          <p:nvPr/>
-        </p:nvSpPr>
-        <p:spPr>
-          <a:xfrm>
-            <a:off x="3256685" y="4164371"/>
-            <a:ext cx="5814936" cy="455152"/>
-          </a:xfrm>
-          <a:prstGeom prst="rect">
-            <a:avLst/>
-          </a:prstGeom>
-          <a:solidFill>
-            <a:srgbClr val="CCECFF"/>
-          </a:solidFill>
-          <a:ln w="12700" cap="flat" cmpd="sng" algn="ctr">
-            <a:noFill/>
-            <a:prstDash val="solid"/>
-            <a:miter lim="800000"/>
-          </a:ln>
-          <a:effectLst/>
-        </p:spPr>
-        <p:txBody>
-          <a:bodyPr rot="0" spcFirstLastPara="0" vertOverflow="overflow" horzOverflow="overflow" vert="horz" wrap="square" lIns="91440" tIns="45720" rIns="91440" bIns="45720" numCol="1" spcCol="0" rtlCol="0" fromWordArt="0" anchor="t" anchorCtr="0" forceAA="0" compatLnSpc="1">
-            <a:prstTxWarp prst="textNoShape">
-              <a:avLst/>
-            </a:prstTxWarp>
-            <a:noAutofit/>
-          </a:bodyPr>
-          <a:lstStyle/>
-          <a:p>
-            <a:pPr marL="0" marR="0" lvl="0" indent="0" algn="ctr" defTabSz="914400" eaLnBrk="1" fontAlgn="auto" latinLnBrk="0" hangingPunct="1">
-              <a:lnSpc>
-                <a:spcPct val="100000"/>
-              </a:lnSpc>
-              <a:spcBef>
-                <a:spcPts val="0"/>
-              </a:spcBef>
-              <a:spcAft>
-                <a:spcPts val="0"/>
-              </a:spcAft>
-              <a:buClrTx/>
-              <a:buSzTx/>
-              <a:buFontTx/>
-              <a:buNone/>
-              <a:tabLst/>
-              <a:defRPr/>
-            </a:pPr>
-            <a:r>
-              <a:rPr kumimoji="0" lang="en-US" altLang="zh-CN" sz="1000" b="0" i="0" u="none" strike="noStrike" kern="0" cap="none" spc="0" normalizeH="0" baseline="0" noProof="0" dirty="0">
-                <a:ln>
-                  <a:noFill/>
-                </a:ln>
-                <a:solidFill>
-                  <a:srgbClr val="1D1D1A"/>
-                </a:solidFill>
-                <a:effectLst/>
-                <a:uLnTx/>
-                <a:uFillTx/>
-                <a:latin typeface="微软雅黑"/>
-                <a:ea typeface="微软雅黑"/>
-                <a:cs typeface="+mn-cs"/>
-              </a:rPr>
-              <a:t>  </a:t>
-            </a:r>
-            <a:r>
-              <a:rPr kumimoji="0" lang="en-US" altLang="zh-CN" sz="1000" b="1" i="0" u="none" strike="noStrike" kern="0" cap="none" spc="0" normalizeH="0" baseline="0" noProof="0" dirty="0">
-                <a:ln>
-                  <a:noFill/>
-                </a:ln>
-                <a:solidFill>
-                  <a:srgbClr val="1D1D1A"/>
-                </a:solidFill>
-                <a:effectLst/>
-                <a:uLnTx/>
-                <a:uFillTx/>
-                <a:latin typeface="微软雅黑"/>
-                <a:ea typeface="微软雅黑"/>
-                <a:cs typeface="+mn-cs"/>
-              </a:rPr>
-              <a:t>Runtime</a:t>
-            </a:r>
-            <a:endParaRPr kumimoji="0" lang="zh-CN" altLang="en-US" sz="1000" b="1" i="0" u="none" strike="noStrike" kern="0" cap="none" spc="0" normalizeH="0" baseline="0" noProof="0" dirty="0">
-              <a:ln>
-                <a:noFill/>
-              </a:ln>
-              <a:solidFill>
-                <a:srgbClr val="1D1D1A"/>
-              </a:solidFill>
-              <a:effectLst/>
-              <a:uLnTx/>
-              <a:uFillTx/>
-              <a:latin typeface="微软雅黑"/>
-              <a:ea typeface="微软雅黑"/>
-              <a:cs typeface="+mn-cs"/>
-            </a:endParaRPr>
-          </a:p>
-        </p:txBody>
-      </p:sp>
-      <p:sp>
-        <p:nvSpPr>
-          <p:cNvPr id="230" name="矩形 229"/>
-          <p:cNvSpPr/>
-          <p:nvPr/>
-        </p:nvSpPr>
-        <p:spPr>
-          <a:xfrm>
-            <a:off x="4298181" y="2831216"/>
-            <a:ext cx="4788125" cy="1195568"/>
-          </a:xfrm>
-          <a:prstGeom prst="rect">
-            <a:avLst/>
-          </a:prstGeom>
-          <a:solidFill>
-            <a:srgbClr val="CCECFF"/>
-          </a:solidFill>
-          <a:ln w="12700" cap="flat" cmpd="sng" algn="ctr">
-            <a:noFill/>
-            <a:prstDash val="solid"/>
-            <a:miter lim="800000"/>
-          </a:ln>
-          <a:effectLst/>
-        </p:spPr>
-        <p:txBody>
-          <a:bodyPr rot="0" spcFirstLastPara="0" vertOverflow="overflow" horzOverflow="overflow" vert="horz" wrap="square" lIns="91440" tIns="45720" rIns="91440" bIns="45720" numCol="1" spcCol="0" rtlCol="0" fromWordArt="0" anchor="t" anchorCtr="0" forceAA="0" compatLnSpc="1">
-            <a:prstTxWarp prst="textNoShape">
-              <a:avLst/>
-            </a:prstTxWarp>
-            <a:noAutofit/>
-          </a:bodyPr>
-          <a:lstStyle/>
-          <a:p>
-            <a:pPr marL="0" marR="0" lvl="0" indent="0" algn="ctr" defTabSz="914400" eaLnBrk="1" fontAlgn="auto" latinLnBrk="0" hangingPunct="1">
-              <a:lnSpc>
-                <a:spcPct val="100000"/>
-              </a:lnSpc>
-              <a:spcBef>
-                <a:spcPts val="0"/>
-              </a:spcBef>
-              <a:spcAft>
-                <a:spcPts val="0"/>
-              </a:spcAft>
-              <a:buClrTx/>
-              <a:buSzTx/>
-              <a:buFontTx/>
-              <a:buNone/>
-              <a:tabLst/>
-              <a:defRPr/>
-            </a:pPr>
-            <a:r>
-              <a:rPr kumimoji="0" lang="en-US" altLang="zh-CN" sz="1000" b="1" i="0" u="none" strike="noStrike" kern="0" cap="none" spc="0" normalizeH="0" baseline="0" noProof="0" dirty="0">
-                <a:ln>
-                  <a:noFill/>
-                </a:ln>
-                <a:solidFill>
-                  <a:srgbClr val="1D1D1A"/>
-                </a:solidFill>
-                <a:effectLst/>
-                <a:uLnTx/>
-                <a:uFillTx/>
-                <a:latin typeface="微软雅黑"/>
-                <a:ea typeface="微软雅黑"/>
-                <a:cs typeface="+mn-cs"/>
-              </a:rPr>
-              <a:t>Compiler AI</a:t>
-            </a:r>
-            <a:r>
-              <a:rPr lang="zh-CN" altLang="en-US" sz="1000" b="1" kern="0" dirty="0">
-                <a:solidFill>
-                  <a:srgbClr val="1D1D1A"/>
-                </a:solidFill>
-                <a:latin typeface="微软雅黑"/>
-                <a:ea typeface="微软雅黑"/>
-              </a:rPr>
-              <a:t>编译器</a:t>
-            </a:r>
-            <a:endParaRPr kumimoji="0" lang="zh-CN" altLang="en-US" sz="1000" b="1" i="0" u="none" strike="noStrike" kern="0" cap="none" spc="0" normalizeH="0" baseline="0" noProof="0" dirty="0">
-              <a:ln>
-                <a:noFill/>
-              </a:ln>
-              <a:solidFill>
-                <a:srgbClr val="1D1D1A"/>
-              </a:solidFill>
-              <a:effectLst/>
-              <a:uLnTx/>
-              <a:uFillTx/>
-              <a:latin typeface="微软雅黑"/>
-              <a:ea typeface="微软雅黑"/>
-              <a:cs typeface="+mn-cs"/>
-            </a:endParaRPr>
-          </a:p>
-        </p:txBody>
-      </p:sp>
-      <p:sp>
-        <p:nvSpPr>
-          <p:cNvPr id="234" name="矩形 233"/>
-          <p:cNvSpPr/>
-          <p:nvPr/>
-        </p:nvSpPr>
-        <p:spPr>
-          <a:xfrm>
-            <a:off x="7690623" y="1990398"/>
-            <a:ext cx="1395683" cy="709349"/>
-          </a:xfrm>
-          <a:prstGeom prst="rect">
-            <a:avLst/>
-          </a:prstGeom>
-          <a:solidFill>
-            <a:srgbClr val="CCECFF">
-              <a:alpha val="40000"/>
-            </a:srgbClr>
-          </a:solidFill>
-          <a:ln w="12700" cap="flat" cmpd="sng" algn="ctr">
-            <a:noFill/>
-            <a:prstDash val="solid"/>
-            <a:miter lim="800000"/>
-          </a:ln>
-          <a:effectLst/>
-        </p:spPr>
-        <p:txBody>
-          <a:bodyPr rtlCol="0" anchor="t"/>
-          <a:lstStyle/>
-          <a:p>
-            <a:pPr marL="0" marR="0" lvl="0" indent="0" algn="ctr" defTabSz="914400" eaLnBrk="1" fontAlgn="auto" latinLnBrk="0" hangingPunct="1">
-              <a:lnSpc>
-                <a:spcPct val="100000"/>
-              </a:lnSpc>
-              <a:spcBef>
-                <a:spcPts val="0"/>
-              </a:spcBef>
-              <a:spcAft>
-                <a:spcPts val="0"/>
-              </a:spcAft>
-              <a:buClrTx/>
-              <a:buSzTx/>
-              <a:buFontTx/>
-              <a:buNone/>
-              <a:tabLst/>
-              <a:defRPr/>
-            </a:pPr>
-            <a:r>
-              <a:rPr kumimoji="0" lang="zh-CN" altLang="en-US" sz="1000" b="1" i="0" u="none" strike="noStrike" kern="0" cap="none" spc="0" normalizeH="0" baseline="0" noProof="0" dirty="0">
-                <a:ln>
-                  <a:noFill/>
-                </a:ln>
-                <a:solidFill>
-                  <a:srgbClr val="1D1D1A"/>
-                </a:solidFill>
-                <a:effectLst/>
-                <a:uLnTx/>
-                <a:uFillTx/>
-                <a:latin typeface="微软雅黑"/>
-                <a:ea typeface="微软雅黑"/>
-                <a:cs typeface="+mn-cs"/>
-              </a:rPr>
-              <a:t>第三方前端</a:t>
-            </a:r>
-            <a:endParaRPr kumimoji="0" lang="en-US" altLang="zh-CN" sz="1000" b="1" i="0" u="none" strike="noStrike" kern="0" cap="none" spc="0" normalizeH="0" baseline="0" noProof="0" dirty="0">
-              <a:ln>
-                <a:noFill/>
-              </a:ln>
-              <a:solidFill>
-                <a:srgbClr val="1D1D1A"/>
-              </a:solidFill>
-              <a:effectLst/>
-              <a:uLnTx/>
-              <a:uFillTx/>
-              <a:latin typeface="微软雅黑"/>
-              <a:ea typeface="微软雅黑"/>
-              <a:cs typeface="+mn-cs"/>
-            </a:endParaRPr>
-          </a:p>
-        </p:txBody>
-      </p:sp>
-      <p:sp>
-        <p:nvSpPr>
-          <p:cNvPr id="242" name="矩形 241"/>
-          <p:cNvSpPr/>
-          <p:nvPr/>
-        </p:nvSpPr>
-        <p:spPr>
-          <a:xfrm>
-            <a:off x="3246782" y="1991033"/>
-            <a:ext cx="4358488" cy="708714"/>
-          </a:xfrm>
-          <a:prstGeom prst="rect">
-            <a:avLst/>
-          </a:prstGeom>
-          <a:solidFill>
-            <a:srgbClr val="CCECFF"/>
-          </a:solidFill>
-          <a:ln w="12700" cap="flat" cmpd="sng" algn="ctr">
-            <a:noFill/>
-            <a:prstDash val="solid"/>
-            <a:miter lim="800000"/>
-          </a:ln>
-          <a:effectLst/>
-        </p:spPr>
-        <p:txBody>
-          <a:bodyPr rtlCol="0" anchor="t" anchorCtr="0"/>
-          <a:lstStyle/>
-          <a:p>
-            <a:pPr marL="0" marR="0" lvl="0" indent="0" algn="ctr" defTabSz="914400" eaLnBrk="1" fontAlgn="auto" latinLnBrk="0" hangingPunct="1">
-              <a:lnSpc>
-                <a:spcPct val="100000"/>
-              </a:lnSpc>
-              <a:spcBef>
-                <a:spcPts val="0"/>
-              </a:spcBef>
-              <a:spcAft>
-                <a:spcPts val="0"/>
-              </a:spcAft>
-              <a:buClrTx/>
-              <a:buSzTx/>
-              <a:buFontTx/>
-              <a:buNone/>
-              <a:tabLst/>
-              <a:defRPr/>
-            </a:pPr>
-            <a:r>
-              <a:rPr kumimoji="0" lang="en-US" altLang="zh-CN" sz="1000" b="1" i="0" u="none" strike="noStrike" kern="0" cap="none" spc="0" normalizeH="0" baseline="0" noProof="0" dirty="0">
-                <a:ln>
-                  <a:noFill/>
-                </a:ln>
-                <a:solidFill>
-                  <a:srgbClr val="1D1D1A"/>
-                </a:solidFill>
-                <a:effectLst/>
-                <a:uLnTx/>
-                <a:uFillTx/>
-                <a:latin typeface="微软雅黑"/>
-                <a:ea typeface="微软雅黑"/>
-                <a:cs typeface="+mn-cs"/>
-              </a:rPr>
-              <a:t>Expression </a:t>
-            </a:r>
-            <a:r>
-              <a:rPr lang="zh-CN" altLang="en-US" sz="1000" b="1" kern="0" dirty="0">
-                <a:solidFill>
-                  <a:srgbClr val="1D1D1A"/>
-                </a:solidFill>
-                <a:latin typeface="微软雅黑"/>
-                <a:ea typeface="微软雅黑"/>
-              </a:rPr>
-              <a:t>全场景统一</a:t>
-            </a:r>
-            <a:r>
-              <a:rPr lang="en-US" altLang="zh-CN" sz="1000" b="1" kern="0" dirty="0">
-                <a:solidFill>
-                  <a:srgbClr val="1D1D1A"/>
-                </a:solidFill>
-                <a:latin typeface="微软雅黑"/>
-                <a:ea typeface="微软雅黑"/>
-              </a:rPr>
-              <a:t>API</a:t>
-            </a:r>
-            <a:endParaRPr kumimoji="0" lang="en-US" altLang="zh-CN" sz="1000" b="0" i="0" u="none" strike="noStrike" kern="0" cap="none" spc="0" normalizeH="0" baseline="0" noProof="0" dirty="0">
-              <a:ln>
-                <a:noFill/>
-              </a:ln>
-              <a:solidFill>
-                <a:srgbClr val="1D1D1A"/>
-              </a:solidFill>
-              <a:effectLst/>
-              <a:uLnTx/>
-              <a:uFillTx/>
-              <a:latin typeface="微软雅黑"/>
-              <a:ea typeface="微软雅黑"/>
-              <a:cs typeface="+mn-cs"/>
-            </a:endParaRPr>
-          </a:p>
-        </p:txBody>
-      </p:sp>
-      <p:grpSp>
-        <p:nvGrpSpPr>
-          <p:cNvPr id="6" name="组合 5"/>
-          <p:cNvGrpSpPr/>
-          <p:nvPr/>
-        </p:nvGrpSpPr>
-        <p:grpSpPr>
-          <a:xfrm>
-            <a:off x="4451121" y="3120666"/>
-            <a:ext cx="4530446" cy="854425"/>
-            <a:chOff x="3137239" y="3304011"/>
-            <a:chExt cx="4530446" cy="1093588"/>
-          </a:xfrm>
-        </p:grpSpPr>
-        <p:sp>
-          <p:nvSpPr>
-            <p:cNvPr id="231" name="圆角矩形 230"/>
-            <p:cNvSpPr/>
-            <p:nvPr/>
-          </p:nvSpPr>
-          <p:spPr>
-            <a:xfrm>
-              <a:off x="3137239" y="3878221"/>
-              <a:ext cx="4530446" cy="233717"/>
-            </a:xfrm>
-            <a:prstGeom prst="roundRect">
-              <a:avLst/>
-            </a:prstGeom>
-            <a:solidFill>
-              <a:srgbClr val="FFC000"/>
-            </a:solidFill>
-            <a:ln w="12700" cap="flat" cmpd="sng" algn="ctr">
-              <a:noFill/>
-              <a:prstDash val="solid"/>
-              <a:miter lim="800000"/>
-            </a:ln>
-            <a:effectLst/>
-          </p:spPr>
-          <p:txBody>
-            <a:bodyPr rtlCol="0" anchor="ctr"/>
-            <a:lstStyle/>
-            <a:p>
-              <a:pPr marL="0" marR="0" lvl="0" indent="0" algn="ctr" defTabSz="914400" eaLnBrk="1" fontAlgn="auto" latinLnBrk="0" hangingPunct="1">
-                <a:lnSpc>
-                  <a:spcPct val="100000"/>
-                </a:lnSpc>
-                <a:spcBef>
-                  <a:spcPts val="0"/>
-                </a:spcBef>
-                <a:spcAft>
-                  <a:spcPts val="0"/>
-                </a:spcAft>
-                <a:buClrTx/>
-                <a:buSzTx/>
-                <a:buFontTx/>
-                <a:buNone/>
-                <a:tabLst/>
-                <a:defRPr/>
-              </a:pPr>
-              <a:r>
-                <a:rPr kumimoji="0" lang="en-US" altLang="zh-CN" sz="1000" b="1" i="0" u="none" strike="noStrike" kern="0" cap="none" spc="0" normalizeH="0" baseline="0" noProof="0" dirty="0">
-                  <a:ln>
-                    <a:noFill/>
-                  </a:ln>
-                  <a:solidFill>
-                    <a:srgbClr val="1D1D1A"/>
-                  </a:solidFill>
-                  <a:effectLst/>
-                  <a:uLnTx/>
-                  <a:uFillTx/>
-                  <a:latin typeface="微软雅黑"/>
-                  <a:ea typeface="微软雅黑"/>
-                  <a:cs typeface="+mn-cs"/>
-                </a:rPr>
-                <a:t>IR </a:t>
-              </a:r>
-              <a:r>
-                <a:rPr kumimoji="0" lang="zh-CN" altLang="en-US" sz="1000" b="1" i="0" u="none" strike="noStrike" kern="0" cap="none" spc="0" normalizeH="0" baseline="0" noProof="0" dirty="0">
-                  <a:ln>
-                    <a:noFill/>
-                  </a:ln>
-                  <a:solidFill>
-                    <a:srgbClr val="1D1D1A"/>
-                  </a:solidFill>
-                  <a:effectLst/>
-                  <a:uLnTx/>
-                  <a:uFillTx/>
-                  <a:latin typeface="微软雅黑"/>
-                  <a:ea typeface="微软雅黑"/>
-                  <a:cs typeface="+mn-cs"/>
-                </a:rPr>
-                <a:t>中间表达层</a:t>
-              </a:r>
-            </a:p>
-          </p:txBody>
-        </p:sp>
-        <p:sp>
-          <p:nvSpPr>
-            <p:cNvPr id="232" name="圆角矩形 231"/>
-            <p:cNvSpPr/>
-            <p:nvPr/>
-          </p:nvSpPr>
-          <p:spPr>
-            <a:xfrm>
-              <a:off x="6500474" y="3304011"/>
-              <a:ext cx="1167209" cy="518094"/>
-            </a:xfrm>
-            <a:prstGeom prst="roundRect">
-              <a:avLst/>
-            </a:prstGeom>
-            <a:solidFill>
-              <a:srgbClr val="FFFFFF"/>
-            </a:solidFill>
-            <a:ln w="12700" cap="flat" cmpd="sng" algn="ctr">
-              <a:noFill/>
-              <a:prstDash val="solid"/>
-              <a:miter lim="800000"/>
-            </a:ln>
-            <a:effectLst/>
-          </p:spPr>
-          <p:txBody>
-            <a:bodyPr rtlCol="0" anchor="ctr"/>
-            <a:lstStyle/>
-            <a:p>
-              <a:pPr marL="0" marR="0" lvl="0" indent="0" algn="ctr" defTabSz="914400" eaLnBrk="1" fontAlgn="auto" latinLnBrk="0" hangingPunct="1">
-                <a:lnSpc>
-                  <a:spcPct val="100000"/>
-                </a:lnSpc>
-                <a:spcBef>
-                  <a:spcPts val="0"/>
-                </a:spcBef>
-                <a:spcAft>
-                  <a:spcPts val="0"/>
-                </a:spcAft>
-                <a:buClrTx/>
-                <a:buSzTx/>
-                <a:buFontTx/>
-                <a:buNone/>
-                <a:tabLst/>
-                <a:defRPr/>
-              </a:pPr>
-              <a:r>
-                <a:rPr kumimoji="0" lang="zh-CN" altLang="en-US" sz="800" b="0" i="0" u="none" strike="noStrike" kern="0" cap="none" spc="0" normalizeH="0" baseline="0" noProof="0" dirty="0">
-                  <a:ln>
-                    <a:noFill/>
-                  </a:ln>
-                  <a:solidFill>
-                    <a:srgbClr val="1D1D1A"/>
-                  </a:solidFill>
-                  <a:effectLst/>
-                  <a:uLnTx/>
-                  <a:uFillTx/>
-                  <a:latin typeface="微软雅黑"/>
-                  <a:ea typeface="微软雅黑"/>
-                  <a:cs typeface="+mn-cs"/>
-                </a:rPr>
-                <a:t>量化</a:t>
-              </a:r>
-              <a:r>
-                <a:rPr kumimoji="0" lang="en-US" altLang="zh-CN" sz="800" b="0" i="0" u="none" strike="noStrike" kern="0" cap="none" spc="0" normalizeH="0" baseline="0" noProof="0" dirty="0">
-                  <a:ln>
-                    <a:noFill/>
-                  </a:ln>
-                  <a:solidFill>
-                    <a:srgbClr val="1D1D1A"/>
-                  </a:solidFill>
-                  <a:effectLst/>
-                  <a:uLnTx/>
-                  <a:uFillTx/>
-                  <a:latin typeface="微软雅黑"/>
-                  <a:ea typeface="微软雅黑"/>
-                  <a:cs typeface="+mn-cs"/>
-                </a:rPr>
-                <a:t>/</a:t>
-              </a:r>
-              <a:r>
-                <a:rPr kumimoji="0" lang="zh-CN" altLang="en-US" sz="800" b="0" i="0" u="none" strike="noStrike" kern="0" cap="none" spc="0" normalizeH="0" baseline="0" noProof="0" dirty="0">
-                  <a:ln>
-                    <a:noFill/>
-                  </a:ln>
-                  <a:solidFill>
-                    <a:srgbClr val="1D1D1A"/>
-                  </a:solidFill>
-                  <a:effectLst/>
-                  <a:uLnTx/>
-                  <a:uFillTx/>
-                  <a:latin typeface="微软雅黑"/>
-                  <a:ea typeface="微软雅黑"/>
-                  <a:cs typeface="+mn-cs"/>
-                </a:rPr>
-                <a:t>剪枝</a:t>
-              </a:r>
-              <a:r>
-                <a:rPr lang="en-US" altLang="zh-CN" sz="800" kern="0" dirty="0">
-                  <a:solidFill>
-                    <a:srgbClr val="1D1D1A"/>
-                  </a:solidFill>
-                  <a:latin typeface="微软雅黑"/>
-                  <a:ea typeface="微软雅黑"/>
-                </a:rPr>
-                <a:t>/</a:t>
-              </a:r>
-              <a:r>
-                <a:rPr lang="zh-CN" altLang="en-US" sz="800" kern="0" dirty="0">
-                  <a:solidFill>
-                    <a:srgbClr val="1D1D1A"/>
-                  </a:solidFill>
-                  <a:latin typeface="微软雅黑"/>
-                  <a:ea typeface="微软雅黑"/>
-                </a:rPr>
-                <a:t>蒸馏</a:t>
-              </a:r>
-              <a:endParaRPr kumimoji="0" lang="zh-CN" altLang="en-US" sz="800" b="0" i="0" u="none" strike="noStrike" kern="0" cap="none" spc="0" normalizeH="0" baseline="0" noProof="0" dirty="0">
-                <a:ln>
-                  <a:noFill/>
-                </a:ln>
-                <a:solidFill>
-                  <a:srgbClr val="1D1D1A"/>
-                </a:solidFill>
-                <a:effectLst/>
-                <a:uLnTx/>
-                <a:uFillTx/>
-                <a:latin typeface="微软雅黑"/>
-                <a:ea typeface="微软雅黑"/>
-                <a:cs typeface="+mn-cs"/>
-              </a:endParaRPr>
-            </a:p>
-          </p:txBody>
-        </p:sp>
-        <p:sp>
-          <p:nvSpPr>
-            <p:cNvPr id="233" name="圆角矩形 232"/>
-            <p:cNvSpPr/>
-            <p:nvPr/>
-          </p:nvSpPr>
-          <p:spPr>
-            <a:xfrm>
-              <a:off x="5189070" y="4163882"/>
-              <a:ext cx="2478614" cy="233717"/>
-            </a:xfrm>
-            <a:prstGeom prst="roundRect">
-              <a:avLst/>
-            </a:prstGeom>
-            <a:solidFill>
-              <a:srgbClr val="FFFFFF"/>
-            </a:solidFill>
-            <a:ln w="12700" cap="flat" cmpd="sng" algn="ctr">
-              <a:noFill/>
-              <a:prstDash val="solid"/>
-              <a:miter lim="800000"/>
-            </a:ln>
-            <a:effectLst/>
-          </p:spPr>
-          <p:txBody>
-            <a:bodyPr rtlCol="0" anchor="ctr"/>
-            <a:lstStyle/>
-            <a:p>
-              <a:pPr marL="0" marR="0" lvl="0" indent="0" algn="ctr" defTabSz="914400" eaLnBrk="1" fontAlgn="auto" latinLnBrk="0" hangingPunct="1">
-                <a:lnSpc>
-                  <a:spcPct val="100000"/>
-                </a:lnSpc>
-                <a:spcBef>
-                  <a:spcPts val="0"/>
-                </a:spcBef>
-                <a:spcAft>
-                  <a:spcPts val="0"/>
-                </a:spcAft>
-                <a:buClrTx/>
-                <a:buSzTx/>
-                <a:buFontTx/>
-                <a:buNone/>
-                <a:tabLst/>
-                <a:defRPr/>
-              </a:pPr>
-              <a:r>
-                <a:rPr kumimoji="0" lang="zh-CN" altLang="en-US" sz="800" b="0" i="0" u="none" strike="noStrike" kern="0" cap="none" spc="0" normalizeH="0" baseline="0" noProof="0" dirty="0">
-                  <a:ln>
-                    <a:noFill/>
-                  </a:ln>
-                  <a:solidFill>
-                    <a:srgbClr val="1D1D1A"/>
-                  </a:solidFill>
-                  <a:effectLst/>
-                  <a:uLnTx/>
-                  <a:uFillTx/>
-                  <a:latin typeface="微软雅黑"/>
-                  <a:ea typeface="微软雅黑"/>
-                  <a:cs typeface="+mn-cs"/>
-                </a:rPr>
-                <a:t>算子自动生成</a:t>
-              </a:r>
-            </a:p>
-          </p:txBody>
-        </p:sp>
-        <p:sp>
-          <p:nvSpPr>
-            <p:cNvPr id="235" name="圆角矩形 234"/>
-            <p:cNvSpPr/>
-            <p:nvPr/>
-          </p:nvSpPr>
-          <p:spPr>
-            <a:xfrm>
-              <a:off x="4243545" y="3588388"/>
-              <a:ext cx="993067" cy="233717"/>
-            </a:xfrm>
-            <a:prstGeom prst="roundRect">
-              <a:avLst/>
-            </a:prstGeom>
-            <a:solidFill>
-              <a:srgbClr val="FFFFFF"/>
-            </a:solidFill>
-            <a:ln w="12700" cap="flat" cmpd="sng" algn="ctr">
-              <a:noFill/>
-              <a:prstDash val="solid"/>
-              <a:miter lim="800000"/>
-            </a:ln>
-            <a:effectLst/>
-          </p:spPr>
-          <p:txBody>
-            <a:bodyPr rtlCol="0" anchor="ctr"/>
-            <a:lstStyle/>
-            <a:p>
-              <a:pPr marL="0" marR="0" lvl="0" indent="0" algn="ctr" defTabSz="914400" eaLnBrk="1" fontAlgn="auto" latinLnBrk="0" hangingPunct="1">
-                <a:lnSpc>
-                  <a:spcPct val="100000"/>
-                </a:lnSpc>
-                <a:spcBef>
-                  <a:spcPts val="0"/>
-                </a:spcBef>
-                <a:spcAft>
-                  <a:spcPts val="0"/>
-                </a:spcAft>
-                <a:buClrTx/>
-                <a:buSzTx/>
-                <a:buFontTx/>
-                <a:buNone/>
-                <a:tabLst/>
-                <a:defRPr/>
-              </a:pPr>
-              <a:r>
-                <a:rPr kumimoji="0" lang="zh-CN" altLang="en-US" sz="800" b="0" i="0" u="none" strike="noStrike" kern="0" cap="none" spc="0" normalizeH="0" baseline="0" noProof="0" dirty="0">
-                  <a:ln>
-                    <a:noFill/>
-                  </a:ln>
-                  <a:solidFill>
-                    <a:srgbClr val="1D1D1A"/>
-                  </a:solidFill>
-                  <a:effectLst/>
-                  <a:uLnTx/>
-                  <a:uFillTx/>
-                  <a:latin typeface="微软雅黑"/>
-                  <a:ea typeface="微软雅黑"/>
-                  <a:cs typeface="+mn-cs"/>
-                </a:rPr>
-                <a:t>图算融合</a:t>
-              </a:r>
-            </a:p>
-          </p:txBody>
-        </p:sp>
-        <p:sp>
-          <p:nvSpPr>
-            <p:cNvPr id="236" name="圆角矩形 235"/>
-            <p:cNvSpPr/>
-            <p:nvPr/>
-          </p:nvSpPr>
-          <p:spPr>
-            <a:xfrm>
-              <a:off x="3137239" y="3588388"/>
-              <a:ext cx="993067" cy="233717"/>
-            </a:xfrm>
-            <a:prstGeom prst="roundRect">
-              <a:avLst/>
-            </a:prstGeom>
-            <a:solidFill>
-              <a:srgbClr val="FFFFFF"/>
-            </a:solidFill>
-            <a:ln w="12700" cap="flat" cmpd="sng" algn="ctr">
-              <a:noFill/>
-              <a:prstDash val="solid"/>
-              <a:miter lim="800000"/>
-            </a:ln>
-            <a:effectLst/>
-          </p:spPr>
-          <p:txBody>
-            <a:bodyPr rtlCol="0" anchor="ctr"/>
-            <a:lstStyle/>
-            <a:p>
-              <a:pPr marL="0" marR="0" lvl="0" indent="0" algn="ctr" defTabSz="914400" eaLnBrk="1" fontAlgn="auto" latinLnBrk="0" hangingPunct="1">
-                <a:lnSpc>
-                  <a:spcPct val="100000"/>
-                </a:lnSpc>
-                <a:spcBef>
-                  <a:spcPts val="0"/>
-                </a:spcBef>
-                <a:spcAft>
-                  <a:spcPts val="0"/>
-                </a:spcAft>
-                <a:buClrTx/>
-                <a:buSzTx/>
-                <a:buFontTx/>
-                <a:buNone/>
-                <a:tabLst/>
-                <a:defRPr/>
-              </a:pPr>
-              <a:r>
-                <a:rPr kumimoji="0" lang="zh-CN" altLang="en-US" sz="800" b="0" i="0" u="none" strike="noStrike" kern="0" cap="none" spc="0" normalizeH="0" baseline="0" noProof="0" dirty="0">
-                  <a:ln>
-                    <a:noFill/>
-                  </a:ln>
-                  <a:solidFill>
-                    <a:srgbClr val="1D1D1A"/>
-                  </a:solidFill>
-                  <a:effectLst/>
-                  <a:uLnTx/>
-                  <a:uFillTx/>
-                  <a:latin typeface="微软雅黑"/>
-                  <a:ea typeface="微软雅黑"/>
-                  <a:cs typeface="+mn-cs"/>
-                </a:rPr>
-                <a:t>内存优化</a:t>
-              </a:r>
-            </a:p>
-          </p:txBody>
-        </p:sp>
-        <p:sp>
-          <p:nvSpPr>
-            <p:cNvPr id="237" name="圆角矩形 236"/>
-            <p:cNvSpPr/>
-            <p:nvPr/>
-          </p:nvSpPr>
-          <p:spPr>
-            <a:xfrm>
-              <a:off x="5349853" y="3588388"/>
-              <a:ext cx="993067" cy="233717"/>
-            </a:xfrm>
-            <a:prstGeom prst="roundRect">
-              <a:avLst/>
-            </a:prstGeom>
-            <a:solidFill>
-              <a:srgbClr val="FFFFFF"/>
-            </a:solidFill>
-            <a:ln w="12700" cap="flat" cmpd="sng" algn="ctr">
-              <a:noFill/>
-              <a:prstDash val="solid"/>
-              <a:miter lim="800000"/>
-            </a:ln>
-            <a:effectLst/>
-          </p:spPr>
-          <p:txBody>
-            <a:bodyPr rtlCol="0" anchor="ctr"/>
-            <a:lstStyle/>
-            <a:p>
-              <a:pPr marL="0" marR="0" lvl="0" indent="0" algn="ctr" defTabSz="914400" eaLnBrk="1" fontAlgn="auto" latinLnBrk="0" hangingPunct="1">
-                <a:lnSpc>
-                  <a:spcPct val="100000"/>
-                </a:lnSpc>
-                <a:spcBef>
-                  <a:spcPts val="0"/>
-                </a:spcBef>
-                <a:spcAft>
-                  <a:spcPts val="0"/>
-                </a:spcAft>
-                <a:buClrTx/>
-                <a:buSzTx/>
-                <a:buFontTx/>
-                <a:buNone/>
-                <a:tabLst/>
-                <a:defRPr/>
-              </a:pPr>
-              <a:r>
-                <a:rPr kumimoji="0" lang="zh-CN" altLang="en-US" sz="800" b="0" i="0" u="none" strike="noStrike" kern="0" cap="none" spc="0" normalizeH="0" baseline="0" noProof="0" dirty="0">
-                  <a:ln>
-                    <a:noFill/>
-                  </a:ln>
-                  <a:solidFill>
-                    <a:srgbClr val="1D1D1A"/>
-                  </a:solidFill>
-                  <a:effectLst/>
-                  <a:uLnTx/>
-                  <a:uFillTx/>
-                  <a:latin typeface="微软雅黑"/>
-                  <a:ea typeface="微软雅黑"/>
-                  <a:cs typeface="+mn-cs"/>
-                </a:rPr>
-                <a:t>流水线执行</a:t>
-              </a:r>
-            </a:p>
-          </p:txBody>
-        </p:sp>
-        <p:sp>
-          <p:nvSpPr>
-            <p:cNvPr id="238" name="圆角矩形 237"/>
-            <p:cNvSpPr/>
-            <p:nvPr/>
-          </p:nvSpPr>
-          <p:spPr>
-            <a:xfrm>
-              <a:off x="3947330" y="3304011"/>
-              <a:ext cx="723890" cy="233717"/>
-            </a:xfrm>
-            <a:prstGeom prst="roundRect">
-              <a:avLst/>
-            </a:prstGeom>
-            <a:solidFill>
-              <a:srgbClr val="FFFFFF"/>
-            </a:solidFill>
-            <a:ln w="12700" cap="flat" cmpd="sng" algn="ctr">
-              <a:noFill/>
-              <a:prstDash val="solid"/>
-              <a:miter lim="800000"/>
-            </a:ln>
-            <a:effectLst/>
-          </p:spPr>
-          <p:txBody>
-            <a:bodyPr lIns="36000" tIns="36000" rIns="36000" bIns="36000" rtlCol="0" anchor="ctr"/>
-            <a:lstStyle/>
-            <a:p>
-              <a:pPr marL="0" marR="0" lvl="0" indent="0" algn="ctr" defTabSz="914400" eaLnBrk="1" fontAlgn="auto" latinLnBrk="0" hangingPunct="1">
-                <a:lnSpc>
-                  <a:spcPct val="100000"/>
-                </a:lnSpc>
-                <a:spcBef>
-                  <a:spcPts val="0"/>
-                </a:spcBef>
-                <a:spcAft>
-                  <a:spcPts val="0"/>
-                </a:spcAft>
-                <a:buClrTx/>
-                <a:buSzTx/>
-                <a:buFontTx/>
-                <a:buNone/>
-                <a:tabLst/>
-                <a:defRPr/>
-              </a:pPr>
-              <a:r>
-                <a:rPr kumimoji="0" lang="zh-CN" altLang="en-US" sz="800" b="0" i="0" u="none" strike="noStrike" kern="0" cap="none" spc="0" normalizeH="0" baseline="0" noProof="0" dirty="0">
-                  <a:ln>
-                    <a:noFill/>
-                  </a:ln>
-                  <a:solidFill>
-                    <a:srgbClr val="1D1D1A"/>
-                  </a:solidFill>
-                  <a:effectLst/>
-                  <a:uLnTx/>
-                  <a:uFillTx/>
-                  <a:latin typeface="微软雅黑"/>
-                  <a:ea typeface="微软雅黑"/>
-                  <a:cs typeface="+mn-cs"/>
-                </a:rPr>
-                <a:t>自动微分</a:t>
-              </a:r>
-            </a:p>
-          </p:txBody>
-        </p:sp>
-        <p:sp>
-          <p:nvSpPr>
-            <p:cNvPr id="239" name="圆角矩形 238"/>
-            <p:cNvSpPr/>
-            <p:nvPr/>
-          </p:nvSpPr>
-          <p:spPr>
-            <a:xfrm>
-              <a:off x="3137239" y="3304011"/>
-              <a:ext cx="750230" cy="233717"/>
-            </a:xfrm>
-            <a:prstGeom prst="roundRect">
-              <a:avLst/>
-            </a:prstGeom>
-            <a:solidFill>
-              <a:srgbClr val="FFFFFF"/>
-            </a:solidFill>
-            <a:ln w="12700" cap="flat" cmpd="sng" algn="ctr">
-              <a:noFill/>
-              <a:prstDash val="solid"/>
-              <a:miter lim="800000"/>
-            </a:ln>
-            <a:effectLst/>
-          </p:spPr>
-          <p:txBody>
-            <a:bodyPr lIns="36000" tIns="36000" rIns="36000" bIns="36000" rtlCol="0" anchor="ctr"/>
-            <a:lstStyle/>
-            <a:p>
-              <a:pPr marL="0" marR="0" lvl="0" indent="0" algn="ctr" defTabSz="914400" eaLnBrk="1" fontAlgn="auto" latinLnBrk="0" hangingPunct="1">
-                <a:lnSpc>
-                  <a:spcPct val="100000"/>
-                </a:lnSpc>
-                <a:spcBef>
-                  <a:spcPts val="0"/>
-                </a:spcBef>
-                <a:spcAft>
-                  <a:spcPts val="0"/>
-                </a:spcAft>
-                <a:buClrTx/>
-                <a:buSzTx/>
-                <a:buFontTx/>
-                <a:buNone/>
-                <a:tabLst/>
-                <a:defRPr/>
-              </a:pPr>
-              <a:r>
-                <a:rPr kumimoji="0" lang="zh-CN" altLang="en-US" sz="800" b="0" i="0" u="none" strike="noStrike" kern="0" cap="none" spc="0" normalizeH="0" baseline="0" noProof="0" dirty="0">
-                  <a:ln>
-                    <a:noFill/>
-                  </a:ln>
-                  <a:solidFill>
-                    <a:srgbClr val="1D1D1A"/>
-                  </a:solidFill>
-                  <a:effectLst/>
-                  <a:uLnTx/>
-                  <a:uFillTx/>
-                  <a:latin typeface="微软雅黑"/>
-                  <a:ea typeface="微软雅黑"/>
-                  <a:cs typeface="+mn-cs"/>
-                </a:rPr>
-                <a:t>类型推导</a:t>
-              </a:r>
-            </a:p>
-          </p:txBody>
-        </p:sp>
-        <p:sp>
-          <p:nvSpPr>
-            <p:cNvPr id="240" name="圆角矩形 239"/>
-            <p:cNvSpPr/>
-            <p:nvPr/>
-          </p:nvSpPr>
-          <p:spPr>
-            <a:xfrm>
-              <a:off x="4731080" y="3304011"/>
-              <a:ext cx="790145" cy="233717"/>
-            </a:xfrm>
-            <a:prstGeom prst="roundRect">
-              <a:avLst/>
-            </a:prstGeom>
-            <a:solidFill>
-              <a:srgbClr val="FFFFFF"/>
-            </a:solidFill>
-            <a:ln w="12700" cap="flat" cmpd="sng" algn="ctr">
-              <a:noFill/>
-              <a:prstDash val="solid"/>
-              <a:miter lim="800000"/>
-            </a:ln>
-            <a:effectLst/>
-          </p:spPr>
-          <p:txBody>
-            <a:bodyPr lIns="36000" tIns="36000" rIns="36000" bIns="36000" rtlCol="0" anchor="ctr"/>
-            <a:lstStyle/>
-            <a:p>
-              <a:pPr marL="0" marR="0" lvl="0" indent="0" algn="ctr" defTabSz="914400" eaLnBrk="1" fontAlgn="auto" latinLnBrk="0" hangingPunct="1">
-                <a:lnSpc>
-                  <a:spcPct val="100000"/>
-                </a:lnSpc>
-                <a:spcBef>
-                  <a:spcPts val="0"/>
-                </a:spcBef>
-                <a:spcAft>
-                  <a:spcPts val="0"/>
-                </a:spcAft>
-                <a:buClrTx/>
-                <a:buSzTx/>
-                <a:buFontTx/>
-                <a:buNone/>
-                <a:tabLst/>
-                <a:defRPr/>
-              </a:pPr>
-              <a:r>
-                <a:rPr kumimoji="0" lang="zh-CN" altLang="en-US" sz="800" b="0" i="0" u="none" strike="noStrike" kern="0" cap="none" spc="0" normalizeH="0" baseline="0" noProof="0" dirty="0">
-                  <a:ln>
-                    <a:noFill/>
-                  </a:ln>
-                  <a:solidFill>
-                    <a:srgbClr val="1D1D1A"/>
-                  </a:solidFill>
-                  <a:effectLst/>
-                  <a:uLnTx/>
-                  <a:uFillTx/>
-                  <a:latin typeface="微软雅黑"/>
-                  <a:ea typeface="微软雅黑"/>
-                  <a:cs typeface="+mn-cs"/>
-                </a:rPr>
-                <a:t>自动并行</a:t>
-              </a:r>
-            </a:p>
-          </p:txBody>
-        </p:sp>
-        <p:sp>
-          <p:nvSpPr>
-            <p:cNvPr id="241" name="圆角矩形 240"/>
-            <p:cNvSpPr/>
-            <p:nvPr/>
-          </p:nvSpPr>
-          <p:spPr>
-            <a:xfrm>
-              <a:off x="5581087" y="3304011"/>
-              <a:ext cx="754005" cy="233717"/>
-            </a:xfrm>
-            <a:prstGeom prst="roundRect">
-              <a:avLst/>
-            </a:prstGeom>
-            <a:solidFill>
-              <a:srgbClr val="FFFFFF"/>
-            </a:solidFill>
-            <a:ln w="12700" cap="flat" cmpd="sng" algn="ctr">
-              <a:noFill/>
-              <a:prstDash val="solid"/>
-              <a:miter lim="800000"/>
-            </a:ln>
-            <a:effectLst/>
-          </p:spPr>
-          <p:txBody>
-            <a:bodyPr lIns="36000" tIns="36000" rIns="36000" bIns="36000" rtlCol="0" anchor="ctr"/>
-            <a:lstStyle/>
-            <a:p>
-              <a:pPr marL="0" marR="0" lvl="0" indent="0" algn="ctr" defTabSz="914400" eaLnBrk="1" fontAlgn="auto" latinLnBrk="0" hangingPunct="1">
-                <a:lnSpc>
-                  <a:spcPct val="100000"/>
-                </a:lnSpc>
-                <a:spcBef>
-                  <a:spcPts val="0"/>
-                </a:spcBef>
-                <a:spcAft>
-                  <a:spcPts val="0"/>
-                </a:spcAft>
-                <a:buClrTx/>
-                <a:buSzTx/>
-                <a:buFontTx/>
-                <a:buNone/>
-                <a:tabLst/>
-                <a:defRPr/>
-              </a:pPr>
-              <a:r>
-                <a:rPr kumimoji="0" lang="zh-CN" altLang="en-US" sz="800" b="0" i="0" u="none" strike="noStrike" kern="0" cap="none" spc="0" normalizeH="0" baseline="0" noProof="0" dirty="0">
-                  <a:ln>
-                    <a:noFill/>
-                  </a:ln>
-                  <a:solidFill>
-                    <a:srgbClr val="1D1D1A"/>
-                  </a:solidFill>
-                  <a:effectLst/>
-                  <a:uLnTx/>
-                  <a:uFillTx/>
-                  <a:latin typeface="微软雅黑"/>
-                  <a:ea typeface="微软雅黑"/>
-                  <a:cs typeface="+mn-cs"/>
-                </a:rPr>
-                <a:t>二阶优化</a:t>
-              </a:r>
-            </a:p>
-          </p:txBody>
-        </p:sp>
-        <p:sp>
-          <p:nvSpPr>
-            <p:cNvPr id="243" name="圆角矩形 242"/>
-            <p:cNvSpPr/>
-            <p:nvPr/>
-          </p:nvSpPr>
-          <p:spPr>
-            <a:xfrm>
-              <a:off x="3137239" y="4163882"/>
-              <a:ext cx="1959218" cy="233717"/>
-            </a:xfrm>
-            <a:prstGeom prst="roundRect">
-              <a:avLst/>
-            </a:prstGeom>
-            <a:solidFill>
-              <a:srgbClr val="FFFFFF"/>
-            </a:solidFill>
-            <a:ln w="12700" cap="flat" cmpd="sng" algn="ctr">
-              <a:noFill/>
-              <a:prstDash val="solid"/>
-              <a:miter lim="800000"/>
-            </a:ln>
-            <a:effectLst/>
-          </p:spPr>
-          <p:txBody>
-            <a:bodyPr rtlCol="0" anchor="ctr"/>
-            <a:lstStyle/>
-            <a:p>
-              <a:pPr marL="0" marR="0" lvl="0" indent="0" algn="ctr" defTabSz="914400" eaLnBrk="1" fontAlgn="auto" latinLnBrk="0" hangingPunct="1">
-                <a:lnSpc>
-                  <a:spcPct val="100000"/>
-                </a:lnSpc>
-                <a:spcBef>
-                  <a:spcPts val="0"/>
-                </a:spcBef>
-                <a:spcAft>
-                  <a:spcPts val="0"/>
-                </a:spcAft>
-                <a:buClrTx/>
-                <a:buSzTx/>
-                <a:buFontTx/>
-                <a:buNone/>
-                <a:tabLst/>
-                <a:defRPr/>
-              </a:pPr>
-              <a:r>
-                <a:rPr kumimoji="0" lang="zh-CN" altLang="en-US" sz="800" b="0" i="0" u="none" strike="noStrike" kern="0" cap="none" spc="0" normalizeH="0" baseline="0" noProof="0" dirty="0">
-                  <a:ln>
-                    <a:noFill/>
-                  </a:ln>
-                  <a:solidFill>
-                    <a:srgbClr val="1D1D1A"/>
-                  </a:solidFill>
-                  <a:effectLst/>
-                  <a:uLnTx/>
-                  <a:uFillTx/>
-                  <a:latin typeface="微软雅黑"/>
-                  <a:ea typeface="微软雅黑"/>
-                  <a:cs typeface="+mn-cs"/>
-                </a:rPr>
-                <a:t>硬件相关优化</a:t>
-              </a:r>
-            </a:p>
-          </p:txBody>
-        </p:sp>
-      </p:grpSp>
-      <p:sp>
-        <p:nvSpPr>
-          <p:cNvPr id="244" name="矩形 243"/>
-          <p:cNvSpPr/>
-          <p:nvPr/>
-        </p:nvSpPr>
-        <p:spPr>
-          <a:xfrm>
-            <a:off x="9212465" y="1223692"/>
-            <a:ext cx="858049" cy="1476055"/>
-          </a:xfrm>
-          <a:prstGeom prst="rect">
-            <a:avLst/>
-          </a:prstGeom>
-          <a:solidFill>
-            <a:srgbClr val="CCECFF">
-              <a:alpha val="40000"/>
-            </a:srgbClr>
-          </a:solidFill>
-          <a:ln w="12700" cap="flat" cmpd="sng" algn="ctr">
-            <a:noFill/>
-            <a:prstDash val="solid"/>
-            <a:miter lim="800000"/>
-          </a:ln>
-          <a:effectLst/>
-        </p:spPr>
-        <p:txBody>
-          <a:bodyPr rtlCol="0" anchor="t" anchorCtr="0"/>
-          <a:lstStyle/>
-          <a:p>
-            <a:pPr marL="0" marR="0" lvl="0" indent="0" algn="ctr" defTabSz="914400" eaLnBrk="1" fontAlgn="auto" latinLnBrk="0" hangingPunct="1">
-              <a:lnSpc>
-                <a:spcPct val="100000"/>
-              </a:lnSpc>
-              <a:spcBef>
-                <a:spcPts val="0"/>
-              </a:spcBef>
-              <a:spcAft>
-                <a:spcPts val="0"/>
-              </a:spcAft>
-              <a:buClrTx/>
-              <a:buSzTx/>
-              <a:buFontTx/>
-              <a:buNone/>
-              <a:tabLst/>
-              <a:defRPr/>
-            </a:pPr>
-            <a:r>
-              <a:rPr kumimoji="0" lang="en-US" altLang="zh-CN" sz="1000" b="1" i="0" u="none" strike="noStrike" kern="0" cap="none" spc="0" normalizeH="0" baseline="0" noProof="0" dirty="0">
-                <a:ln>
-                  <a:noFill/>
-                </a:ln>
-                <a:solidFill>
-                  <a:srgbClr val="1D1D1A"/>
-                </a:solidFill>
-                <a:effectLst/>
-                <a:uLnTx/>
-                <a:uFillTx/>
-                <a:latin typeface="微软雅黑"/>
-                <a:ea typeface="微软雅黑"/>
-                <a:cs typeface="+mn-cs"/>
-              </a:rPr>
-              <a:t>Insight</a:t>
-            </a:r>
-            <a:endParaRPr kumimoji="0" lang="zh-CN" altLang="en-US" sz="1000" b="1" i="0" u="none" strike="noStrike" kern="0" cap="none" spc="0" normalizeH="0" baseline="0" noProof="0" dirty="0">
-              <a:ln>
-                <a:noFill/>
-              </a:ln>
-              <a:solidFill>
-                <a:srgbClr val="1D1D1A"/>
-              </a:solidFill>
-              <a:effectLst/>
-              <a:uLnTx/>
-              <a:uFillTx/>
-              <a:latin typeface="微软雅黑"/>
-              <a:ea typeface="微软雅黑"/>
-              <a:cs typeface="+mn-cs"/>
-            </a:endParaRPr>
-          </a:p>
-        </p:txBody>
-      </p:sp>
-      <p:sp>
-        <p:nvSpPr>
-          <p:cNvPr id="249" name="圆角矩形 248"/>
-          <p:cNvSpPr/>
-          <p:nvPr/>
-        </p:nvSpPr>
-        <p:spPr>
-          <a:xfrm>
-            <a:off x="3616912" y="4787027"/>
-            <a:ext cx="1362538" cy="289636"/>
-          </a:xfrm>
-          <a:prstGeom prst="roundRect">
-            <a:avLst/>
-          </a:prstGeom>
-          <a:solidFill>
-            <a:srgbClr val="FFFFFF"/>
-          </a:solidFill>
-          <a:ln w="12700" cap="flat" cmpd="sng" algn="ctr">
-            <a:noFill/>
-            <a:prstDash val="solid"/>
-            <a:miter lim="800000"/>
-          </a:ln>
-          <a:effectLst/>
-        </p:spPr>
-        <p:txBody>
-          <a:bodyPr rtlCol="0" anchor="ctr" anchorCtr="0"/>
-          <a:lstStyle/>
-          <a:p>
-            <a:pPr marL="0" marR="0" lvl="0" indent="0" algn="ctr" defTabSz="914400" eaLnBrk="1" fontAlgn="auto" latinLnBrk="0" hangingPunct="1">
-              <a:lnSpc>
-                <a:spcPct val="100000"/>
-              </a:lnSpc>
-              <a:spcBef>
-                <a:spcPts val="0"/>
-              </a:spcBef>
-              <a:spcAft>
-                <a:spcPts val="0"/>
-              </a:spcAft>
-              <a:buClrTx/>
-              <a:buSzTx/>
-              <a:buFontTx/>
-              <a:buNone/>
-              <a:tabLst/>
-              <a:defRPr/>
-            </a:pPr>
-            <a:r>
-              <a:rPr kumimoji="0" lang="en-US" altLang="zh-CN" sz="1000" b="1" i="0" u="none" strike="noStrike" kern="0" cap="none" spc="0" normalizeH="0" baseline="0" noProof="0" dirty="0">
-                <a:ln>
-                  <a:noFill/>
-                </a:ln>
-                <a:solidFill>
-                  <a:srgbClr val="1D1D1A"/>
-                </a:solidFill>
-                <a:effectLst/>
-                <a:uLnTx/>
-                <a:uFillTx/>
-                <a:latin typeface="微软雅黑"/>
-                <a:ea typeface="微软雅黑"/>
-              </a:rPr>
-              <a:t>CANN</a:t>
-            </a:r>
-            <a:r>
-              <a:rPr lang="en-US" altLang="zh-CN" sz="1000" b="1" kern="0" dirty="0">
-                <a:solidFill>
-                  <a:srgbClr val="1D1D1A"/>
-                </a:solidFill>
-                <a:latin typeface="微软雅黑"/>
-                <a:ea typeface="微软雅黑"/>
-              </a:rPr>
-              <a:t>(NPU)</a:t>
-            </a:r>
-            <a:endParaRPr kumimoji="0" lang="en-US" altLang="zh-CN" sz="1000" b="1" i="0" u="none" strike="noStrike" kern="0" cap="none" spc="0" normalizeH="0" baseline="0" noProof="0" dirty="0">
-              <a:ln>
-                <a:noFill/>
-              </a:ln>
-              <a:solidFill>
-                <a:srgbClr val="1D1D1A"/>
-              </a:solidFill>
-              <a:effectLst/>
-              <a:uLnTx/>
-              <a:uFillTx/>
-              <a:latin typeface="微软雅黑"/>
-              <a:ea typeface="微软雅黑"/>
-            </a:endParaRPr>
-          </a:p>
-        </p:txBody>
-      </p:sp>
-      <p:sp>
-        <p:nvSpPr>
-          <p:cNvPr id="250" name="圆角矩形 249"/>
-          <p:cNvSpPr/>
-          <p:nvPr/>
-        </p:nvSpPr>
-        <p:spPr>
-          <a:xfrm>
-            <a:off x="6788129" y="4787027"/>
-            <a:ext cx="1362538" cy="289636"/>
-          </a:xfrm>
-          <a:prstGeom prst="roundRect">
-            <a:avLst/>
-          </a:prstGeom>
-          <a:solidFill>
-            <a:srgbClr val="FFFFFF"/>
-          </a:solidFill>
-          <a:ln w="12700" cap="flat" cmpd="sng" algn="ctr">
-            <a:noFill/>
-            <a:prstDash val="solid"/>
-            <a:miter lim="800000"/>
-          </a:ln>
-          <a:effectLst/>
-        </p:spPr>
-        <p:txBody>
-          <a:bodyPr rtlCol="0" anchor="ctr" anchorCtr="0"/>
-          <a:lstStyle/>
-          <a:p>
-            <a:pPr marL="0" marR="0" lvl="0" indent="0" algn="ctr" defTabSz="914400" eaLnBrk="1" fontAlgn="auto" latinLnBrk="0" hangingPunct="1">
-              <a:lnSpc>
-                <a:spcPct val="100000"/>
-              </a:lnSpc>
-              <a:spcBef>
-                <a:spcPts val="0"/>
-              </a:spcBef>
-              <a:spcAft>
-                <a:spcPts val="0"/>
-              </a:spcAft>
-              <a:buClrTx/>
-              <a:buSzTx/>
-              <a:buFontTx/>
-              <a:buNone/>
-              <a:tabLst/>
-              <a:defRPr/>
-            </a:pPr>
-            <a:r>
-              <a:rPr kumimoji="0" lang="en-US" altLang="zh-CN" sz="1000" b="1" i="0" u="none" strike="noStrike" kern="0" cap="none" spc="0" normalizeH="0" baseline="0" noProof="0" dirty="0">
-                <a:ln>
-                  <a:noFill/>
-                </a:ln>
-                <a:solidFill>
-                  <a:srgbClr val="1D1D1A"/>
-                </a:solidFill>
-                <a:effectLst/>
-                <a:uLnTx/>
-                <a:uFillTx/>
-                <a:latin typeface="微软雅黑"/>
-                <a:ea typeface="微软雅黑"/>
-                <a:cs typeface="+mn-cs"/>
-              </a:rPr>
-              <a:t>Eigen(CPU)</a:t>
-            </a:r>
-          </a:p>
-        </p:txBody>
-      </p:sp>
-      <p:sp>
-        <p:nvSpPr>
-          <p:cNvPr id="251" name="圆角矩形 250"/>
-          <p:cNvSpPr/>
-          <p:nvPr/>
-        </p:nvSpPr>
-        <p:spPr>
-          <a:xfrm>
-            <a:off x="5202521" y="4787027"/>
-            <a:ext cx="1362538" cy="289636"/>
-          </a:xfrm>
-          <a:prstGeom prst="roundRect">
-            <a:avLst/>
-          </a:prstGeom>
-          <a:solidFill>
-            <a:srgbClr val="FFFFFF"/>
-          </a:solidFill>
-          <a:ln w="12700" cap="flat" cmpd="sng" algn="ctr">
-            <a:noFill/>
-            <a:prstDash val="solid"/>
-            <a:miter lim="800000"/>
-          </a:ln>
-          <a:effectLst/>
-        </p:spPr>
-        <p:txBody>
-          <a:bodyPr rtlCol="0" anchor="ctr" anchorCtr="0"/>
-          <a:lstStyle/>
-          <a:p>
-            <a:pPr marL="0" marR="0" lvl="0" indent="0" algn="ctr" defTabSz="914400" eaLnBrk="1" fontAlgn="auto" latinLnBrk="0" hangingPunct="1">
-              <a:lnSpc>
-                <a:spcPct val="100000"/>
-              </a:lnSpc>
-              <a:spcBef>
-                <a:spcPts val="0"/>
-              </a:spcBef>
-              <a:spcAft>
-                <a:spcPts val="0"/>
-              </a:spcAft>
-              <a:buClrTx/>
-              <a:buSzTx/>
-              <a:buFontTx/>
-              <a:buNone/>
-              <a:tabLst/>
-              <a:defRPr/>
-            </a:pPr>
-            <a:r>
-              <a:rPr kumimoji="0" lang="en-US" altLang="zh-CN" sz="1000" b="1" i="0" u="none" strike="noStrike" kern="0" cap="none" spc="0" normalizeH="0" baseline="0" noProof="0" dirty="0">
-                <a:ln>
-                  <a:noFill/>
-                </a:ln>
-                <a:solidFill>
-                  <a:srgbClr val="1D1D1A"/>
-                </a:solidFill>
-                <a:effectLst/>
-                <a:uLnTx/>
-                <a:uFillTx/>
-                <a:latin typeface="微软雅黑"/>
-                <a:ea typeface="微软雅黑"/>
-                <a:cs typeface="+mn-cs"/>
-              </a:rPr>
-              <a:t>CUDA(GPU)</a:t>
-            </a:r>
-          </a:p>
-        </p:txBody>
-      </p:sp>
-      <p:sp>
-        <p:nvSpPr>
-          <p:cNvPr id="252" name="圆角矩形 251"/>
-          <p:cNvSpPr/>
-          <p:nvPr/>
-        </p:nvSpPr>
-        <p:spPr>
-          <a:xfrm>
-            <a:off x="8373738" y="4787027"/>
-            <a:ext cx="1362538" cy="289636"/>
-          </a:xfrm>
-          <a:prstGeom prst="roundRect">
-            <a:avLst/>
-          </a:prstGeom>
-          <a:solidFill>
-            <a:srgbClr val="FFFFFF"/>
-          </a:solidFill>
-          <a:ln w="12700" cap="flat" cmpd="sng" algn="ctr">
-            <a:noFill/>
-            <a:prstDash val="solid"/>
-            <a:miter lim="800000"/>
-          </a:ln>
-          <a:effectLst/>
-        </p:spPr>
-        <p:txBody>
-          <a:bodyPr rtlCol="0" anchor="ctr" anchorCtr="0"/>
-          <a:lstStyle/>
-          <a:p>
-            <a:pPr marL="0" marR="0" lvl="0" indent="0" algn="ctr" defTabSz="914400" eaLnBrk="1" fontAlgn="auto" latinLnBrk="0" hangingPunct="1">
-              <a:lnSpc>
-                <a:spcPct val="100000"/>
-              </a:lnSpc>
-              <a:spcBef>
-                <a:spcPts val="0"/>
-              </a:spcBef>
-              <a:spcAft>
-                <a:spcPts val="0"/>
-              </a:spcAft>
-              <a:buClrTx/>
-              <a:buSzTx/>
-              <a:buFontTx/>
-              <a:buNone/>
-              <a:tabLst/>
-              <a:defRPr/>
-            </a:pPr>
-            <a:r>
-              <a:rPr kumimoji="0" lang="en-US" altLang="zh-CN" sz="1000" b="1" i="0" u="none" strike="noStrike" kern="0" cap="none" spc="0" normalizeH="0" baseline="0" noProof="0" dirty="0">
-                <a:ln>
-                  <a:noFill/>
-                </a:ln>
-                <a:solidFill>
-                  <a:srgbClr val="1D1D1A"/>
-                </a:solidFill>
-                <a:effectLst/>
-                <a:uLnTx/>
-                <a:uFillTx/>
-                <a:latin typeface="微软雅黑"/>
-                <a:ea typeface="微软雅黑"/>
-                <a:cs typeface="+mn-cs"/>
-              </a:rPr>
-              <a:t>oneDNN(CPU)</a:t>
-            </a:r>
-          </a:p>
-        </p:txBody>
-      </p:sp>
-      <p:sp>
-        <p:nvSpPr>
-          <p:cNvPr id="260" name="圆角矩形 259"/>
-          <p:cNvSpPr/>
-          <p:nvPr/>
-        </p:nvSpPr>
-        <p:spPr>
-          <a:xfrm>
-            <a:off x="7767155" y="2425438"/>
-            <a:ext cx="516223" cy="219867"/>
-          </a:xfrm>
-          <a:prstGeom prst="roundRect">
-            <a:avLst/>
-          </a:prstGeom>
-          <a:solidFill>
-            <a:srgbClr val="FFFFFF"/>
-          </a:solidFill>
-          <a:ln w="12700" cap="flat" cmpd="sng" algn="ctr">
-            <a:noFill/>
-            <a:prstDash val="solid"/>
-            <a:miter lim="800000"/>
-          </a:ln>
-          <a:effectLst/>
-        </p:spPr>
-        <p:txBody>
-          <a:bodyPr rtlCol="0" anchor="ctr"/>
-          <a:lstStyle/>
-          <a:p>
-            <a:pPr marL="0" marR="0" lvl="0" indent="0" algn="ctr" defTabSz="914400" eaLnBrk="1" fontAlgn="auto" latinLnBrk="0" hangingPunct="1">
-              <a:lnSpc>
-                <a:spcPct val="100000"/>
-              </a:lnSpc>
-              <a:spcBef>
-                <a:spcPts val="0"/>
-              </a:spcBef>
-              <a:spcAft>
-                <a:spcPts val="0"/>
-              </a:spcAft>
-              <a:buClrTx/>
-              <a:buSzTx/>
-              <a:buFontTx/>
-              <a:buNone/>
-              <a:tabLst/>
-              <a:defRPr/>
-            </a:pPr>
-            <a:r>
-              <a:rPr kumimoji="0" lang="zh-CN" altLang="en-US" sz="800" b="0" i="0" u="none" strike="noStrike" kern="0" cap="none" spc="0" normalizeH="0" baseline="0" noProof="0" dirty="0">
-                <a:ln>
-                  <a:noFill/>
-                </a:ln>
-                <a:solidFill>
-                  <a:srgbClr val="1D1D1A"/>
-                </a:solidFill>
-                <a:effectLst/>
-                <a:uLnTx/>
-                <a:uFillTx/>
-                <a:latin typeface="微软雅黑"/>
-                <a:ea typeface="微软雅黑"/>
-                <a:cs typeface="+mn-cs"/>
-              </a:rPr>
-              <a:t>仓颉</a:t>
-            </a:r>
-          </a:p>
-        </p:txBody>
-      </p:sp>
-      <p:sp>
-        <p:nvSpPr>
-          <p:cNvPr id="261" name="圆角矩形 260"/>
-          <p:cNvSpPr/>
-          <p:nvPr/>
-        </p:nvSpPr>
-        <p:spPr>
-          <a:xfrm>
-            <a:off x="8455613" y="2425438"/>
-            <a:ext cx="516223" cy="219867"/>
-          </a:xfrm>
-          <a:prstGeom prst="roundRect">
-            <a:avLst/>
-          </a:prstGeom>
-          <a:solidFill>
-            <a:srgbClr val="FFFFFF"/>
-          </a:solidFill>
-          <a:ln w="12700" cap="flat" cmpd="sng" algn="ctr">
-            <a:noFill/>
-            <a:prstDash val="solid"/>
-            <a:miter lim="800000"/>
-          </a:ln>
-          <a:effectLst/>
-        </p:spPr>
-        <p:txBody>
-          <a:bodyPr rtlCol="0" anchor="ctr"/>
-          <a:lstStyle/>
-          <a:p>
-            <a:pPr marL="0" marR="0" lvl="0" indent="0" algn="ctr" defTabSz="914400" eaLnBrk="1" fontAlgn="auto" latinLnBrk="0" hangingPunct="1">
-              <a:lnSpc>
-                <a:spcPct val="100000"/>
-              </a:lnSpc>
-              <a:spcBef>
-                <a:spcPts val="0"/>
-              </a:spcBef>
-              <a:spcAft>
-                <a:spcPts val="0"/>
-              </a:spcAft>
-              <a:buClrTx/>
-              <a:buSzTx/>
-              <a:buFontTx/>
-              <a:buNone/>
-              <a:tabLst/>
-              <a:defRPr/>
-            </a:pPr>
-            <a:r>
-              <a:rPr kumimoji="0" lang="en-US" altLang="zh-CN" sz="800" b="0" i="0" u="none" strike="noStrike" kern="0" cap="none" spc="0" normalizeH="0" baseline="0" noProof="0" dirty="0">
-                <a:ln>
-                  <a:noFill/>
-                </a:ln>
-                <a:solidFill>
-                  <a:srgbClr val="1D1D1A"/>
-                </a:solidFill>
-                <a:effectLst/>
-                <a:uLnTx/>
-                <a:uFillTx/>
-                <a:latin typeface="微软雅黑"/>
-                <a:ea typeface="微软雅黑"/>
-                <a:cs typeface="+mn-cs"/>
-              </a:rPr>
-              <a:t>Julia</a:t>
-            </a:r>
-            <a:endParaRPr kumimoji="0" lang="zh-CN" altLang="en-US" sz="800" b="0" i="0" u="none" strike="noStrike" kern="0" cap="none" spc="0" normalizeH="0" baseline="0" noProof="0" dirty="0">
-              <a:ln>
-                <a:noFill/>
-              </a:ln>
-              <a:solidFill>
-                <a:srgbClr val="1D1D1A"/>
-              </a:solidFill>
-              <a:effectLst/>
-              <a:uLnTx/>
-              <a:uFillTx/>
-              <a:latin typeface="微软雅黑"/>
-              <a:ea typeface="微软雅黑"/>
-              <a:cs typeface="+mn-cs"/>
-            </a:endParaRPr>
-          </a:p>
-        </p:txBody>
-      </p:sp>
-      <p:sp>
-        <p:nvSpPr>
-          <p:cNvPr id="229" name="圆角矩形 228"/>
-          <p:cNvSpPr/>
-          <p:nvPr/>
-        </p:nvSpPr>
-        <p:spPr>
-          <a:xfrm>
-            <a:off x="5109594" y="4379085"/>
-            <a:ext cx="2097434" cy="186545"/>
-          </a:xfrm>
-          <a:prstGeom prst="roundRect">
-            <a:avLst/>
-          </a:prstGeom>
-          <a:solidFill>
-            <a:srgbClr val="FFFFFF"/>
-          </a:solidFill>
-          <a:ln w="12700" cap="flat" cmpd="sng" algn="ctr">
-            <a:noFill/>
-            <a:prstDash val="solid"/>
-            <a:miter lim="800000"/>
-          </a:ln>
-          <a:effectLst/>
-        </p:spPr>
-        <p:txBody>
-          <a:bodyPr rtlCol="0" anchor="ctr"/>
-          <a:lstStyle/>
-          <a:p>
-            <a:pPr marL="0" marR="0" lvl="0" indent="0" algn="ctr" defTabSz="914400" eaLnBrk="1" fontAlgn="auto" latinLnBrk="0" hangingPunct="1">
-              <a:lnSpc>
-                <a:spcPct val="100000"/>
-              </a:lnSpc>
-              <a:spcBef>
-                <a:spcPts val="0"/>
-              </a:spcBef>
-              <a:spcAft>
-                <a:spcPts val="0"/>
-              </a:spcAft>
-              <a:buClrTx/>
-              <a:buSzTx/>
-              <a:buFontTx/>
-              <a:buNone/>
-              <a:tabLst/>
-              <a:defRPr/>
-            </a:pPr>
-            <a:r>
-              <a:rPr kumimoji="0" lang="zh-CN" altLang="en-US" sz="800" b="0" i="0" u="none" strike="noStrike" kern="0" cap="none" spc="0" normalizeH="0" baseline="0" noProof="0" dirty="0">
-                <a:ln>
-                  <a:noFill/>
-                </a:ln>
-                <a:solidFill>
-                  <a:srgbClr val="1D1D1A"/>
-                </a:solidFill>
-                <a:effectLst/>
-                <a:uLnTx/>
-                <a:uFillTx/>
-                <a:latin typeface="微软雅黑"/>
-                <a:ea typeface="微软雅黑"/>
-                <a:cs typeface="+mn-cs"/>
-              </a:rPr>
-              <a:t>端</a:t>
-            </a:r>
-            <a:r>
-              <a:rPr kumimoji="0" lang="en-US" altLang="zh-CN" sz="800" b="0" i="0" u="none" strike="noStrike" kern="0" cap="none" spc="0" normalizeH="0" baseline="0" noProof="0" dirty="0">
-                <a:ln>
-                  <a:noFill/>
-                </a:ln>
-                <a:solidFill>
-                  <a:srgbClr val="1D1D1A"/>
-                </a:solidFill>
-                <a:effectLst/>
-                <a:uLnTx/>
-                <a:uFillTx/>
-                <a:latin typeface="微软雅黑"/>
-                <a:ea typeface="微软雅黑"/>
-                <a:cs typeface="+mn-cs"/>
-              </a:rPr>
-              <a:t>-</a:t>
-            </a:r>
-            <a:r>
-              <a:rPr kumimoji="0" lang="zh-CN" altLang="en-US" sz="800" b="0" i="0" u="none" strike="noStrike" kern="0" cap="none" spc="0" normalizeH="0" baseline="0" noProof="0" dirty="0">
-                <a:ln>
-                  <a:noFill/>
-                </a:ln>
-                <a:solidFill>
-                  <a:srgbClr val="1D1D1A"/>
-                </a:solidFill>
-                <a:effectLst/>
-                <a:uLnTx/>
-                <a:uFillTx/>
-                <a:latin typeface="微软雅黑"/>
-                <a:ea typeface="微软雅黑"/>
-                <a:cs typeface="+mn-cs"/>
-              </a:rPr>
-              <a:t>边</a:t>
-            </a:r>
-            <a:r>
-              <a:rPr kumimoji="0" lang="en-US" altLang="zh-CN" sz="800" b="0" i="0" u="none" strike="noStrike" kern="0" cap="none" spc="0" normalizeH="0" baseline="0" noProof="0" dirty="0">
-                <a:ln>
-                  <a:noFill/>
-                </a:ln>
-                <a:solidFill>
-                  <a:srgbClr val="1D1D1A"/>
-                </a:solidFill>
-                <a:effectLst/>
-                <a:uLnTx/>
-                <a:uFillTx/>
-                <a:latin typeface="微软雅黑"/>
-                <a:ea typeface="微软雅黑"/>
-                <a:cs typeface="+mn-cs"/>
-              </a:rPr>
-              <a:t>-</a:t>
-            </a:r>
-            <a:r>
-              <a:rPr kumimoji="0" lang="zh-CN" altLang="en-US" sz="800" b="0" i="0" u="none" strike="noStrike" kern="0" cap="none" spc="0" normalizeH="0" baseline="0" noProof="0" dirty="0">
-                <a:ln>
-                  <a:noFill/>
-                </a:ln>
-                <a:solidFill>
-                  <a:srgbClr val="1D1D1A"/>
-                </a:solidFill>
-                <a:effectLst/>
-                <a:uLnTx/>
-                <a:uFillTx/>
-                <a:latin typeface="微软雅黑"/>
-                <a:ea typeface="微软雅黑"/>
-                <a:cs typeface="+mn-cs"/>
-              </a:rPr>
-              <a:t>云全场景运行时系统</a:t>
-            </a:r>
-          </a:p>
-        </p:txBody>
-      </p:sp>
-      <p:grpSp>
-        <p:nvGrpSpPr>
-          <p:cNvPr id="12" name="组合 11">
-            <a:extLst>
-              <a:ext uri="{FF2B5EF4-FFF2-40B4-BE49-F238E27FC236}">
-                <a16:creationId xmlns:a16="http://schemas.microsoft.com/office/drawing/2014/main" id="{FF338091-5F3D-1F44-915F-5D457F39FA71}"/>
-              </a:ext>
-            </a:extLst>
-          </p:cNvPr>
-          <p:cNvGrpSpPr/>
-          <p:nvPr/>
-        </p:nvGrpSpPr>
-        <p:grpSpPr>
-          <a:xfrm>
-            <a:off x="3249545" y="1223692"/>
-            <a:ext cx="5828528" cy="628895"/>
-            <a:chOff x="2446365" y="1318045"/>
-            <a:chExt cx="6815220" cy="628895"/>
-          </a:xfrm>
-        </p:grpSpPr>
-        <p:sp>
-          <p:nvSpPr>
-            <p:cNvPr id="224" name="矩形 223"/>
-            <p:cNvSpPr/>
-            <p:nvPr/>
-          </p:nvSpPr>
-          <p:spPr>
-            <a:xfrm>
-              <a:off x="2446365" y="1318045"/>
-              <a:ext cx="2728590" cy="621515"/>
-            </a:xfrm>
-            <a:prstGeom prst="rect">
-              <a:avLst/>
-            </a:prstGeom>
-            <a:solidFill>
-              <a:srgbClr val="CCECFF"/>
-            </a:solidFill>
-            <a:ln w="12700" cap="flat" cmpd="sng" algn="ctr">
-              <a:noFill/>
-              <a:prstDash val="solid"/>
-              <a:miter lim="800000"/>
-            </a:ln>
-            <a:effectLst/>
-          </p:spPr>
-          <p:txBody>
-            <a:bodyPr rtlCol="0" anchor="t" anchorCtr="0"/>
-            <a:lstStyle/>
-            <a:p>
-              <a:pPr marL="0" marR="0" lvl="0" indent="0" algn="ctr" defTabSz="914400" eaLnBrk="1" fontAlgn="auto" latinLnBrk="0" hangingPunct="1">
-                <a:lnSpc>
-                  <a:spcPct val="100000"/>
-                </a:lnSpc>
-                <a:spcBef>
-                  <a:spcPts val="0"/>
-                </a:spcBef>
-                <a:spcAft>
-                  <a:spcPts val="0"/>
-                </a:spcAft>
-                <a:buClrTx/>
-                <a:buSzTx/>
-                <a:buFontTx/>
-                <a:buNone/>
-                <a:tabLst/>
-                <a:defRPr/>
-              </a:pPr>
-              <a:r>
-                <a:rPr kumimoji="0" lang="en-US" altLang="zh-CN" sz="1000" b="1" i="0" u="none" strike="noStrike" kern="0" cap="none" spc="0" normalizeH="0" baseline="0" noProof="0" dirty="0">
-                  <a:ln>
-                    <a:noFill/>
-                  </a:ln>
-                  <a:solidFill>
-                    <a:srgbClr val="1D1D1A"/>
-                  </a:solidFill>
-                  <a:effectLst/>
-                  <a:uLnTx/>
-                  <a:uFillTx/>
-                  <a:latin typeface="微软雅黑"/>
-                  <a:ea typeface="微软雅黑"/>
-                  <a:cs typeface="+mn-cs"/>
-                </a:rPr>
-                <a:t>Model Zoo </a:t>
-              </a:r>
-              <a:r>
-                <a:rPr kumimoji="0" lang="zh-CN" altLang="en-US" sz="1000" b="1" i="0" u="none" strike="noStrike" kern="0" cap="none" spc="0" normalizeH="0" baseline="0" noProof="0" dirty="0">
-                  <a:ln>
-                    <a:noFill/>
-                  </a:ln>
-                  <a:solidFill>
-                    <a:srgbClr val="1D1D1A"/>
-                  </a:solidFill>
-                  <a:effectLst/>
-                  <a:uLnTx/>
-                  <a:uFillTx/>
-                  <a:latin typeface="微软雅黑"/>
-                  <a:ea typeface="微软雅黑"/>
-                  <a:cs typeface="+mn-cs"/>
-                </a:rPr>
-                <a:t>模型库</a:t>
-              </a:r>
-              <a:endParaRPr kumimoji="0" lang="en-US" altLang="zh-CN" sz="1000" b="1" i="0" u="none" strike="noStrike" kern="0" cap="none" spc="0" normalizeH="0" baseline="0" noProof="0" dirty="0">
-                <a:ln>
-                  <a:noFill/>
-                </a:ln>
-                <a:solidFill>
-                  <a:srgbClr val="1D1D1A"/>
-                </a:solidFill>
-                <a:effectLst/>
-                <a:uLnTx/>
-                <a:uFillTx/>
-                <a:latin typeface="微软雅黑"/>
-                <a:ea typeface="微软雅黑"/>
-                <a:cs typeface="+mn-cs"/>
-              </a:endParaRPr>
-            </a:p>
-            <a:p>
-              <a:pPr marL="0" marR="0" lvl="0" indent="0" algn="ctr" defTabSz="914400" eaLnBrk="1" fontAlgn="auto" latinLnBrk="0" hangingPunct="1">
-                <a:lnSpc>
-                  <a:spcPct val="100000"/>
-                </a:lnSpc>
-                <a:spcBef>
-                  <a:spcPts val="0"/>
-                </a:spcBef>
-                <a:spcAft>
-                  <a:spcPts val="0"/>
-                </a:spcAft>
-                <a:buClrTx/>
-                <a:buSzTx/>
-                <a:buFontTx/>
-                <a:buNone/>
-                <a:tabLst/>
-                <a:defRPr/>
-              </a:pPr>
-              <a:endParaRPr kumimoji="0" lang="zh-CN" altLang="en-US" sz="1200" b="1" i="0" u="none" strike="noStrike" kern="0" cap="none" spc="0" normalizeH="0" baseline="0" noProof="0" dirty="0">
-                <a:ln>
-                  <a:noFill/>
-                </a:ln>
-                <a:solidFill>
-                  <a:srgbClr val="1D1D1A"/>
-                </a:solidFill>
-                <a:effectLst/>
-                <a:uLnTx/>
-                <a:uFillTx/>
-                <a:latin typeface="微软雅黑"/>
-                <a:ea typeface="微软雅黑"/>
-                <a:cs typeface="+mn-cs"/>
-              </a:endParaRPr>
-            </a:p>
-          </p:txBody>
-        </p:sp>
-        <p:sp>
-          <p:nvSpPr>
-            <p:cNvPr id="225" name="矩形 224"/>
-            <p:cNvSpPr/>
-            <p:nvPr/>
-          </p:nvSpPr>
-          <p:spPr>
-            <a:xfrm>
-              <a:off x="7336084" y="1325425"/>
-              <a:ext cx="1925501" cy="621515"/>
-            </a:xfrm>
-            <a:prstGeom prst="rect">
-              <a:avLst/>
-            </a:prstGeom>
-            <a:solidFill>
-              <a:srgbClr val="EBF7FF"/>
-            </a:solidFill>
-            <a:ln w="12700" cap="flat" cmpd="sng" algn="ctr">
-              <a:noFill/>
-              <a:prstDash val="solid"/>
-              <a:miter lim="800000"/>
-            </a:ln>
-            <a:effectLst/>
-          </p:spPr>
-          <p:txBody>
-            <a:bodyPr rtlCol="0" anchor="ctr"/>
-            <a:lstStyle/>
-            <a:p>
-              <a:pPr marL="0" marR="0" lvl="0" indent="0" algn="ctr" defTabSz="914400" eaLnBrk="1" fontAlgn="auto" latinLnBrk="0" hangingPunct="1">
-                <a:lnSpc>
-                  <a:spcPct val="150000"/>
-                </a:lnSpc>
-                <a:spcBef>
-                  <a:spcPts val="0"/>
-                </a:spcBef>
-                <a:spcAft>
-                  <a:spcPts val="0"/>
-                </a:spcAft>
-                <a:buClrTx/>
-                <a:buSzTx/>
-                <a:buFontTx/>
-                <a:buNone/>
-                <a:tabLst/>
-                <a:defRPr/>
-              </a:pPr>
-              <a:r>
-                <a:rPr kumimoji="0" lang="en-US" altLang="zh-CN" sz="1000" b="1" i="0" u="none" strike="noStrike" kern="0" cap="none" spc="0" normalizeH="0" baseline="0" noProof="0" dirty="0">
-                  <a:ln>
-                    <a:noFill/>
-                  </a:ln>
-                  <a:solidFill>
-                    <a:srgbClr val="1D1D1A"/>
-                  </a:solidFill>
-                  <a:effectLst/>
-                  <a:uLnTx/>
-                  <a:uFillTx/>
-                  <a:latin typeface="微软雅黑"/>
-                  <a:ea typeface="微软雅黑"/>
-                  <a:cs typeface="+mn-cs"/>
-                </a:rPr>
-                <a:t>Science</a:t>
-              </a:r>
-              <a:r>
-                <a:rPr kumimoji="0" lang="zh-CN" altLang="en-US" sz="1000" b="1" i="0" u="none" strike="noStrike" kern="0" cap="none" spc="0" normalizeH="0" baseline="0" noProof="0" dirty="0">
-                  <a:ln>
-                    <a:noFill/>
-                  </a:ln>
-                  <a:solidFill>
-                    <a:srgbClr val="1D1D1A"/>
-                  </a:solidFill>
-                  <a:effectLst/>
-                  <a:uLnTx/>
-                  <a:uFillTx/>
-                  <a:latin typeface="微软雅黑"/>
-                  <a:ea typeface="微软雅黑"/>
-                  <a:cs typeface="+mn-cs"/>
-                </a:rPr>
-                <a:t> 科学计算</a:t>
-              </a:r>
-              <a:endParaRPr kumimoji="0" lang="en-US" altLang="zh-CN" sz="1000" b="1" i="0" u="none" strike="noStrike" kern="0" cap="none" spc="0" normalizeH="0" baseline="0" noProof="0" dirty="0">
-                <a:ln>
-                  <a:noFill/>
-                </a:ln>
-                <a:solidFill>
-                  <a:srgbClr val="1D1D1A"/>
-                </a:solidFill>
-                <a:effectLst/>
-                <a:uLnTx/>
-                <a:uFillTx/>
-                <a:latin typeface="微软雅黑"/>
-                <a:ea typeface="微软雅黑"/>
-                <a:cs typeface="+mn-cs"/>
-              </a:endParaRPr>
-            </a:p>
-            <a:p>
-              <a:pPr marL="0" marR="0" lvl="0" indent="0" algn="ctr" defTabSz="914400" eaLnBrk="1" fontAlgn="auto" latinLnBrk="0" hangingPunct="1">
-                <a:lnSpc>
-                  <a:spcPct val="150000"/>
-                </a:lnSpc>
-                <a:spcBef>
-                  <a:spcPts val="0"/>
-                </a:spcBef>
-                <a:spcAft>
-                  <a:spcPts val="0"/>
-                </a:spcAft>
-                <a:buClrTx/>
-                <a:buSzTx/>
-                <a:buFontTx/>
-                <a:buNone/>
-                <a:tabLst/>
-                <a:defRPr/>
-              </a:pPr>
-              <a:r>
-                <a:rPr kumimoji="0" lang="zh-CN" altLang="en-US" sz="800" b="0" i="0" u="none" strike="noStrike" kern="0" cap="none" spc="0" normalizeH="0" baseline="0" noProof="0" dirty="0">
-                  <a:ln>
-                    <a:noFill/>
-                  </a:ln>
-                  <a:solidFill>
-                    <a:srgbClr val="1D1D1A"/>
-                  </a:solidFill>
-                  <a:effectLst/>
-                  <a:uLnTx/>
-                  <a:uFillTx/>
-                  <a:latin typeface="微软雅黑"/>
-                  <a:ea typeface="微软雅黑"/>
-                  <a:cs typeface="+mn-cs"/>
-                </a:rPr>
-                <a:t>电磁仿真</a:t>
-              </a:r>
-              <a:r>
-                <a:rPr kumimoji="0" lang="en-US" altLang="zh-CN" sz="800" b="0" i="0" u="none" strike="noStrike" kern="0" cap="none" spc="0" normalizeH="0" baseline="0" noProof="0" dirty="0">
-                  <a:ln>
-                    <a:noFill/>
-                  </a:ln>
-                  <a:solidFill>
-                    <a:srgbClr val="1D1D1A"/>
-                  </a:solidFill>
-                  <a:effectLst/>
-                  <a:uLnTx/>
-                  <a:uFillTx/>
-                  <a:latin typeface="微软雅黑"/>
-                  <a:ea typeface="微软雅黑"/>
-                  <a:cs typeface="+mn-cs"/>
-                </a:rPr>
-                <a:t>/</a:t>
-              </a:r>
-              <a:r>
-                <a:rPr kumimoji="0" lang="zh-CN" altLang="en-US" sz="800" b="0" i="0" u="none" strike="noStrike" kern="0" cap="none" spc="0" normalizeH="0" baseline="0" noProof="0" dirty="0">
-                  <a:ln>
-                    <a:noFill/>
-                  </a:ln>
-                  <a:solidFill>
-                    <a:srgbClr val="1D1D1A"/>
-                  </a:solidFill>
-                  <a:effectLst/>
-                  <a:uLnTx/>
-                  <a:uFillTx/>
-                  <a:latin typeface="微软雅黑"/>
-                  <a:ea typeface="微软雅黑"/>
-                  <a:cs typeface="+mn-cs"/>
-                </a:rPr>
-                <a:t>分子模拟</a:t>
-              </a:r>
-              <a:r>
-                <a:rPr kumimoji="0" lang="en-US" altLang="zh-CN" sz="800" b="0" i="0" u="none" strike="noStrike" kern="0" cap="none" spc="0" normalizeH="0" baseline="0" noProof="0" dirty="0">
-                  <a:ln>
-                    <a:noFill/>
-                  </a:ln>
-                  <a:solidFill>
-                    <a:srgbClr val="1D1D1A"/>
-                  </a:solidFill>
-                  <a:effectLst/>
-                  <a:uLnTx/>
-                  <a:uFillTx/>
-                  <a:latin typeface="微软雅黑"/>
-                  <a:ea typeface="微软雅黑"/>
-                  <a:cs typeface="+mn-cs"/>
-                </a:rPr>
-                <a:t>/</a:t>
-              </a:r>
-              <a:r>
-                <a:rPr kumimoji="0" lang="zh-CN" altLang="en-US" sz="800" b="0" i="0" u="none" strike="noStrike" kern="0" cap="none" spc="0" normalizeH="0" baseline="0" noProof="0" dirty="0">
-                  <a:ln>
-                    <a:noFill/>
-                  </a:ln>
-                  <a:solidFill>
-                    <a:srgbClr val="1D1D1A"/>
-                  </a:solidFill>
-                  <a:effectLst/>
-                  <a:uLnTx/>
-                  <a:uFillTx/>
-                  <a:latin typeface="微软雅黑"/>
-                  <a:ea typeface="微软雅黑"/>
-                  <a:cs typeface="+mn-cs"/>
-                </a:rPr>
-                <a:t>量子计算</a:t>
-              </a:r>
-            </a:p>
-          </p:txBody>
-        </p:sp>
-        <p:sp>
-          <p:nvSpPr>
-            <p:cNvPr id="263" name="矩形 262"/>
-            <p:cNvSpPr/>
-            <p:nvPr/>
-          </p:nvSpPr>
-          <p:spPr>
-            <a:xfrm>
-              <a:off x="5296306" y="1318045"/>
-              <a:ext cx="1925501" cy="621515"/>
-            </a:xfrm>
-            <a:prstGeom prst="rect">
-              <a:avLst/>
-            </a:prstGeom>
-            <a:solidFill>
-              <a:srgbClr val="EBF7FF"/>
-            </a:solidFill>
-            <a:ln w="12700" cap="flat" cmpd="sng" algn="ctr">
-              <a:noFill/>
-              <a:prstDash val="solid"/>
-              <a:miter lim="800000"/>
-            </a:ln>
-            <a:effectLst/>
-          </p:spPr>
-          <p:txBody>
-            <a:bodyPr rtlCol="0" anchor="ctr"/>
-            <a:lstStyle/>
-            <a:p>
-              <a:pPr marL="0" marR="0" lvl="0" indent="0" algn="ctr" defTabSz="914400" eaLnBrk="1" fontAlgn="auto" latinLnBrk="0" hangingPunct="1">
-                <a:lnSpc>
-                  <a:spcPct val="150000"/>
-                </a:lnSpc>
-                <a:spcBef>
-                  <a:spcPts val="0"/>
-                </a:spcBef>
-                <a:spcAft>
-                  <a:spcPts val="0"/>
-                </a:spcAft>
-                <a:buClrTx/>
-                <a:buSzTx/>
-                <a:buFontTx/>
-                <a:buNone/>
-                <a:tabLst/>
-                <a:defRPr/>
-              </a:pPr>
-              <a:r>
-                <a:rPr kumimoji="0" lang="en-US" altLang="zh-CN" sz="1000" b="1" i="0" u="none" strike="noStrike" kern="0" cap="none" spc="0" normalizeH="0" baseline="0" noProof="0" dirty="0">
-                  <a:ln>
-                    <a:noFill/>
-                  </a:ln>
-                  <a:solidFill>
-                    <a:srgbClr val="1D1D1A"/>
-                  </a:solidFill>
-                  <a:effectLst/>
-                  <a:uLnTx/>
-                  <a:uFillTx/>
-                  <a:latin typeface="微软雅黑"/>
-                  <a:ea typeface="微软雅黑"/>
-                  <a:cs typeface="+mn-cs"/>
-                </a:rPr>
-                <a:t>Extend</a:t>
-              </a:r>
-            </a:p>
-            <a:p>
-              <a:pPr marL="0" marR="0" lvl="0" indent="0" algn="ctr" defTabSz="914400" eaLnBrk="1" fontAlgn="auto" latinLnBrk="0" hangingPunct="1">
-                <a:lnSpc>
-                  <a:spcPct val="150000"/>
-                </a:lnSpc>
-                <a:spcBef>
-                  <a:spcPts val="0"/>
-                </a:spcBef>
-                <a:spcAft>
-                  <a:spcPts val="0"/>
-                </a:spcAft>
-                <a:buClrTx/>
-                <a:buSzTx/>
-                <a:buFontTx/>
-                <a:buNone/>
-                <a:tabLst/>
-                <a:defRPr/>
-              </a:pPr>
-              <a:r>
-                <a:rPr lang="zh-CN" altLang="en-US" sz="800" kern="0" dirty="0">
-                  <a:solidFill>
-                    <a:srgbClr val="1D1D1A"/>
-                  </a:solidFill>
-                  <a:latin typeface="微软雅黑"/>
-                  <a:ea typeface="微软雅黑"/>
-                </a:rPr>
-                <a:t>科学计算</a:t>
-              </a:r>
-              <a:r>
-                <a:rPr lang="en-US" altLang="zh-CN" sz="800" kern="0" dirty="0">
-                  <a:solidFill>
-                    <a:srgbClr val="1D1D1A"/>
-                  </a:solidFill>
-                  <a:latin typeface="微软雅黑"/>
-                  <a:ea typeface="微软雅黑"/>
-                </a:rPr>
-                <a:t>/GNN/</a:t>
-              </a:r>
-              <a:r>
-                <a:rPr lang="zh-CN" altLang="en-US" sz="800" kern="0" dirty="0">
-                  <a:solidFill>
-                    <a:srgbClr val="1D1D1A"/>
-                  </a:solidFill>
-                  <a:latin typeface="微软雅黑"/>
-                  <a:ea typeface="微软雅黑"/>
-                </a:rPr>
-                <a:t>深度概率编程</a:t>
-              </a:r>
-              <a:r>
-                <a:rPr lang="en-US" altLang="zh-CN" sz="800" kern="0" dirty="0">
-                  <a:solidFill>
-                    <a:srgbClr val="1D1D1A"/>
-                  </a:solidFill>
-                  <a:latin typeface="微软雅黑"/>
-                  <a:ea typeface="微软雅黑"/>
-                </a:rPr>
-                <a:t>…</a:t>
-              </a:r>
-              <a:endParaRPr kumimoji="0" lang="zh-CN" altLang="en-US" sz="800" b="0" i="0" u="none" strike="noStrike" kern="0" cap="none" spc="0" normalizeH="0" baseline="0" noProof="0" dirty="0">
-                <a:ln>
-                  <a:noFill/>
-                </a:ln>
-                <a:solidFill>
-                  <a:srgbClr val="1D1D1A"/>
-                </a:solidFill>
-                <a:effectLst/>
-                <a:uLnTx/>
-                <a:uFillTx/>
-                <a:latin typeface="微软雅黑"/>
-                <a:ea typeface="微软雅黑"/>
-                <a:cs typeface="+mn-cs"/>
-              </a:endParaRPr>
-            </a:p>
-          </p:txBody>
-        </p:sp>
-        <p:grpSp>
-          <p:nvGrpSpPr>
-            <p:cNvPr id="4" name="组合 3"/>
-            <p:cNvGrpSpPr/>
-            <p:nvPr/>
-          </p:nvGrpSpPr>
-          <p:grpSpPr>
-            <a:xfrm>
-              <a:off x="2563097" y="1569932"/>
-              <a:ext cx="2454843" cy="331224"/>
-              <a:chOff x="2140784" y="1448519"/>
-              <a:chExt cx="2454843" cy="389418"/>
-            </a:xfrm>
-          </p:grpSpPr>
-          <p:sp>
-            <p:nvSpPr>
-              <p:cNvPr id="264" name="圆角矩形 263"/>
-              <p:cNvSpPr/>
-              <p:nvPr/>
-            </p:nvSpPr>
-            <p:spPr>
-              <a:xfrm>
-                <a:off x="2140784" y="1448519"/>
-                <a:ext cx="756343" cy="176138"/>
-              </a:xfrm>
-              <a:prstGeom prst="roundRect">
-                <a:avLst/>
-              </a:prstGeom>
-              <a:solidFill>
-                <a:srgbClr val="FFFFFF"/>
-              </a:solidFill>
-              <a:ln w="12700" cap="flat" cmpd="sng" algn="ctr">
-                <a:noFill/>
-                <a:prstDash val="solid"/>
-                <a:miter lim="800000"/>
-              </a:ln>
-              <a:effectLst/>
-            </p:spPr>
-            <p:txBody>
-              <a:bodyPr rtlCol="0" anchor="ctr"/>
-              <a:lstStyle/>
-              <a:p>
-                <a:pPr marL="0" marR="0" lvl="0" indent="0" algn="ctr" defTabSz="914400" eaLnBrk="1" fontAlgn="auto" latinLnBrk="0" hangingPunct="1">
-                  <a:lnSpc>
-                    <a:spcPct val="100000"/>
-                  </a:lnSpc>
-                  <a:spcBef>
-                    <a:spcPts val="0"/>
-                  </a:spcBef>
-                  <a:spcAft>
-                    <a:spcPts val="0"/>
-                  </a:spcAft>
-                  <a:buClrTx/>
-                  <a:buSzTx/>
-                  <a:buFontTx/>
-                  <a:buNone/>
-                  <a:tabLst/>
-                  <a:defRPr/>
-                </a:pPr>
-                <a:r>
-                  <a:rPr kumimoji="0" lang="en-US" altLang="zh-CN" sz="800" b="0" i="0" u="none" strike="noStrike" kern="0" cap="none" spc="0" normalizeH="0" baseline="0" noProof="0" dirty="0">
-                    <a:ln>
-                      <a:noFill/>
-                    </a:ln>
-                    <a:solidFill>
-                      <a:srgbClr val="1D1D1A"/>
-                    </a:solidFill>
-                    <a:effectLst/>
-                    <a:uLnTx/>
-                    <a:uFillTx/>
-                    <a:latin typeface="微软雅黑"/>
-                    <a:ea typeface="微软雅黑"/>
-                    <a:cs typeface="+mn-cs"/>
-                  </a:rPr>
-                  <a:t>Vision</a:t>
-                </a:r>
-                <a:endParaRPr kumimoji="0" lang="zh-CN" altLang="en-US" sz="800" b="0" i="0" u="none" strike="noStrike" kern="0" cap="none" spc="0" normalizeH="0" baseline="0" noProof="0" dirty="0">
-                  <a:ln>
-                    <a:noFill/>
-                  </a:ln>
-                  <a:solidFill>
-                    <a:srgbClr val="1D1D1A"/>
-                  </a:solidFill>
-                  <a:effectLst/>
-                  <a:uLnTx/>
-                  <a:uFillTx/>
-                  <a:latin typeface="微软雅黑"/>
-                  <a:ea typeface="微软雅黑"/>
-                  <a:cs typeface="+mn-cs"/>
-                </a:endParaRPr>
-              </a:p>
-            </p:txBody>
-          </p:sp>
-          <p:sp>
-            <p:nvSpPr>
-              <p:cNvPr id="265" name="圆角矩形 264"/>
-              <p:cNvSpPr/>
-              <p:nvPr/>
-            </p:nvSpPr>
-            <p:spPr>
-              <a:xfrm>
-                <a:off x="3839284" y="1458505"/>
-                <a:ext cx="756343" cy="379432"/>
-              </a:xfrm>
-              <a:prstGeom prst="roundRect">
-                <a:avLst/>
-              </a:prstGeom>
-              <a:solidFill>
-                <a:srgbClr val="FFFFFF"/>
-              </a:solidFill>
-              <a:ln w="12700" cap="flat" cmpd="sng" algn="ctr">
-                <a:noFill/>
-                <a:prstDash val="solid"/>
-                <a:miter lim="800000"/>
-              </a:ln>
-              <a:effectLst/>
-            </p:spPr>
-            <p:txBody>
-              <a:bodyPr rtlCol="0" anchor="ctr"/>
-              <a:lstStyle/>
-              <a:p>
-                <a:pPr marL="0" marR="0" lvl="0" indent="0" algn="ctr" defTabSz="914400" eaLnBrk="1" fontAlgn="auto" latinLnBrk="0" hangingPunct="1">
-                  <a:lnSpc>
-                    <a:spcPct val="100000"/>
-                  </a:lnSpc>
-                  <a:spcBef>
-                    <a:spcPts val="0"/>
-                  </a:spcBef>
-                  <a:spcAft>
-                    <a:spcPts val="0"/>
-                  </a:spcAft>
-                  <a:buClrTx/>
-                  <a:buSzTx/>
-                  <a:buFontTx/>
-                  <a:buNone/>
-                  <a:tabLst/>
-                  <a:defRPr/>
-                </a:pPr>
-                <a:r>
-                  <a:rPr kumimoji="0" lang="en-US" altLang="zh-CN" sz="800" i="0" u="none" strike="noStrike" kern="0" cap="none" spc="0" normalizeH="0" baseline="0" noProof="0" dirty="0">
-                    <a:ln>
-                      <a:noFill/>
-                    </a:ln>
-                    <a:solidFill>
-                      <a:srgbClr val="1D1D1A"/>
-                    </a:solidFill>
-                    <a:effectLst/>
-                    <a:uLnTx/>
-                    <a:uFillTx/>
-                    <a:latin typeface="微软雅黑"/>
-                    <a:ea typeface="微软雅黑"/>
-                    <a:cs typeface="+mn-cs"/>
-                  </a:rPr>
-                  <a:t>Model</a:t>
-                </a:r>
-              </a:p>
-              <a:p>
-                <a:pPr marL="0" marR="0" lvl="0" indent="0" algn="ctr" defTabSz="914400" eaLnBrk="1" fontAlgn="auto" latinLnBrk="0" hangingPunct="1">
-                  <a:lnSpc>
-                    <a:spcPct val="100000"/>
-                  </a:lnSpc>
-                  <a:spcBef>
-                    <a:spcPts val="0"/>
-                  </a:spcBef>
-                  <a:spcAft>
-                    <a:spcPts val="0"/>
-                  </a:spcAft>
-                  <a:buClrTx/>
-                  <a:buSzTx/>
-                  <a:buFontTx/>
-                  <a:buNone/>
-                  <a:tabLst/>
-                  <a:defRPr/>
-                </a:pPr>
-                <a:r>
-                  <a:rPr kumimoji="0" lang="en-US" altLang="zh-CN" sz="800" i="0" u="none" strike="noStrike" kern="0" cap="none" spc="0" normalizeH="0" baseline="0" noProof="0" dirty="0">
-                    <a:ln>
-                      <a:noFill/>
-                    </a:ln>
-                    <a:solidFill>
-                      <a:srgbClr val="1D1D1A"/>
-                    </a:solidFill>
-                    <a:effectLst/>
-                    <a:uLnTx/>
-                    <a:uFillTx/>
-                    <a:latin typeface="微软雅黑"/>
-                    <a:ea typeface="微软雅黑"/>
-                    <a:cs typeface="+mn-cs"/>
-                  </a:rPr>
-                  <a:t>Hub</a:t>
-                </a:r>
-                <a:endParaRPr kumimoji="0" lang="zh-CN" altLang="en-US" sz="800" i="0" u="none" strike="noStrike" kern="0" cap="none" spc="0" normalizeH="0" baseline="0" noProof="0" dirty="0">
-                  <a:ln>
-                    <a:noFill/>
-                  </a:ln>
-                  <a:solidFill>
-                    <a:srgbClr val="1D1D1A"/>
-                  </a:solidFill>
-                  <a:effectLst/>
-                  <a:uLnTx/>
-                  <a:uFillTx/>
-                  <a:latin typeface="微软雅黑"/>
-                  <a:ea typeface="微软雅黑"/>
-                  <a:cs typeface="+mn-cs"/>
-                </a:endParaRPr>
-              </a:p>
-            </p:txBody>
-          </p:sp>
-          <p:sp>
-            <p:nvSpPr>
-              <p:cNvPr id="266" name="圆角矩形 265"/>
-              <p:cNvSpPr/>
-              <p:nvPr/>
-            </p:nvSpPr>
-            <p:spPr>
-              <a:xfrm>
-                <a:off x="2990033" y="1448519"/>
-                <a:ext cx="756343" cy="176138"/>
-              </a:xfrm>
-              <a:prstGeom prst="roundRect">
-                <a:avLst/>
-              </a:prstGeom>
-              <a:solidFill>
-                <a:srgbClr val="FFFFFF"/>
-              </a:solidFill>
-              <a:ln w="12700" cap="flat" cmpd="sng" algn="ctr">
-                <a:noFill/>
-                <a:prstDash val="solid"/>
-                <a:miter lim="800000"/>
-              </a:ln>
-              <a:effectLst/>
-            </p:spPr>
-            <p:txBody>
-              <a:bodyPr rtlCol="0" anchor="ctr"/>
-              <a:lstStyle/>
-              <a:p>
-                <a:pPr marL="0" marR="0" lvl="0" indent="0" algn="ctr" defTabSz="914400" eaLnBrk="1" fontAlgn="auto" latinLnBrk="0" hangingPunct="1">
-                  <a:lnSpc>
-                    <a:spcPct val="100000"/>
-                  </a:lnSpc>
-                  <a:spcBef>
-                    <a:spcPts val="0"/>
-                  </a:spcBef>
-                  <a:spcAft>
-                    <a:spcPts val="0"/>
-                  </a:spcAft>
-                  <a:buClrTx/>
-                  <a:buSzTx/>
-                  <a:buFontTx/>
-                  <a:buNone/>
-                  <a:tabLst/>
-                  <a:defRPr/>
-                </a:pPr>
-                <a:r>
-                  <a:rPr kumimoji="0" lang="en-US" altLang="zh-CN" sz="800" b="0" i="0" u="none" strike="noStrike" kern="0" cap="none" spc="0" normalizeH="0" baseline="0" noProof="0" dirty="0">
-                    <a:ln>
-                      <a:noFill/>
-                    </a:ln>
-                    <a:solidFill>
-                      <a:srgbClr val="1D1D1A"/>
-                    </a:solidFill>
-                    <a:effectLst/>
-                    <a:uLnTx/>
-                    <a:uFillTx/>
-                    <a:latin typeface="微软雅黑"/>
-                    <a:ea typeface="微软雅黑"/>
-                    <a:cs typeface="+mn-cs"/>
-                  </a:rPr>
-                  <a:t>NLP</a:t>
-                </a:r>
-                <a:endParaRPr kumimoji="0" lang="zh-CN" altLang="en-US" sz="800" b="0" i="0" u="none" strike="noStrike" kern="0" cap="none" spc="0" normalizeH="0" baseline="0" noProof="0" dirty="0">
-                  <a:ln>
-                    <a:noFill/>
-                  </a:ln>
-                  <a:solidFill>
-                    <a:srgbClr val="1D1D1A"/>
-                  </a:solidFill>
-                  <a:effectLst/>
-                  <a:uLnTx/>
-                  <a:uFillTx/>
-                  <a:latin typeface="微软雅黑"/>
-                  <a:ea typeface="微软雅黑"/>
-                  <a:cs typeface="+mn-cs"/>
-                </a:endParaRPr>
-              </a:p>
-            </p:txBody>
-          </p:sp>
-          <p:sp>
-            <p:nvSpPr>
-              <p:cNvPr id="267" name="圆角矩形 266"/>
-              <p:cNvSpPr/>
-              <p:nvPr/>
-            </p:nvSpPr>
-            <p:spPr>
-              <a:xfrm>
-                <a:off x="2140784" y="1661799"/>
-                <a:ext cx="756343" cy="176138"/>
-              </a:xfrm>
-              <a:prstGeom prst="roundRect">
-                <a:avLst/>
-              </a:prstGeom>
-              <a:solidFill>
-                <a:srgbClr val="FFFFFF"/>
-              </a:solidFill>
-              <a:ln w="12700" cap="flat" cmpd="sng" algn="ctr">
-                <a:noFill/>
-                <a:prstDash val="solid"/>
-                <a:miter lim="800000"/>
-              </a:ln>
-              <a:effectLst/>
-            </p:spPr>
-            <p:txBody>
-              <a:bodyPr rtlCol="0" anchor="ctr"/>
-              <a:lstStyle/>
-              <a:p>
-                <a:pPr marL="0" marR="0" lvl="0" indent="0" algn="ctr" defTabSz="914400" eaLnBrk="1" fontAlgn="auto" latinLnBrk="0" hangingPunct="1">
-                  <a:lnSpc>
-                    <a:spcPct val="100000"/>
-                  </a:lnSpc>
-                  <a:spcBef>
-                    <a:spcPts val="0"/>
-                  </a:spcBef>
-                  <a:spcAft>
-                    <a:spcPts val="0"/>
-                  </a:spcAft>
-                  <a:buClrTx/>
-                  <a:buSzTx/>
-                  <a:buFontTx/>
-                  <a:buNone/>
-                  <a:tabLst/>
-                  <a:defRPr/>
-                </a:pPr>
-                <a:r>
-                  <a:rPr kumimoji="0" lang="en-US" altLang="zh-CN" sz="800" b="0" i="0" u="none" strike="noStrike" kern="0" cap="none" spc="0" normalizeH="0" baseline="0" noProof="0" dirty="0">
-                    <a:ln>
-                      <a:noFill/>
-                    </a:ln>
-                    <a:solidFill>
-                      <a:srgbClr val="1D1D1A"/>
-                    </a:solidFill>
-                    <a:effectLst/>
-                    <a:uLnTx/>
-                    <a:uFillTx/>
-                    <a:latin typeface="微软雅黑"/>
-                    <a:ea typeface="微软雅黑"/>
-                    <a:cs typeface="+mn-cs"/>
-                  </a:rPr>
-                  <a:t>Audio</a:t>
-                </a:r>
-                <a:endParaRPr kumimoji="0" lang="zh-CN" altLang="en-US" sz="800" b="0" i="0" u="none" strike="noStrike" kern="0" cap="none" spc="0" normalizeH="0" baseline="0" noProof="0" dirty="0">
-                  <a:ln>
-                    <a:noFill/>
-                  </a:ln>
-                  <a:solidFill>
-                    <a:srgbClr val="1D1D1A"/>
-                  </a:solidFill>
-                  <a:effectLst/>
-                  <a:uLnTx/>
-                  <a:uFillTx/>
-                  <a:latin typeface="微软雅黑"/>
-                  <a:ea typeface="微软雅黑"/>
-                  <a:cs typeface="+mn-cs"/>
-                </a:endParaRPr>
-              </a:p>
-            </p:txBody>
-          </p:sp>
-          <p:sp>
-            <p:nvSpPr>
-              <p:cNvPr id="268" name="圆角矩形 267"/>
-              <p:cNvSpPr/>
-              <p:nvPr/>
-            </p:nvSpPr>
-            <p:spPr>
-              <a:xfrm>
-                <a:off x="2999513" y="1661799"/>
-                <a:ext cx="756343" cy="176138"/>
-              </a:xfrm>
-              <a:prstGeom prst="roundRect">
-                <a:avLst/>
-              </a:prstGeom>
-              <a:solidFill>
-                <a:srgbClr val="FFFFFF"/>
-              </a:solidFill>
-              <a:ln w="12700" cap="flat" cmpd="sng" algn="ctr">
-                <a:noFill/>
-                <a:prstDash val="solid"/>
-                <a:miter lim="800000"/>
-              </a:ln>
-              <a:effectLst/>
-            </p:spPr>
-            <p:txBody>
-              <a:bodyPr rtlCol="0" anchor="ctr"/>
-              <a:lstStyle/>
-              <a:p>
-                <a:pPr marL="0" marR="0" lvl="0" indent="0" algn="ctr" defTabSz="914400" eaLnBrk="1" fontAlgn="auto" latinLnBrk="0" hangingPunct="1">
-                  <a:lnSpc>
-                    <a:spcPct val="100000"/>
-                  </a:lnSpc>
-                  <a:spcBef>
-                    <a:spcPts val="0"/>
-                  </a:spcBef>
-                  <a:spcAft>
-                    <a:spcPts val="0"/>
-                  </a:spcAft>
-                  <a:buClrTx/>
-                  <a:buSzTx/>
-                  <a:buFontTx/>
-                  <a:buNone/>
-                  <a:tabLst/>
-                  <a:defRPr/>
-                </a:pPr>
-                <a:r>
-                  <a:rPr kumimoji="0" lang="en-US" altLang="zh-CN" sz="800" b="0" i="0" u="none" strike="noStrike" kern="0" cap="none" spc="0" normalizeH="0" baseline="0" noProof="0" dirty="0">
-                    <a:ln>
-                      <a:noFill/>
-                    </a:ln>
-                    <a:solidFill>
-                      <a:srgbClr val="1D1D1A"/>
-                    </a:solidFill>
-                    <a:effectLst/>
-                    <a:uLnTx/>
-                    <a:uFillTx/>
-                    <a:latin typeface="微软雅黑"/>
-                    <a:ea typeface="微软雅黑"/>
-                    <a:cs typeface="+mn-cs"/>
-                  </a:rPr>
-                  <a:t>Rec</a:t>
-                </a:r>
-                <a:endParaRPr kumimoji="0" lang="zh-CN" altLang="en-US" sz="800" b="0" i="0" u="none" strike="noStrike" kern="0" cap="none" spc="0" normalizeH="0" baseline="0" noProof="0" dirty="0">
-                  <a:ln>
-                    <a:noFill/>
-                  </a:ln>
-                  <a:solidFill>
-                    <a:srgbClr val="1D1D1A"/>
-                  </a:solidFill>
-                  <a:effectLst/>
-                  <a:uLnTx/>
-                  <a:uFillTx/>
-                  <a:latin typeface="微软雅黑"/>
-                  <a:ea typeface="微软雅黑"/>
-                  <a:cs typeface="+mn-cs"/>
-                </a:endParaRPr>
-              </a:p>
-            </p:txBody>
-          </p:sp>
-        </p:grpSp>
-      </p:grpSp>
-      <p:grpSp>
-        <p:nvGrpSpPr>
-          <p:cNvPr id="5" name="组合 4"/>
-          <p:cNvGrpSpPr/>
-          <p:nvPr/>
-        </p:nvGrpSpPr>
-        <p:grpSpPr>
-          <a:xfrm>
-            <a:off x="3385671" y="2274136"/>
-            <a:ext cx="4086836" cy="379728"/>
-            <a:chOff x="2081518" y="2294557"/>
-            <a:chExt cx="4086836" cy="498314"/>
-          </a:xfrm>
-        </p:grpSpPr>
-        <p:sp>
-          <p:nvSpPr>
-            <p:cNvPr id="269" name="圆角矩形 268"/>
-            <p:cNvSpPr/>
-            <p:nvPr/>
-          </p:nvSpPr>
-          <p:spPr>
-            <a:xfrm>
-              <a:off x="2081518" y="2578207"/>
-              <a:ext cx="4086836" cy="214664"/>
-            </a:xfrm>
-            <a:prstGeom prst="roundRect">
-              <a:avLst/>
-            </a:prstGeom>
-            <a:solidFill>
-              <a:srgbClr val="FFFFFF"/>
-            </a:solidFill>
-            <a:ln w="12700" cap="flat" cmpd="sng" algn="ctr">
-              <a:noFill/>
-              <a:prstDash val="solid"/>
-              <a:miter lim="800000"/>
-            </a:ln>
-            <a:effectLst/>
-          </p:spPr>
-          <p:txBody>
-            <a:bodyPr rtlCol="0" anchor="ctr"/>
-            <a:lstStyle/>
-            <a:p>
-              <a:pPr marL="0" marR="0" lvl="0" indent="0" algn="ctr" defTabSz="914400" eaLnBrk="1" fontAlgn="auto" latinLnBrk="0" hangingPunct="1">
-                <a:lnSpc>
-                  <a:spcPct val="100000"/>
-                </a:lnSpc>
-                <a:spcBef>
-                  <a:spcPts val="0"/>
-                </a:spcBef>
-                <a:spcAft>
-                  <a:spcPts val="0"/>
-                </a:spcAft>
-                <a:buClrTx/>
-                <a:buSzTx/>
-                <a:buFontTx/>
-                <a:buNone/>
-                <a:tabLst/>
-                <a:defRPr/>
-              </a:pPr>
-              <a:r>
-                <a:rPr kumimoji="0" lang="zh-CN" altLang="en-US" sz="800" b="0" i="0" u="none" strike="noStrike" kern="0" cap="none" spc="0" normalizeH="0" baseline="0" noProof="0" dirty="0">
-                  <a:ln>
-                    <a:noFill/>
-                  </a:ln>
-                  <a:solidFill>
-                    <a:srgbClr val="1D1D1A"/>
-                  </a:solidFill>
-                  <a:effectLst/>
-                  <a:uLnTx/>
-                  <a:uFillTx/>
-                  <a:latin typeface="微软雅黑"/>
-                  <a:ea typeface="微软雅黑"/>
-                  <a:cs typeface="+mn-cs"/>
-                </a:rPr>
-                <a:t>动静态图一致</a:t>
-              </a:r>
-            </a:p>
-          </p:txBody>
-        </p:sp>
-        <p:sp>
-          <p:nvSpPr>
-            <p:cNvPr id="270" name="圆角矩形 269"/>
-            <p:cNvSpPr/>
-            <p:nvPr/>
-          </p:nvSpPr>
-          <p:spPr>
-            <a:xfrm>
-              <a:off x="5413337" y="2294557"/>
-              <a:ext cx="755017" cy="214664"/>
-            </a:xfrm>
-            <a:prstGeom prst="roundRect">
-              <a:avLst/>
-            </a:prstGeom>
-            <a:solidFill>
-              <a:srgbClr val="FFFFFF"/>
-            </a:solidFill>
-            <a:ln w="12700" cap="flat" cmpd="sng" algn="ctr">
-              <a:noFill/>
-              <a:prstDash val="solid"/>
-              <a:miter lim="800000"/>
-            </a:ln>
-            <a:effectLst/>
-          </p:spPr>
-          <p:txBody>
-            <a:bodyPr rtlCol="0" anchor="ctr"/>
-            <a:lstStyle/>
-            <a:p>
-              <a:pPr marL="0" marR="0" lvl="0" indent="0" algn="ctr" defTabSz="914400" eaLnBrk="1" fontAlgn="auto" latinLnBrk="0" hangingPunct="1">
-                <a:lnSpc>
-                  <a:spcPct val="100000"/>
-                </a:lnSpc>
-                <a:spcBef>
-                  <a:spcPts val="0"/>
-                </a:spcBef>
-                <a:spcAft>
-                  <a:spcPts val="0"/>
-                </a:spcAft>
-                <a:buClrTx/>
-                <a:buSzTx/>
-                <a:buFontTx/>
-                <a:buNone/>
-                <a:tabLst/>
-                <a:defRPr/>
-              </a:pPr>
-              <a:r>
-                <a:rPr kumimoji="0" lang="en-US" altLang="zh-CN" sz="800" b="0" i="0" u="none" strike="noStrike" kern="0" cap="none" spc="0" normalizeH="0" baseline="0" noProof="0" dirty="0" err="1">
-                  <a:ln>
-                    <a:noFill/>
-                  </a:ln>
-                  <a:solidFill>
-                    <a:srgbClr val="1D1D1A"/>
-                  </a:solidFill>
-                  <a:effectLst/>
-                  <a:uLnTx/>
-                  <a:uFillTx/>
-                  <a:latin typeface="微软雅黑"/>
-                  <a:ea typeface="微软雅黑"/>
-                  <a:cs typeface="+mn-cs"/>
-                </a:rPr>
-                <a:t>Numpy</a:t>
-              </a:r>
-              <a:endParaRPr kumimoji="0" lang="zh-CN" altLang="en-US" sz="800" b="0" i="0" u="none" strike="noStrike" kern="0" cap="none" spc="0" normalizeH="0" baseline="0" noProof="0" dirty="0">
-                <a:ln>
-                  <a:noFill/>
-                </a:ln>
-                <a:solidFill>
-                  <a:srgbClr val="1D1D1A"/>
-                </a:solidFill>
-                <a:effectLst/>
-                <a:uLnTx/>
-                <a:uFillTx/>
-                <a:latin typeface="微软雅黑"/>
-                <a:ea typeface="微软雅黑"/>
-                <a:cs typeface="+mn-cs"/>
-              </a:endParaRPr>
-            </a:p>
-          </p:txBody>
-        </p:sp>
-        <p:sp>
-          <p:nvSpPr>
-            <p:cNvPr id="271" name="圆角矩形 270"/>
-            <p:cNvSpPr/>
-            <p:nvPr/>
-          </p:nvSpPr>
-          <p:spPr>
-            <a:xfrm>
-              <a:off x="2910135" y="2294557"/>
-              <a:ext cx="723890" cy="214664"/>
-            </a:xfrm>
-            <a:prstGeom prst="roundRect">
-              <a:avLst/>
-            </a:prstGeom>
-            <a:solidFill>
-              <a:srgbClr val="FFFFFF"/>
-            </a:solidFill>
-            <a:ln w="12700" cap="flat" cmpd="sng" algn="ctr">
-              <a:noFill/>
-              <a:prstDash val="solid"/>
-              <a:miter lim="800000"/>
-            </a:ln>
-            <a:effectLst/>
-          </p:spPr>
-          <p:txBody>
-            <a:bodyPr lIns="36000" tIns="36000" rIns="36000" bIns="36000" rtlCol="0" anchor="ctr"/>
-            <a:lstStyle/>
-            <a:p>
-              <a:pPr marL="0" marR="0" lvl="0" indent="0" algn="ctr" defTabSz="914400" eaLnBrk="1" fontAlgn="auto" latinLnBrk="0" hangingPunct="1">
-                <a:lnSpc>
-                  <a:spcPct val="100000"/>
-                </a:lnSpc>
-                <a:spcBef>
-                  <a:spcPts val="0"/>
-                </a:spcBef>
-                <a:spcAft>
-                  <a:spcPts val="0"/>
-                </a:spcAft>
-                <a:buClrTx/>
-                <a:buSzTx/>
-                <a:buFontTx/>
-                <a:buNone/>
-                <a:tabLst/>
-                <a:defRPr/>
-              </a:pPr>
-              <a:r>
-                <a:rPr kumimoji="0" lang="en-US" altLang="zh-CN" sz="800" b="0" i="0" u="none" strike="noStrike" kern="0" cap="none" spc="0" normalizeH="0" baseline="0" noProof="0" dirty="0">
-                  <a:ln>
-                    <a:noFill/>
-                  </a:ln>
-                  <a:solidFill>
-                    <a:srgbClr val="1D1D1A"/>
-                  </a:solidFill>
-                  <a:effectLst/>
-                  <a:uLnTx/>
-                  <a:uFillTx/>
-                  <a:latin typeface="微软雅黑"/>
-                  <a:ea typeface="微软雅黑"/>
-                  <a:cs typeface="+mn-cs"/>
-                </a:rPr>
-                <a:t>Ops</a:t>
-              </a:r>
-              <a:endParaRPr kumimoji="0" lang="zh-CN" altLang="en-US" sz="800" b="0" i="0" u="none" strike="noStrike" kern="0" cap="none" spc="0" normalizeH="0" baseline="0" noProof="0" dirty="0">
-                <a:ln>
-                  <a:noFill/>
-                </a:ln>
-                <a:solidFill>
-                  <a:srgbClr val="1D1D1A"/>
-                </a:solidFill>
-                <a:effectLst/>
-                <a:uLnTx/>
-                <a:uFillTx/>
-                <a:latin typeface="微软雅黑"/>
-                <a:ea typeface="微软雅黑"/>
-                <a:cs typeface="+mn-cs"/>
-              </a:endParaRPr>
-            </a:p>
-          </p:txBody>
-        </p:sp>
-        <p:sp>
-          <p:nvSpPr>
-            <p:cNvPr id="272" name="圆角矩形 271"/>
-            <p:cNvSpPr/>
-            <p:nvPr/>
-          </p:nvSpPr>
-          <p:spPr>
-            <a:xfrm>
-              <a:off x="2081518" y="2294557"/>
-              <a:ext cx="750230" cy="214664"/>
-            </a:xfrm>
-            <a:prstGeom prst="roundRect">
-              <a:avLst/>
-            </a:prstGeom>
-            <a:solidFill>
-              <a:srgbClr val="FFFFFF"/>
-            </a:solidFill>
-            <a:ln w="12700" cap="flat" cmpd="sng" algn="ctr">
-              <a:noFill/>
-              <a:prstDash val="solid"/>
-              <a:miter lim="800000"/>
-            </a:ln>
-            <a:effectLst/>
-          </p:spPr>
-          <p:txBody>
-            <a:bodyPr lIns="36000" tIns="36000" rIns="36000" bIns="36000" rtlCol="0" anchor="ctr"/>
-            <a:lstStyle/>
-            <a:p>
-              <a:pPr marL="0" marR="0" lvl="0" indent="0" algn="ctr" defTabSz="914400" eaLnBrk="1" fontAlgn="auto" latinLnBrk="0" hangingPunct="1">
-                <a:lnSpc>
-                  <a:spcPct val="100000"/>
-                </a:lnSpc>
-                <a:spcBef>
-                  <a:spcPts val="0"/>
-                </a:spcBef>
-                <a:spcAft>
-                  <a:spcPts val="0"/>
-                </a:spcAft>
-                <a:buClrTx/>
-                <a:buSzTx/>
-                <a:buFontTx/>
-                <a:buNone/>
-                <a:tabLst/>
-                <a:defRPr/>
-              </a:pPr>
-              <a:r>
-                <a:rPr kumimoji="0" lang="en-US" altLang="zh-CN" sz="800" b="0" i="0" u="none" strike="noStrike" kern="0" cap="none" spc="0" normalizeH="0" baseline="0" noProof="0" dirty="0">
-                  <a:ln>
-                    <a:noFill/>
-                  </a:ln>
-                  <a:solidFill>
-                    <a:srgbClr val="1D1D1A"/>
-                  </a:solidFill>
-                  <a:effectLst/>
-                  <a:uLnTx/>
-                  <a:uFillTx/>
-                  <a:latin typeface="微软雅黑"/>
-                  <a:ea typeface="微软雅黑"/>
-                  <a:cs typeface="+mn-cs"/>
-                </a:rPr>
-                <a:t>NN</a:t>
-              </a:r>
-              <a:endParaRPr kumimoji="0" lang="zh-CN" altLang="en-US" sz="800" b="0" i="0" u="none" strike="noStrike" kern="0" cap="none" spc="0" normalizeH="0" baseline="0" noProof="0" dirty="0">
-                <a:ln>
-                  <a:noFill/>
-                </a:ln>
-                <a:solidFill>
-                  <a:srgbClr val="1D1D1A"/>
-                </a:solidFill>
-                <a:effectLst/>
-                <a:uLnTx/>
-                <a:uFillTx/>
-                <a:latin typeface="微软雅黑"/>
-                <a:ea typeface="微软雅黑"/>
-                <a:cs typeface="+mn-cs"/>
-              </a:endParaRPr>
-            </a:p>
-          </p:txBody>
-        </p:sp>
-        <p:sp>
-          <p:nvSpPr>
-            <p:cNvPr id="273" name="圆角矩形 272"/>
-            <p:cNvSpPr/>
-            <p:nvPr/>
-          </p:nvSpPr>
-          <p:spPr>
-            <a:xfrm>
-              <a:off x="3712412" y="2294557"/>
-              <a:ext cx="790145" cy="214664"/>
-            </a:xfrm>
-            <a:prstGeom prst="roundRect">
-              <a:avLst/>
-            </a:prstGeom>
-            <a:solidFill>
-              <a:srgbClr val="FFFFFF"/>
-            </a:solidFill>
-            <a:ln w="12700" cap="flat" cmpd="sng" algn="ctr">
-              <a:noFill/>
-              <a:prstDash val="solid"/>
-              <a:miter lim="800000"/>
-            </a:ln>
-            <a:effectLst/>
-          </p:spPr>
-          <p:txBody>
-            <a:bodyPr lIns="36000" tIns="36000" rIns="36000" bIns="36000" rtlCol="0" anchor="ctr"/>
-            <a:lstStyle/>
-            <a:p>
-              <a:pPr marL="0" marR="0" lvl="0" indent="0" algn="ctr" defTabSz="914400" eaLnBrk="1" fontAlgn="auto" latinLnBrk="0" hangingPunct="1">
-                <a:lnSpc>
-                  <a:spcPct val="100000"/>
-                </a:lnSpc>
-                <a:spcBef>
-                  <a:spcPts val="0"/>
-                </a:spcBef>
-                <a:spcAft>
-                  <a:spcPts val="0"/>
-                </a:spcAft>
-                <a:buClrTx/>
-                <a:buSzTx/>
-                <a:buFontTx/>
-                <a:buNone/>
-                <a:tabLst/>
-                <a:defRPr/>
-              </a:pPr>
-              <a:r>
-                <a:rPr kumimoji="0" lang="en-US" altLang="zh-CN" sz="800" b="0" i="0" u="none" strike="noStrike" kern="0" cap="none" spc="0" normalizeH="0" baseline="0" noProof="0" dirty="0">
-                  <a:ln>
-                    <a:noFill/>
-                  </a:ln>
-                  <a:solidFill>
-                    <a:srgbClr val="1D1D1A"/>
-                  </a:solidFill>
-                  <a:effectLst/>
-                  <a:uLnTx/>
-                  <a:uFillTx/>
-                  <a:latin typeface="微软雅黑"/>
-                  <a:ea typeface="微软雅黑"/>
-                  <a:cs typeface="+mn-cs"/>
-                </a:rPr>
-                <a:t>Dataset</a:t>
-              </a:r>
-              <a:endParaRPr kumimoji="0" lang="zh-CN" altLang="en-US" sz="800" b="0" i="0" u="none" strike="noStrike" kern="0" cap="none" spc="0" normalizeH="0" baseline="0" noProof="0" dirty="0">
-                <a:ln>
-                  <a:noFill/>
-                </a:ln>
-                <a:solidFill>
-                  <a:srgbClr val="1D1D1A"/>
-                </a:solidFill>
-                <a:effectLst/>
-                <a:uLnTx/>
-                <a:uFillTx/>
-                <a:latin typeface="微软雅黑"/>
-                <a:ea typeface="微软雅黑"/>
-                <a:cs typeface="+mn-cs"/>
-              </a:endParaRPr>
-            </a:p>
-          </p:txBody>
-        </p:sp>
-        <p:sp>
-          <p:nvSpPr>
-            <p:cNvPr id="274" name="圆角矩形 273"/>
-            <p:cNvSpPr/>
-            <p:nvPr/>
-          </p:nvSpPr>
-          <p:spPr>
-            <a:xfrm>
-              <a:off x="4580944" y="2294557"/>
-              <a:ext cx="754005" cy="214664"/>
-            </a:xfrm>
-            <a:prstGeom prst="roundRect">
-              <a:avLst/>
-            </a:prstGeom>
-            <a:solidFill>
-              <a:srgbClr val="FFFFFF"/>
-            </a:solidFill>
-            <a:ln w="12700" cap="flat" cmpd="sng" algn="ctr">
-              <a:noFill/>
-              <a:prstDash val="solid"/>
-              <a:miter lim="800000"/>
-            </a:ln>
-            <a:effectLst/>
-          </p:spPr>
-          <p:txBody>
-            <a:bodyPr lIns="36000" tIns="36000" rIns="36000" bIns="36000" rtlCol="0" anchor="ctr"/>
-            <a:lstStyle/>
-            <a:p>
-              <a:pPr marL="0" marR="0" lvl="0" indent="0" algn="ctr" defTabSz="914400" eaLnBrk="1" fontAlgn="auto" latinLnBrk="0" hangingPunct="1">
-                <a:lnSpc>
-                  <a:spcPct val="100000"/>
-                </a:lnSpc>
-                <a:spcBef>
-                  <a:spcPts val="0"/>
-                </a:spcBef>
-                <a:spcAft>
-                  <a:spcPts val="0"/>
-                </a:spcAft>
-                <a:buClrTx/>
-                <a:buSzTx/>
-                <a:buFontTx/>
-                <a:buNone/>
-                <a:tabLst/>
-                <a:defRPr/>
-              </a:pPr>
-              <a:r>
-                <a:rPr kumimoji="0" lang="en-US" altLang="zh-CN" sz="800" b="0" i="0" u="none" strike="noStrike" kern="0" cap="none" spc="0" normalizeH="0" baseline="0" noProof="0" dirty="0">
-                  <a:ln>
-                    <a:noFill/>
-                  </a:ln>
-                  <a:solidFill>
-                    <a:srgbClr val="1D1D1A"/>
-                  </a:solidFill>
-                  <a:effectLst/>
-                  <a:uLnTx/>
-                  <a:uFillTx/>
-                  <a:latin typeface="微软雅黑"/>
-                  <a:ea typeface="微软雅黑"/>
-                  <a:cs typeface="+mn-cs"/>
-                </a:rPr>
-                <a:t>Train/Infer</a:t>
-              </a:r>
-              <a:endParaRPr kumimoji="0" lang="zh-CN" altLang="en-US" sz="800" b="0" i="0" u="none" strike="noStrike" kern="0" cap="none" spc="0" normalizeH="0" baseline="0" noProof="0" dirty="0">
-                <a:ln>
-                  <a:noFill/>
-                </a:ln>
-                <a:solidFill>
-                  <a:srgbClr val="1D1D1A"/>
-                </a:solidFill>
-                <a:effectLst/>
-                <a:uLnTx/>
-                <a:uFillTx/>
-                <a:latin typeface="微软雅黑"/>
-                <a:ea typeface="微软雅黑"/>
-                <a:cs typeface="+mn-cs"/>
-              </a:endParaRPr>
-            </a:p>
-          </p:txBody>
-        </p:sp>
-      </p:grpSp>
-      <p:sp>
-        <p:nvSpPr>
-          <p:cNvPr id="275" name="圆角矩形 274"/>
-          <p:cNvSpPr/>
-          <p:nvPr/>
-        </p:nvSpPr>
-        <p:spPr>
-          <a:xfrm>
-            <a:off x="3393427" y="3128087"/>
-            <a:ext cx="723890" cy="156863"/>
-          </a:xfrm>
-          <a:prstGeom prst="roundRect">
-            <a:avLst/>
-          </a:prstGeom>
-          <a:solidFill>
-            <a:srgbClr val="FFFFFF"/>
-          </a:solidFill>
-          <a:ln w="12700" cap="flat" cmpd="sng" algn="ctr">
-            <a:noFill/>
-            <a:prstDash val="solid"/>
-            <a:miter lim="800000"/>
-          </a:ln>
-          <a:effectLst/>
-        </p:spPr>
-        <p:txBody>
-          <a:bodyPr lIns="36000" tIns="36000" rIns="36000" bIns="36000" rtlCol="0" anchor="ctr"/>
-          <a:lstStyle/>
-          <a:p>
-            <a:pPr marL="0" marR="0" lvl="0" indent="0" algn="ctr" defTabSz="914400" eaLnBrk="1" fontAlgn="auto" latinLnBrk="0" hangingPunct="1">
-              <a:lnSpc>
-                <a:spcPct val="100000"/>
-              </a:lnSpc>
-              <a:spcBef>
-                <a:spcPts val="0"/>
-              </a:spcBef>
-              <a:spcAft>
-                <a:spcPts val="0"/>
-              </a:spcAft>
-              <a:buClrTx/>
-              <a:buSzTx/>
-              <a:buFontTx/>
-              <a:buNone/>
-              <a:tabLst/>
-              <a:defRPr/>
-            </a:pPr>
-            <a:r>
-              <a:rPr kumimoji="0" lang="zh-CN" altLang="en-US" sz="800" b="0" i="0" u="none" strike="noStrike" kern="0" cap="none" spc="0" normalizeH="0" baseline="0" noProof="0" dirty="0">
-                <a:ln>
-                  <a:noFill/>
-                </a:ln>
-                <a:solidFill>
-                  <a:srgbClr val="1D1D1A"/>
-                </a:solidFill>
-                <a:effectLst/>
-                <a:uLnTx/>
-                <a:uFillTx/>
-                <a:latin typeface="微软雅黑"/>
-                <a:ea typeface="微软雅黑"/>
-                <a:cs typeface="+mn-cs"/>
-              </a:rPr>
-              <a:t>数据加载</a:t>
-            </a:r>
-          </a:p>
-        </p:txBody>
-      </p:sp>
-      <p:sp>
-        <p:nvSpPr>
-          <p:cNvPr id="276" name="圆角矩形 275"/>
-          <p:cNvSpPr/>
-          <p:nvPr/>
-        </p:nvSpPr>
-        <p:spPr>
-          <a:xfrm>
-            <a:off x="3393427" y="3352305"/>
-            <a:ext cx="723890" cy="156863"/>
-          </a:xfrm>
-          <a:prstGeom prst="roundRect">
-            <a:avLst/>
-          </a:prstGeom>
-          <a:solidFill>
-            <a:srgbClr val="FFFFFF"/>
-          </a:solidFill>
-          <a:ln w="12700" cap="flat" cmpd="sng" algn="ctr">
-            <a:noFill/>
-            <a:prstDash val="solid"/>
-            <a:miter lim="800000"/>
-          </a:ln>
-          <a:effectLst/>
-        </p:spPr>
-        <p:txBody>
-          <a:bodyPr lIns="36000" tIns="36000" rIns="36000" bIns="36000" rtlCol="0" anchor="ctr"/>
-          <a:lstStyle/>
-          <a:p>
-            <a:pPr marL="0" marR="0" lvl="0" indent="0" algn="ctr" defTabSz="914400" eaLnBrk="1" fontAlgn="auto" latinLnBrk="0" hangingPunct="1">
-              <a:lnSpc>
-                <a:spcPct val="100000"/>
-              </a:lnSpc>
-              <a:spcBef>
-                <a:spcPts val="0"/>
-              </a:spcBef>
-              <a:spcAft>
-                <a:spcPts val="0"/>
-              </a:spcAft>
-              <a:buClrTx/>
-              <a:buSzTx/>
-              <a:buFontTx/>
-              <a:buNone/>
-              <a:tabLst/>
-              <a:defRPr/>
-            </a:pPr>
-            <a:r>
-              <a:rPr kumimoji="0" lang="zh-CN" altLang="en-US" sz="800" b="0" i="0" u="none" strike="noStrike" kern="0" cap="none" spc="0" normalizeH="0" baseline="0" noProof="0" dirty="0">
-                <a:ln>
-                  <a:noFill/>
-                </a:ln>
-                <a:solidFill>
-                  <a:srgbClr val="1D1D1A"/>
-                </a:solidFill>
-                <a:effectLst/>
-                <a:uLnTx/>
-                <a:uFillTx/>
-                <a:latin typeface="微软雅黑"/>
-                <a:ea typeface="微软雅黑"/>
-                <a:cs typeface="+mn-cs"/>
-              </a:rPr>
-              <a:t>数据格式</a:t>
-            </a:r>
-            <a:endParaRPr kumimoji="0" lang="en-US" altLang="zh-CN" sz="800" b="0" i="0" u="none" strike="noStrike" kern="0" cap="none" spc="0" normalizeH="0" baseline="0" noProof="0" dirty="0">
-              <a:ln>
-                <a:noFill/>
-              </a:ln>
-              <a:solidFill>
-                <a:srgbClr val="1D1D1A"/>
-              </a:solidFill>
-              <a:effectLst/>
-              <a:uLnTx/>
-              <a:uFillTx/>
-              <a:latin typeface="微软雅黑"/>
-              <a:ea typeface="微软雅黑"/>
-              <a:cs typeface="+mn-cs"/>
-            </a:endParaRPr>
-          </a:p>
-        </p:txBody>
-      </p:sp>
-      <p:sp>
-        <p:nvSpPr>
-          <p:cNvPr id="277" name="圆角矩形 276"/>
-          <p:cNvSpPr/>
-          <p:nvPr/>
-        </p:nvSpPr>
-        <p:spPr>
-          <a:xfrm>
-            <a:off x="3393427" y="3800741"/>
-            <a:ext cx="723890" cy="156863"/>
-          </a:xfrm>
-          <a:prstGeom prst="roundRect">
-            <a:avLst/>
-          </a:prstGeom>
-          <a:solidFill>
-            <a:srgbClr val="FFFFFF"/>
-          </a:solidFill>
-          <a:ln w="12700" cap="flat" cmpd="sng" algn="ctr">
-            <a:noFill/>
-            <a:prstDash val="solid"/>
-            <a:miter lim="800000"/>
-          </a:ln>
-          <a:effectLst/>
-        </p:spPr>
-        <p:txBody>
-          <a:bodyPr lIns="36000" tIns="36000" rIns="36000" bIns="36000" rtlCol="0" anchor="ctr"/>
-          <a:lstStyle/>
-          <a:p>
-            <a:pPr marL="0" marR="0" lvl="0" indent="0" algn="ctr" defTabSz="914400" eaLnBrk="1" fontAlgn="auto" latinLnBrk="0" hangingPunct="1">
-              <a:lnSpc>
-                <a:spcPct val="100000"/>
-              </a:lnSpc>
-              <a:spcBef>
-                <a:spcPts val="0"/>
-              </a:spcBef>
-              <a:spcAft>
-                <a:spcPts val="0"/>
-              </a:spcAft>
-              <a:buClrTx/>
-              <a:buSzTx/>
-              <a:buFontTx/>
-              <a:buNone/>
-              <a:tabLst/>
-              <a:defRPr/>
-            </a:pPr>
-            <a:r>
-              <a:rPr kumimoji="0" lang="zh-CN" altLang="en-US" sz="800" b="0" i="0" u="none" strike="noStrike" kern="0" cap="none" spc="0" normalizeH="0" baseline="0" noProof="0" dirty="0">
-                <a:ln>
-                  <a:noFill/>
-                </a:ln>
-                <a:solidFill>
-                  <a:srgbClr val="1D1D1A"/>
-                </a:solidFill>
-                <a:effectLst/>
-                <a:uLnTx/>
-                <a:uFillTx/>
-                <a:latin typeface="微软雅黑"/>
-                <a:ea typeface="微软雅黑"/>
-                <a:cs typeface="+mn-cs"/>
-              </a:rPr>
-              <a:t>数据增强</a:t>
-            </a:r>
-          </a:p>
-        </p:txBody>
-      </p:sp>
-      <p:sp>
-        <p:nvSpPr>
-          <p:cNvPr id="278" name="圆角矩形 277"/>
-          <p:cNvSpPr/>
-          <p:nvPr/>
-        </p:nvSpPr>
-        <p:spPr>
-          <a:xfrm>
-            <a:off x="3393427" y="3576523"/>
-            <a:ext cx="723890" cy="156863"/>
-          </a:xfrm>
-          <a:prstGeom prst="roundRect">
-            <a:avLst/>
-          </a:prstGeom>
-          <a:solidFill>
-            <a:srgbClr val="FFFFFF"/>
-          </a:solidFill>
-          <a:ln w="12700" cap="flat" cmpd="sng" algn="ctr">
-            <a:noFill/>
-            <a:prstDash val="solid"/>
-            <a:miter lim="800000"/>
-          </a:ln>
-          <a:effectLst/>
-        </p:spPr>
-        <p:txBody>
-          <a:bodyPr lIns="36000" tIns="36000" rIns="36000" bIns="36000" rtlCol="0" anchor="ctr"/>
-          <a:lstStyle/>
-          <a:p>
-            <a:pPr marL="0" marR="0" lvl="0" indent="0" algn="ctr" defTabSz="914400" eaLnBrk="1" fontAlgn="auto" latinLnBrk="0" hangingPunct="1">
-              <a:lnSpc>
-                <a:spcPct val="100000"/>
-              </a:lnSpc>
-              <a:spcBef>
-                <a:spcPts val="0"/>
-              </a:spcBef>
-              <a:spcAft>
-                <a:spcPts val="0"/>
-              </a:spcAft>
-              <a:buClrTx/>
-              <a:buSzTx/>
-              <a:buFontTx/>
-              <a:buNone/>
-              <a:tabLst/>
-              <a:defRPr/>
-            </a:pPr>
-            <a:r>
-              <a:rPr kumimoji="0" lang="zh-CN" altLang="en-US" sz="800" b="0" i="0" u="none" strike="noStrike" kern="0" cap="none" spc="0" normalizeH="0" baseline="0" noProof="0" dirty="0">
-                <a:ln>
-                  <a:noFill/>
-                </a:ln>
-                <a:solidFill>
-                  <a:srgbClr val="1D1D1A"/>
-                </a:solidFill>
-                <a:effectLst/>
-                <a:uLnTx/>
-                <a:uFillTx/>
-                <a:latin typeface="微软雅黑"/>
-                <a:ea typeface="微软雅黑"/>
-                <a:cs typeface="+mn-cs"/>
-              </a:rPr>
-              <a:t>异构加速</a:t>
-            </a:r>
-          </a:p>
-        </p:txBody>
-      </p:sp>
-      <p:sp>
-        <p:nvSpPr>
-          <p:cNvPr id="80" name="矩形 79"/>
-          <p:cNvSpPr/>
-          <p:nvPr/>
-        </p:nvSpPr>
-        <p:spPr>
-          <a:xfrm>
-            <a:off x="9206167" y="2803479"/>
-            <a:ext cx="858049" cy="1792941"/>
-          </a:xfrm>
-          <a:prstGeom prst="rect">
-            <a:avLst/>
-          </a:prstGeom>
-          <a:solidFill>
-            <a:srgbClr val="CCECFF">
-              <a:alpha val="40000"/>
-            </a:srgbClr>
-          </a:solidFill>
-          <a:ln w="12700" cap="flat" cmpd="sng" algn="ctr">
-            <a:noFill/>
-            <a:prstDash val="solid"/>
-            <a:miter lim="800000"/>
-          </a:ln>
-          <a:effectLst/>
-        </p:spPr>
-        <p:txBody>
-          <a:bodyPr rtlCol="0" anchor="t" anchorCtr="0"/>
-          <a:lstStyle/>
-          <a:p>
-            <a:pPr marL="0" marR="0" lvl="0" indent="0" algn="ctr" defTabSz="914400" eaLnBrk="1" fontAlgn="auto" latinLnBrk="0" hangingPunct="1">
-              <a:lnSpc>
-                <a:spcPct val="100000"/>
-              </a:lnSpc>
-              <a:spcBef>
-                <a:spcPts val="0"/>
-              </a:spcBef>
-              <a:spcAft>
-                <a:spcPts val="0"/>
-              </a:spcAft>
-              <a:buClrTx/>
-              <a:buSzTx/>
-              <a:buFontTx/>
-              <a:buNone/>
-              <a:tabLst/>
-              <a:defRPr/>
-            </a:pPr>
-            <a:r>
-              <a:rPr kumimoji="0" lang="en-US" altLang="zh-CN" sz="1000" b="1" i="0" u="none" strike="noStrike" kern="0" cap="none" spc="0" normalizeH="0" baseline="0" noProof="0" dirty="0" err="1">
-                <a:ln>
-                  <a:noFill/>
-                </a:ln>
-                <a:solidFill>
-                  <a:srgbClr val="1D1D1A"/>
-                </a:solidFill>
-                <a:effectLst/>
-                <a:uLnTx/>
-                <a:uFillTx/>
-                <a:latin typeface="微软雅黑"/>
-                <a:ea typeface="微软雅黑"/>
-                <a:cs typeface="+mn-cs"/>
-              </a:rPr>
-              <a:t>Armour</a:t>
-            </a:r>
-            <a:endParaRPr kumimoji="0" lang="en-US" altLang="zh-CN" sz="1000" b="1" i="0" u="none" strike="noStrike" kern="0" cap="none" spc="0" normalizeH="0" baseline="0" noProof="0" dirty="0">
-              <a:ln>
-                <a:noFill/>
-              </a:ln>
-              <a:solidFill>
-                <a:srgbClr val="1D1D1A"/>
-              </a:solidFill>
-              <a:effectLst/>
-              <a:uLnTx/>
-              <a:uFillTx/>
-              <a:latin typeface="微软雅黑"/>
-              <a:ea typeface="微软雅黑"/>
-              <a:cs typeface="+mn-cs"/>
-            </a:endParaRPr>
-          </a:p>
-          <a:p>
-            <a:pPr marL="0" marR="0" lvl="0" indent="0" algn="ctr" defTabSz="914400" eaLnBrk="1" fontAlgn="auto" latinLnBrk="0" hangingPunct="1">
-              <a:lnSpc>
-                <a:spcPct val="100000"/>
-              </a:lnSpc>
-              <a:spcBef>
-                <a:spcPts val="0"/>
-              </a:spcBef>
-              <a:spcAft>
-                <a:spcPts val="0"/>
-              </a:spcAft>
-              <a:buClrTx/>
-              <a:buSzTx/>
-              <a:buFontTx/>
-              <a:buNone/>
-              <a:tabLst/>
-              <a:defRPr/>
-            </a:pPr>
-            <a:endParaRPr lang="en-US" altLang="zh-CN" sz="1000" b="1" kern="0" dirty="0">
-              <a:solidFill>
-                <a:srgbClr val="1D1D1A"/>
-              </a:solidFill>
-              <a:latin typeface="微软雅黑"/>
-              <a:ea typeface="微软雅黑"/>
-            </a:endParaRPr>
-          </a:p>
-          <a:p>
-            <a:pPr marL="0" marR="0" lvl="0" indent="0" algn="ctr" defTabSz="914400" eaLnBrk="1" fontAlgn="auto" latinLnBrk="0" hangingPunct="1">
-              <a:lnSpc>
-                <a:spcPct val="100000"/>
-              </a:lnSpc>
-              <a:spcBef>
-                <a:spcPts val="0"/>
-              </a:spcBef>
-              <a:spcAft>
-                <a:spcPts val="0"/>
-              </a:spcAft>
-              <a:buClrTx/>
-              <a:buSzTx/>
-              <a:buFontTx/>
-              <a:buNone/>
-              <a:tabLst/>
-              <a:defRPr/>
-            </a:pPr>
-            <a:r>
-              <a:rPr kumimoji="0" lang="en-US" altLang="zh-CN" sz="1000" i="0" u="none" strike="noStrike" kern="0" cap="none" spc="0" normalizeH="0" baseline="0" noProof="0" dirty="0">
-                <a:ln>
-                  <a:noFill/>
-                </a:ln>
-                <a:solidFill>
-                  <a:srgbClr val="1D1D1A"/>
-                </a:solidFill>
-                <a:effectLst/>
-                <a:uLnTx/>
-                <a:uFillTx/>
-                <a:latin typeface="微软雅黑"/>
-                <a:ea typeface="微软雅黑"/>
-                <a:cs typeface="+mn-cs"/>
-              </a:rPr>
-              <a:t>AI</a:t>
-            </a:r>
-            <a:r>
-              <a:rPr kumimoji="0" lang="zh-CN" altLang="en-US" sz="1000" i="0" u="none" strike="noStrike" kern="0" cap="none" spc="0" normalizeH="0" baseline="0" noProof="0" dirty="0">
-                <a:ln>
-                  <a:noFill/>
-                </a:ln>
-                <a:solidFill>
-                  <a:srgbClr val="1D1D1A"/>
-                </a:solidFill>
-                <a:effectLst/>
-                <a:uLnTx/>
-                <a:uFillTx/>
-                <a:latin typeface="微软雅黑"/>
-                <a:ea typeface="微软雅黑"/>
-                <a:cs typeface="+mn-cs"/>
-              </a:rPr>
-              <a:t>安全</a:t>
-            </a:r>
-            <a:endParaRPr kumimoji="0" lang="en-US" altLang="zh-CN" sz="1000" i="0" u="none" strike="noStrike" kern="0" cap="none" spc="0" normalizeH="0" baseline="0" noProof="0" dirty="0">
-              <a:ln>
-                <a:noFill/>
-              </a:ln>
-              <a:solidFill>
-                <a:srgbClr val="1D1D1A"/>
-              </a:solidFill>
-              <a:effectLst/>
-              <a:uLnTx/>
-              <a:uFillTx/>
-              <a:latin typeface="微软雅黑"/>
-              <a:ea typeface="微软雅黑"/>
-              <a:cs typeface="+mn-cs"/>
-            </a:endParaRPr>
-          </a:p>
-        </p:txBody>
-      </p:sp>
-      <p:sp>
-        <p:nvSpPr>
-          <p:cNvPr id="83" name="矩形 82">
-            <a:extLst>
-              <a:ext uri="{FF2B5EF4-FFF2-40B4-BE49-F238E27FC236}">
-                <a16:creationId xmlns:a16="http://schemas.microsoft.com/office/drawing/2014/main" id="{6279B8C5-3452-4BE8-BEC0-1FFC75401E6E}"/>
-              </a:ext>
-            </a:extLst>
-          </p:cNvPr>
-          <p:cNvSpPr/>
-          <p:nvPr/>
-        </p:nvSpPr>
-        <p:spPr bwMode="auto">
-          <a:xfrm>
-            <a:off x="3256684" y="5224407"/>
-            <a:ext cx="6815222" cy="759545"/>
-          </a:xfrm>
-          <a:prstGeom prst="rect">
-            <a:avLst/>
-          </a:prstGeom>
-          <a:solidFill>
-            <a:schemeClr val="bg2">
-              <a:lumMod val="20000"/>
-              <a:lumOff val="80000"/>
-            </a:schemeClr>
-          </a:solidFill>
-          <a:ln w="19050">
-            <a:noFill/>
-          </a:ln>
-        </p:spPr>
-        <p:txBody>
-          <a:bodyPr lIns="0" rIns="0" anchor="ctr"/>
-          <a:lstStyle/>
-          <a:p>
-            <a:pPr algn="ctr" defTabSz="1828252" fontAlgn="auto" hangingPunct="0">
-              <a:spcBef>
-                <a:spcPts val="0"/>
-              </a:spcBef>
-              <a:spcAft>
-                <a:spcPts val="0"/>
-              </a:spcAft>
-              <a:defRPr/>
-            </a:pPr>
-            <a:endParaRPr lang="en-US" altLang="zh-CN" sz="1100" kern="0" dirty="0">
-              <a:solidFill>
-                <a:srgbClr val="434343">
-                  <a:lumMod val="50000"/>
-                </a:srgbClr>
-              </a:solidFill>
-              <a:latin typeface="微软雅黑"/>
-              <a:ea typeface="微软雅黑"/>
-              <a:sym typeface="Helvetica Neue"/>
-            </a:endParaRPr>
-          </a:p>
-        </p:txBody>
-      </p:sp>
-      <p:pic>
-        <p:nvPicPr>
-          <p:cNvPr id="85" name="Picture 2" descr="Picture 2">
-            <a:extLst>
-              <a:ext uri="{FF2B5EF4-FFF2-40B4-BE49-F238E27FC236}">
-                <a16:creationId xmlns:a16="http://schemas.microsoft.com/office/drawing/2014/main" id="{8BF19B4F-519B-41E7-8E4B-60C860B0F7F1}"/>
-              </a:ext>
-            </a:extLst>
-          </p:cNvPr>
-          <p:cNvPicPr>
-            <a:picLocks noChangeAspect="1"/>
-          </p:cNvPicPr>
-          <p:nvPr/>
-        </p:nvPicPr>
-        <p:blipFill>
-          <a:blip r:embed="rId2" cstate="print">
-            <a:extLst>
-              <a:ext uri="{28A0092B-C50C-407E-A947-70E740481C1C}">
-                <a14:useLocalDpi xmlns:a14="http://schemas.microsoft.com/office/drawing/2010/main" val="0"/>
-              </a:ext>
-            </a:extLst>
-          </a:blip>
-          <a:srcRect/>
-          <a:stretch>
-            <a:fillRect/>
-          </a:stretch>
-        </p:blipFill>
-        <p:spPr bwMode="auto">
-          <a:xfrm>
-            <a:off x="7872370" y="5489280"/>
-            <a:ext cx="269554" cy="373152"/>
-          </a:xfrm>
-          <a:prstGeom prst="rect">
-            <a:avLst/>
-          </a:prstGeom>
-          <a:noFill/>
-          <a:ln>
-            <a:noFill/>
-          </a:ln>
-          <a:extLst>
-            <a:ext uri="{909E8E84-426E-40DD-AFC4-6F175D3DCCD1}">
-              <a14:hiddenFill xmlns:a14="http://schemas.microsoft.com/office/drawing/2010/main">
-                <a:solidFill>
-                  <a:srgbClr val="FFFFFF"/>
-                </a:solidFill>
-              </a14:hiddenFill>
-            </a:ext>
-            <a:ext uri="{91240B29-F687-4F45-9708-019B960494DF}">
-              <a14:hiddenLine xmlns:a14="http://schemas.microsoft.com/office/drawing/2010/main" w="19050">
-                <a:solidFill>
-                  <a:srgbClr val="000000"/>
-                </a:solidFill>
-                <a:miter lim="400000"/>
-                <a:headEnd/>
-                <a:tailEnd/>
-              </a14:hiddenLine>
-            </a:ext>
-          </a:extLst>
-        </p:spPr>
-      </p:pic>
-      <p:pic>
-        <p:nvPicPr>
-          <p:cNvPr id="87" name="图片 238">
-            <a:extLst>
-              <a:ext uri="{FF2B5EF4-FFF2-40B4-BE49-F238E27FC236}">
-                <a16:creationId xmlns:a16="http://schemas.microsoft.com/office/drawing/2014/main" id="{63CB24EA-922C-45B2-973B-C9DF97052D40}"/>
-              </a:ext>
-            </a:extLst>
-          </p:cNvPr>
-          <p:cNvPicPr>
-            <a:picLocks noChangeAspect="1"/>
-          </p:cNvPicPr>
-          <p:nvPr/>
-        </p:nvPicPr>
-        <p:blipFill>
-          <a:blip r:embed="rId3">
-            <a:extLst>
-              <a:ext uri="{28A0092B-C50C-407E-A947-70E740481C1C}">
-                <a14:useLocalDpi xmlns:a14="http://schemas.microsoft.com/office/drawing/2010/main" val="0"/>
-              </a:ext>
-            </a:extLst>
-          </a:blip>
-          <a:srcRect/>
-          <a:stretch>
-            <a:fillRect/>
-          </a:stretch>
-        </p:blipFill>
-        <p:spPr bwMode="auto">
-          <a:xfrm>
-            <a:off x="5082285" y="5337904"/>
-            <a:ext cx="880489" cy="686768"/>
-          </a:xfrm>
-          <a:prstGeom prst="rect">
-            <a:avLst/>
-          </a:prstGeom>
-          <a:noFill/>
-          <a:ln>
-            <a:noFill/>
-          </a:ln>
-          <a:extLst>
-            <a:ext uri="{909E8E84-426E-40DD-AFC4-6F175D3DCCD1}">
-              <a14:hiddenFill xmlns:a14="http://schemas.microsoft.com/office/drawing/2010/main">
-                <a:solidFill>
-                  <a:srgbClr val="FFFFFF"/>
-                </a:solidFill>
-              </a14:hiddenFill>
-            </a:ext>
-            <a:ext uri="{91240B29-F687-4F45-9708-019B960494DF}">
-              <a14:hiddenLine xmlns:a14="http://schemas.microsoft.com/office/drawing/2010/main" w="19050">
-                <a:solidFill>
-                  <a:srgbClr val="000000"/>
-                </a:solidFill>
-                <a:miter lim="800000"/>
-                <a:headEnd/>
-                <a:tailEnd/>
-              </a14:hiddenLine>
-            </a:ext>
-          </a:extLst>
-        </p:spPr>
-      </p:pic>
-      <p:pic>
-        <p:nvPicPr>
-          <p:cNvPr id="89" name="图片 240">
-            <a:extLst>
-              <a:ext uri="{FF2B5EF4-FFF2-40B4-BE49-F238E27FC236}">
-                <a16:creationId xmlns:a16="http://schemas.microsoft.com/office/drawing/2014/main" id="{BA7B7409-8703-4367-AAB3-F21AFBBD2CD0}"/>
-              </a:ext>
-            </a:extLst>
-          </p:cNvPr>
-          <p:cNvPicPr>
-            <a:picLocks noChangeAspect="1"/>
-          </p:cNvPicPr>
-          <p:nvPr/>
-        </p:nvPicPr>
-        <p:blipFill>
-          <a:blip r:embed="rId4">
-            <a:extLst>
-              <a:ext uri="{28A0092B-C50C-407E-A947-70E740481C1C}">
-                <a14:useLocalDpi xmlns:a14="http://schemas.microsoft.com/office/drawing/2010/main" val="0"/>
-              </a:ext>
-            </a:extLst>
-          </a:blip>
-          <a:srcRect/>
-          <a:stretch>
-            <a:fillRect/>
-          </a:stretch>
-        </p:blipFill>
-        <p:spPr bwMode="auto">
-          <a:xfrm>
-            <a:off x="6176239" y="5489280"/>
-            <a:ext cx="652094" cy="508157"/>
-          </a:xfrm>
-          <a:prstGeom prst="rect">
-            <a:avLst/>
-          </a:prstGeom>
-          <a:noFill/>
-          <a:ln>
-            <a:noFill/>
-          </a:ln>
-          <a:extLst>
-            <a:ext uri="{909E8E84-426E-40DD-AFC4-6F175D3DCCD1}">
-              <a14:hiddenFill xmlns:a14="http://schemas.microsoft.com/office/drawing/2010/main">
-                <a:solidFill>
-                  <a:srgbClr val="FFFFFF"/>
-                </a:solidFill>
-              </a14:hiddenFill>
-            </a:ext>
-            <a:ext uri="{91240B29-F687-4F45-9708-019B960494DF}">
-              <a14:hiddenLine xmlns:a14="http://schemas.microsoft.com/office/drawing/2010/main" w="19050">
-                <a:solidFill>
-                  <a:srgbClr val="000000"/>
-                </a:solidFill>
-                <a:miter lim="800000"/>
-                <a:headEnd/>
-                <a:tailEnd/>
-              </a14:hiddenLine>
-            </a:ext>
-          </a:extLst>
-        </p:spPr>
-      </p:pic>
-      <p:pic>
-        <p:nvPicPr>
-          <p:cNvPr id="91" name="图片 242">
-            <a:extLst>
-              <a:ext uri="{FF2B5EF4-FFF2-40B4-BE49-F238E27FC236}">
-                <a16:creationId xmlns:a16="http://schemas.microsoft.com/office/drawing/2014/main" id="{266C6C9D-DE67-4475-97B0-B778F72E04D2}"/>
-              </a:ext>
-            </a:extLst>
-          </p:cNvPr>
-          <p:cNvPicPr>
-            <a:picLocks noChangeAspect="1"/>
-          </p:cNvPicPr>
-          <p:nvPr/>
-        </p:nvPicPr>
-        <p:blipFill>
-          <a:blip r:embed="rId5">
-            <a:extLst>
-              <a:ext uri="{28A0092B-C50C-407E-A947-70E740481C1C}">
-                <a14:useLocalDpi xmlns:a14="http://schemas.microsoft.com/office/drawing/2010/main" val="0"/>
-              </a:ext>
-            </a:extLst>
-          </a:blip>
-          <a:srcRect/>
-          <a:stretch>
-            <a:fillRect/>
-          </a:stretch>
-        </p:blipFill>
-        <p:spPr bwMode="auto">
-          <a:xfrm>
-            <a:off x="6921148" y="5472071"/>
-            <a:ext cx="588337" cy="458684"/>
-          </a:xfrm>
-          <a:prstGeom prst="rect">
-            <a:avLst/>
-          </a:prstGeom>
-          <a:noFill/>
-          <a:ln>
-            <a:noFill/>
-          </a:ln>
-          <a:extLst>
-            <a:ext uri="{909E8E84-426E-40DD-AFC4-6F175D3DCCD1}">
-              <a14:hiddenFill xmlns:a14="http://schemas.microsoft.com/office/drawing/2010/main">
-                <a:solidFill>
-                  <a:srgbClr val="FFFFFF"/>
-                </a:solidFill>
-              </a14:hiddenFill>
-            </a:ext>
-            <a:ext uri="{91240B29-F687-4F45-9708-019B960494DF}">
-              <a14:hiddenLine xmlns:a14="http://schemas.microsoft.com/office/drawing/2010/main" w="19050">
-                <a:solidFill>
-                  <a:srgbClr val="000000"/>
-                </a:solidFill>
-                <a:miter lim="800000"/>
-                <a:headEnd/>
-                <a:tailEnd/>
-              </a14:hiddenLine>
-            </a:ext>
-          </a:extLst>
-        </p:spPr>
-      </p:pic>
-      <p:cxnSp>
-        <p:nvCxnSpPr>
-          <p:cNvPr id="94" name="直接连接符 93">
-            <a:extLst>
-              <a:ext uri="{FF2B5EF4-FFF2-40B4-BE49-F238E27FC236}">
-                <a16:creationId xmlns:a16="http://schemas.microsoft.com/office/drawing/2014/main" id="{609F14D6-C0C3-4887-827E-FDF0D1D0D6C4}"/>
-              </a:ext>
-            </a:extLst>
-          </p:cNvPr>
-          <p:cNvCxnSpPr/>
-          <p:nvPr/>
-        </p:nvCxnSpPr>
-        <p:spPr>
-          <a:xfrm rot="5400000">
-            <a:off x="5721736" y="5617305"/>
-            <a:ext cx="608783" cy="0"/>
-          </a:xfrm>
-          <a:prstGeom prst="line">
-            <a:avLst/>
-          </a:prstGeom>
-          <a:noFill/>
-          <a:ln w="38100" cap="flat" cmpd="sng" algn="ctr">
-            <a:solidFill>
-              <a:srgbClr val="434343">
-                <a:lumMod val="50000"/>
-              </a:srgbClr>
-            </a:solidFill>
-            <a:prstDash val="sysDash"/>
-            <a:miter lim="800000"/>
-          </a:ln>
-          <a:effectLst/>
-        </p:spPr>
-      </p:cxnSp>
-      <p:sp>
-        <p:nvSpPr>
-          <p:cNvPr id="96" name="文本框 95">
-            <a:extLst>
-              <a:ext uri="{FF2B5EF4-FFF2-40B4-BE49-F238E27FC236}">
-                <a16:creationId xmlns:a16="http://schemas.microsoft.com/office/drawing/2014/main" id="{8CC2B4FC-0485-4BC3-9118-43C7170D0089}"/>
-              </a:ext>
-            </a:extLst>
-          </p:cNvPr>
-          <p:cNvSpPr txBox="1"/>
-          <p:nvPr/>
-        </p:nvSpPr>
-        <p:spPr>
-          <a:xfrm>
-            <a:off x="8435917" y="5214794"/>
-            <a:ext cx="312906" cy="246221"/>
-          </a:xfrm>
-          <a:prstGeom prst="rect">
-            <a:avLst/>
-          </a:prstGeom>
-          <a:noFill/>
-          <a:ln w="19050">
-            <a:noFill/>
-          </a:ln>
-        </p:spPr>
-        <p:txBody>
-          <a:bodyPr wrap="none" anchor="ctr">
-            <a:spAutoFit/>
-          </a:bodyPr>
-          <a:lstStyle/>
-          <a:p>
-            <a:pPr algn="just" defTabSz="1828068" fontAlgn="auto">
-              <a:spcBef>
-                <a:spcPts val="0"/>
-              </a:spcBef>
-              <a:spcAft>
-                <a:spcPts val="0"/>
-              </a:spcAft>
-              <a:defRPr/>
-            </a:pPr>
-            <a:r>
-              <a:rPr lang="zh-CN" altLang="en-US" sz="1000" b="1" dirty="0">
-                <a:solidFill>
-                  <a:srgbClr val="434343">
-                    <a:lumMod val="50000"/>
-                  </a:srgbClr>
-                </a:solidFill>
-                <a:latin typeface="Microsoft YaHei" panose="020B0503020204020204" pitchFamily="34" charset="-122"/>
-                <a:ea typeface="微软雅黑"/>
-                <a:cs typeface="Arial"/>
-                <a:sym typeface="Arial"/>
-              </a:rPr>
-              <a:t>端</a:t>
-            </a:r>
-          </a:p>
-        </p:txBody>
-      </p:sp>
-      <p:sp>
-        <p:nvSpPr>
-          <p:cNvPr id="97" name="文本框 96">
-            <a:extLst>
-              <a:ext uri="{FF2B5EF4-FFF2-40B4-BE49-F238E27FC236}">
-                <a16:creationId xmlns:a16="http://schemas.microsoft.com/office/drawing/2014/main" id="{8CE02790-6B48-4864-A814-326917E2EC5D}"/>
-              </a:ext>
-            </a:extLst>
-          </p:cNvPr>
-          <p:cNvSpPr txBox="1"/>
-          <p:nvPr/>
-        </p:nvSpPr>
-        <p:spPr>
-          <a:xfrm>
-            <a:off x="6664881" y="5214794"/>
-            <a:ext cx="312906" cy="246221"/>
-          </a:xfrm>
-          <a:prstGeom prst="rect">
-            <a:avLst/>
-          </a:prstGeom>
-          <a:noFill/>
-          <a:ln w="19050">
-            <a:noFill/>
-          </a:ln>
-        </p:spPr>
-        <p:txBody>
-          <a:bodyPr wrap="none" anchor="ctr">
-            <a:spAutoFit/>
-          </a:bodyPr>
-          <a:lstStyle/>
-          <a:p>
-            <a:pPr algn="just" defTabSz="1828068" fontAlgn="auto">
-              <a:spcBef>
-                <a:spcPts val="0"/>
-              </a:spcBef>
-              <a:spcAft>
-                <a:spcPts val="0"/>
-              </a:spcAft>
-              <a:defRPr/>
-            </a:pPr>
-            <a:r>
-              <a:rPr lang="zh-CN" altLang="en-US" sz="1000" b="1" dirty="0">
-                <a:solidFill>
-                  <a:srgbClr val="434343">
-                    <a:lumMod val="50000"/>
-                  </a:srgbClr>
-                </a:solidFill>
-                <a:latin typeface="Microsoft YaHei" panose="020B0503020204020204" pitchFamily="34" charset="-122"/>
-                <a:ea typeface="微软雅黑"/>
-                <a:cs typeface="Arial"/>
-                <a:sym typeface="Arial"/>
-              </a:rPr>
-              <a:t>边</a:t>
-            </a:r>
-          </a:p>
-        </p:txBody>
-      </p:sp>
-      <p:sp>
-        <p:nvSpPr>
-          <p:cNvPr id="98" name="文本框 97">
-            <a:extLst>
-              <a:ext uri="{FF2B5EF4-FFF2-40B4-BE49-F238E27FC236}">
-                <a16:creationId xmlns:a16="http://schemas.microsoft.com/office/drawing/2014/main" id="{899D4D8D-523D-4D54-AD99-94E86DAD4C33}"/>
-              </a:ext>
-            </a:extLst>
-          </p:cNvPr>
-          <p:cNvSpPr txBox="1"/>
-          <p:nvPr/>
-        </p:nvSpPr>
-        <p:spPr>
-          <a:xfrm>
-            <a:off x="4491873" y="5214794"/>
-            <a:ext cx="312906" cy="246221"/>
-          </a:xfrm>
-          <a:prstGeom prst="rect">
-            <a:avLst/>
-          </a:prstGeom>
-          <a:noFill/>
-          <a:ln w="19050">
-            <a:noFill/>
-          </a:ln>
-        </p:spPr>
-        <p:txBody>
-          <a:bodyPr wrap="none" anchor="ctr">
-            <a:spAutoFit/>
-          </a:bodyPr>
-          <a:lstStyle/>
-          <a:p>
-            <a:pPr algn="just" defTabSz="1828068" fontAlgn="auto">
-              <a:spcBef>
-                <a:spcPts val="0"/>
-              </a:spcBef>
-              <a:spcAft>
-                <a:spcPts val="0"/>
-              </a:spcAft>
-              <a:defRPr/>
-            </a:pPr>
-            <a:r>
-              <a:rPr lang="zh-CN" altLang="en-US" sz="1000" b="1" dirty="0">
-                <a:solidFill>
-                  <a:srgbClr val="434343">
-                    <a:lumMod val="50000"/>
-                  </a:srgbClr>
-                </a:solidFill>
-                <a:latin typeface="Microsoft YaHei" panose="020B0503020204020204" pitchFamily="34" charset="-122"/>
-                <a:ea typeface="微软雅黑"/>
-                <a:cs typeface="Arial"/>
-                <a:sym typeface="Arial"/>
-              </a:rPr>
-              <a:t>云</a:t>
-            </a:r>
-          </a:p>
-        </p:txBody>
-      </p:sp>
-      <p:cxnSp>
-        <p:nvCxnSpPr>
-          <p:cNvPr id="100" name="直接连接符 99">
-            <a:extLst>
-              <a:ext uri="{FF2B5EF4-FFF2-40B4-BE49-F238E27FC236}">
-                <a16:creationId xmlns:a16="http://schemas.microsoft.com/office/drawing/2014/main" id="{5BB4D6C3-4430-42A8-8038-598B5D4A916E}"/>
-              </a:ext>
-            </a:extLst>
-          </p:cNvPr>
-          <p:cNvCxnSpPr/>
-          <p:nvPr/>
-        </p:nvCxnSpPr>
-        <p:spPr>
-          <a:xfrm rot="5400000">
-            <a:off x="7298328" y="5623925"/>
-            <a:ext cx="607944" cy="0"/>
-          </a:xfrm>
-          <a:prstGeom prst="line">
-            <a:avLst/>
-          </a:prstGeom>
-          <a:noFill/>
-          <a:ln w="38100" cap="flat" cmpd="sng" algn="ctr">
-            <a:solidFill>
-              <a:srgbClr val="434343">
-                <a:lumMod val="50000"/>
-              </a:srgbClr>
-            </a:solidFill>
-            <a:prstDash val="sysDash"/>
-            <a:miter lim="800000"/>
-          </a:ln>
-          <a:effectLst/>
-        </p:spPr>
-      </p:cxnSp>
-      <p:pic>
-        <p:nvPicPr>
-          <p:cNvPr id="102" name="Picture 6" descr="Reach HUAWEI E-Shop | HUAWEI FreeBuds Pro">
-            <a:extLst>
-              <a:ext uri="{FF2B5EF4-FFF2-40B4-BE49-F238E27FC236}">
-                <a16:creationId xmlns:a16="http://schemas.microsoft.com/office/drawing/2014/main" id="{23EBE82D-84F2-445C-A17D-D77D047892A8}"/>
-              </a:ext>
-            </a:extLst>
-          </p:cNvPr>
-          <p:cNvPicPr>
-            <a:picLocks noChangeAspect="1" noChangeArrowheads="1"/>
-          </p:cNvPicPr>
-          <p:nvPr/>
-        </p:nvPicPr>
-        <p:blipFill rotWithShape="1">
-          <a:blip r:embed="rId6" cstate="print">
-            <a:extLst>
-              <a:ext uri="{28A0092B-C50C-407E-A947-70E740481C1C}">
-                <a14:useLocalDpi xmlns:a14="http://schemas.microsoft.com/office/drawing/2010/main" val="0"/>
-              </a:ext>
-            </a:extLst>
-          </a:blip>
-          <a:srcRect l="12820" t="8946" r="16848" b="23366"/>
-          <a:stretch/>
-        </p:blipFill>
-        <p:spPr bwMode="auto">
-          <a:xfrm>
-            <a:off x="8369115" y="5500144"/>
-            <a:ext cx="376437" cy="362288"/>
-          </a:xfrm>
-          <a:prstGeom prst="rect">
-            <a:avLst/>
-          </a:prstGeom>
-          <a:noFill/>
-          <a:extLst>
-            <a:ext uri="{909E8E84-426E-40DD-AFC4-6F175D3DCCD1}">
-              <a14:hiddenFill xmlns:a14="http://schemas.microsoft.com/office/drawing/2010/main">
-                <a:solidFill>
-                  <a:srgbClr val="FFFFFF"/>
-                </a:solidFill>
-              </a14:hiddenFill>
-            </a:ext>
-          </a:extLst>
-        </p:spPr>
-      </p:pic>
-      <p:pic>
-        <p:nvPicPr>
-          <p:cNvPr id="103" name="Picture 2" descr="HUAWEI WATCH FIT – 华为官网">
-            <a:extLst>
-              <a:ext uri="{FF2B5EF4-FFF2-40B4-BE49-F238E27FC236}">
-                <a16:creationId xmlns:a16="http://schemas.microsoft.com/office/drawing/2014/main" id="{A0CE7019-1D6B-48D0-BF51-34246D4BA24E}"/>
-              </a:ext>
-            </a:extLst>
-          </p:cNvPr>
-          <p:cNvPicPr>
-            <a:picLocks noChangeAspect="1" noChangeArrowheads="1"/>
-          </p:cNvPicPr>
-          <p:nvPr/>
-        </p:nvPicPr>
-        <p:blipFill>
-          <a:blip r:embed="rId7" cstate="print">
-            <a:extLst>
-              <a:ext uri="{28A0092B-C50C-407E-A947-70E740481C1C}">
-                <a14:useLocalDpi xmlns:a14="http://schemas.microsoft.com/office/drawing/2010/main" val="0"/>
-              </a:ext>
-            </a:extLst>
-          </a:blip>
-          <a:srcRect/>
-          <a:stretch>
-            <a:fillRect/>
-          </a:stretch>
-        </p:blipFill>
-        <p:spPr bwMode="auto">
-          <a:xfrm>
-            <a:off x="8960716" y="5470091"/>
-            <a:ext cx="972000" cy="438621"/>
-          </a:xfrm>
-          <a:prstGeom prst="rect">
-            <a:avLst/>
-          </a:prstGeom>
-          <a:noFill/>
-          <a:extLst>
-            <a:ext uri="{909E8E84-426E-40DD-AFC4-6F175D3DCCD1}">
-              <a14:hiddenFill xmlns:a14="http://schemas.microsoft.com/office/drawing/2010/main">
-                <a:solidFill>
-                  <a:srgbClr val="FFFFFF"/>
-                </a:solidFill>
-              </a14:hiddenFill>
-            </a:ext>
-          </a:extLst>
-        </p:spPr>
-      </p:pic>
-      <p:pic>
-        <p:nvPicPr>
-          <p:cNvPr id="1026" name="Picture 2" descr="Nvidia Geforce Rtx Logo, HD Png Download , Transparent Png Image - PNGitem"/>
-          <p:cNvPicPr>
-            <a:picLocks noChangeAspect="1" noChangeArrowheads="1"/>
-          </p:cNvPicPr>
-          <p:nvPr/>
-        </p:nvPicPr>
-        <p:blipFill>
-          <a:blip r:embed="rId8" cstate="print">
-            <a:extLst>
-              <a:ext uri="{28A0092B-C50C-407E-A947-70E740481C1C}">
-                <a14:useLocalDpi xmlns:a14="http://schemas.microsoft.com/office/drawing/2010/main" val="0"/>
-              </a:ext>
-            </a:extLst>
-          </a:blip>
-          <a:srcRect/>
-          <a:stretch>
-            <a:fillRect/>
-          </a:stretch>
-        </p:blipFill>
-        <p:spPr bwMode="auto">
-          <a:xfrm>
-            <a:off x="4128630" y="5540004"/>
-            <a:ext cx="907247" cy="314372"/>
-          </a:xfrm>
-          <a:prstGeom prst="rect">
-            <a:avLst/>
-          </a:prstGeom>
-          <a:noFill/>
-          <a:extLst>
-            <a:ext uri="{909E8E84-426E-40DD-AFC4-6F175D3DCCD1}">
-              <a14:hiddenFill xmlns:a14="http://schemas.microsoft.com/office/drawing/2010/main">
-                <a:solidFill>
-                  <a:srgbClr val="FFFFFF"/>
-                </a:solidFill>
-              </a14:hiddenFill>
-            </a:ext>
-          </a:extLst>
-        </p:spPr>
-      </p:pic>
-      <p:pic>
-        <p:nvPicPr>
-          <p:cNvPr id="104" name="图片 237">
-            <a:extLst>
-              <a:ext uri="{FF2B5EF4-FFF2-40B4-BE49-F238E27FC236}">
-                <a16:creationId xmlns:a16="http://schemas.microsoft.com/office/drawing/2014/main" id="{61619DC9-1153-48E4-9C7F-764E5A5D2B4C}"/>
-              </a:ext>
-            </a:extLst>
-          </p:cNvPr>
-          <p:cNvPicPr>
-            <a:picLocks noChangeAspect="1"/>
-          </p:cNvPicPr>
-          <p:nvPr/>
-        </p:nvPicPr>
-        <p:blipFill>
-          <a:blip r:embed="rId9">
-            <a:extLst>
-              <a:ext uri="{28A0092B-C50C-407E-A947-70E740481C1C}">
-                <a14:useLocalDpi xmlns:a14="http://schemas.microsoft.com/office/drawing/2010/main" val="0"/>
-              </a:ext>
-            </a:extLst>
-          </a:blip>
-          <a:srcRect/>
-          <a:stretch>
-            <a:fillRect/>
-          </a:stretch>
-        </p:blipFill>
-        <p:spPr bwMode="auto">
-          <a:xfrm>
-            <a:off x="3307980" y="5376043"/>
-            <a:ext cx="788486" cy="614652"/>
-          </a:xfrm>
-          <a:prstGeom prst="rect">
-            <a:avLst/>
-          </a:prstGeom>
-          <a:noFill/>
-          <a:ln>
-            <a:noFill/>
-          </a:ln>
-          <a:extLst>
-            <a:ext uri="{909E8E84-426E-40DD-AFC4-6F175D3DCCD1}">
-              <a14:hiddenFill xmlns:a14="http://schemas.microsoft.com/office/drawing/2010/main">
-                <a:solidFill>
-                  <a:srgbClr val="FFFFFF"/>
-                </a:solidFill>
-              </a14:hiddenFill>
-            </a:ext>
-            <a:ext uri="{91240B29-F687-4F45-9708-019B960494DF}">
-              <a14:hiddenLine xmlns:a14="http://schemas.microsoft.com/office/drawing/2010/main" w="19050">
-                <a:solidFill>
-                  <a:srgbClr val="000000"/>
-                </a:solidFill>
-                <a:miter lim="800000"/>
-                <a:headEnd/>
-                <a:tailEnd/>
-              </a14:hiddenLine>
-            </a:ext>
-          </a:extLst>
-        </p:spPr>
-      </p:pic>
-      <p:sp>
-        <p:nvSpPr>
-          <p:cNvPr id="84" name="圆角矩形 83">
-            <a:extLst>
-              <a:ext uri="{FF2B5EF4-FFF2-40B4-BE49-F238E27FC236}">
-                <a16:creationId xmlns:a16="http://schemas.microsoft.com/office/drawing/2014/main" id="{DA416FF5-5118-9B4C-9577-0B2939C5D1FE}"/>
-              </a:ext>
-            </a:extLst>
-          </p:cNvPr>
-          <p:cNvSpPr/>
-          <p:nvPr/>
-        </p:nvSpPr>
-        <p:spPr>
-          <a:xfrm>
-            <a:off x="9318727" y="1556813"/>
-            <a:ext cx="659505" cy="306000"/>
-          </a:xfrm>
-          <a:prstGeom prst="roundRect">
-            <a:avLst/>
-          </a:prstGeom>
-          <a:solidFill>
-            <a:srgbClr val="FFFFFF"/>
-          </a:solidFill>
-          <a:ln w="12700" cap="flat" cmpd="sng" algn="ctr">
-            <a:noFill/>
-            <a:prstDash val="solid"/>
-            <a:miter lim="800000"/>
-          </a:ln>
-          <a:effectLst/>
-        </p:spPr>
-        <p:txBody>
-          <a:bodyPr rtlCol="0" anchor="ctr"/>
-          <a:lstStyle/>
-          <a:p>
-            <a:pPr marL="0" marR="0" lvl="0" indent="0" algn="ctr" defTabSz="914400" eaLnBrk="1" fontAlgn="auto" latinLnBrk="0" hangingPunct="1">
-              <a:lnSpc>
-                <a:spcPct val="100000"/>
-              </a:lnSpc>
-              <a:spcBef>
-                <a:spcPts val="0"/>
-              </a:spcBef>
-              <a:spcAft>
-                <a:spcPts val="0"/>
-              </a:spcAft>
-              <a:buClrTx/>
-              <a:buSzTx/>
-              <a:buFontTx/>
-              <a:buNone/>
-              <a:tabLst/>
-              <a:defRPr/>
-            </a:pPr>
-            <a:r>
-              <a:rPr kumimoji="0" lang="zh-CN" altLang="en-US" sz="800" b="0" i="0" u="none" strike="noStrike" kern="0" cap="none" spc="0" normalizeH="0" baseline="0" noProof="0" dirty="0">
-                <a:ln>
-                  <a:noFill/>
-                </a:ln>
-                <a:solidFill>
-                  <a:srgbClr val="1D1D1A"/>
-                </a:solidFill>
-                <a:effectLst/>
-                <a:uLnTx/>
-                <a:uFillTx/>
-                <a:latin typeface="微软雅黑"/>
-                <a:ea typeface="微软雅黑"/>
-                <a:cs typeface="+mn-cs"/>
-              </a:rPr>
-              <a:t>网络</a:t>
-            </a:r>
-            <a:endParaRPr kumimoji="0" lang="en-US" altLang="zh-CN" sz="800" b="0" i="0" u="none" strike="noStrike" kern="0" cap="none" spc="0" normalizeH="0" baseline="0" noProof="0" dirty="0">
-              <a:ln>
-                <a:noFill/>
-              </a:ln>
-              <a:solidFill>
-                <a:srgbClr val="1D1D1A"/>
-              </a:solidFill>
-              <a:effectLst/>
-              <a:uLnTx/>
-              <a:uFillTx/>
-              <a:latin typeface="微软雅黑"/>
-              <a:ea typeface="微软雅黑"/>
-              <a:cs typeface="+mn-cs"/>
-            </a:endParaRPr>
-          </a:p>
-          <a:p>
-            <a:pPr marL="0" marR="0" lvl="0" indent="0" algn="ctr" defTabSz="914400" eaLnBrk="1" fontAlgn="auto" latinLnBrk="0" hangingPunct="1">
-              <a:lnSpc>
-                <a:spcPct val="100000"/>
-              </a:lnSpc>
-              <a:spcBef>
-                <a:spcPts val="0"/>
-              </a:spcBef>
-              <a:spcAft>
-                <a:spcPts val="0"/>
-              </a:spcAft>
-              <a:buClrTx/>
-              <a:buSzTx/>
-              <a:buFontTx/>
-              <a:buNone/>
-              <a:tabLst/>
-              <a:defRPr/>
-            </a:pPr>
-            <a:r>
-              <a:rPr kumimoji="0" lang="zh-CN" altLang="en-US" sz="800" b="0" i="0" u="none" strike="noStrike" kern="0" cap="none" spc="0" normalizeH="0" baseline="0" noProof="0" dirty="0">
-                <a:ln>
-                  <a:noFill/>
-                </a:ln>
-                <a:solidFill>
-                  <a:srgbClr val="1D1D1A"/>
-                </a:solidFill>
-                <a:effectLst/>
-                <a:uLnTx/>
-                <a:uFillTx/>
-                <a:latin typeface="微软雅黑"/>
-                <a:ea typeface="微软雅黑"/>
-                <a:cs typeface="+mn-cs"/>
-              </a:rPr>
-              <a:t>调试</a:t>
-            </a:r>
-          </a:p>
-        </p:txBody>
-      </p:sp>
-      <p:sp>
-        <p:nvSpPr>
-          <p:cNvPr id="86" name="圆角矩形 85">
-            <a:extLst>
-              <a:ext uri="{FF2B5EF4-FFF2-40B4-BE49-F238E27FC236}">
-                <a16:creationId xmlns:a16="http://schemas.microsoft.com/office/drawing/2014/main" id="{F88D89C8-3FD6-954D-AA42-6E4B46C2B78F}"/>
-              </a:ext>
-            </a:extLst>
-          </p:cNvPr>
-          <p:cNvSpPr/>
-          <p:nvPr/>
-        </p:nvSpPr>
-        <p:spPr>
-          <a:xfrm>
-            <a:off x="9318727" y="2293821"/>
-            <a:ext cx="659505" cy="306000"/>
-          </a:xfrm>
-          <a:prstGeom prst="roundRect">
-            <a:avLst/>
-          </a:prstGeom>
-          <a:solidFill>
-            <a:srgbClr val="FFFFFF"/>
-          </a:solidFill>
-          <a:ln w="12700" cap="flat" cmpd="sng" algn="ctr">
-            <a:noFill/>
-            <a:prstDash val="solid"/>
-            <a:miter lim="800000"/>
-          </a:ln>
-          <a:effectLst/>
-        </p:spPr>
-        <p:txBody>
-          <a:bodyPr rtlCol="0" anchor="ctr"/>
-          <a:lstStyle/>
-          <a:p>
-            <a:pPr marL="0" marR="0" lvl="0" indent="0" algn="ctr" defTabSz="914400" eaLnBrk="1" fontAlgn="auto" latinLnBrk="0" hangingPunct="1">
-              <a:lnSpc>
-                <a:spcPct val="100000"/>
-              </a:lnSpc>
-              <a:spcBef>
-                <a:spcPts val="0"/>
-              </a:spcBef>
-              <a:spcAft>
-                <a:spcPts val="0"/>
-              </a:spcAft>
-              <a:buClrTx/>
-              <a:buSzTx/>
-              <a:buFontTx/>
-              <a:buNone/>
-              <a:tabLst/>
-              <a:defRPr/>
-            </a:pPr>
-            <a:r>
-              <a:rPr kumimoji="0" lang="zh-CN" altLang="en-US" sz="800" b="0" i="0" u="none" strike="noStrike" kern="0" cap="none" spc="0" normalizeH="0" baseline="0" noProof="0" dirty="0">
-                <a:ln>
-                  <a:noFill/>
-                </a:ln>
-                <a:solidFill>
-                  <a:srgbClr val="1D1D1A"/>
-                </a:solidFill>
-                <a:effectLst/>
-                <a:uLnTx/>
-                <a:uFillTx/>
-                <a:latin typeface="微软雅黑"/>
-                <a:ea typeface="微软雅黑"/>
-                <a:cs typeface="+mn-cs"/>
-              </a:rPr>
-              <a:t>精度</a:t>
-            </a:r>
-            <a:endParaRPr kumimoji="0" lang="en-US" altLang="zh-CN" sz="800" b="0" i="0" u="none" strike="noStrike" kern="0" cap="none" spc="0" normalizeH="0" baseline="0" noProof="0" dirty="0">
-              <a:ln>
-                <a:noFill/>
-              </a:ln>
-              <a:solidFill>
-                <a:srgbClr val="1D1D1A"/>
-              </a:solidFill>
-              <a:effectLst/>
-              <a:uLnTx/>
-              <a:uFillTx/>
-              <a:latin typeface="微软雅黑"/>
-              <a:ea typeface="微软雅黑"/>
-              <a:cs typeface="+mn-cs"/>
-            </a:endParaRPr>
-          </a:p>
-          <a:p>
-            <a:pPr marL="0" marR="0" lvl="0" indent="0" algn="ctr" defTabSz="914400" eaLnBrk="1" fontAlgn="auto" latinLnBrk="0" hangingPunct="1">
-              <a:lnSpc>
-                <a:spcPct val="100000"/>
-              </a:lnSpc>
-              <a:spcBef>
-                <a:spcPts val="0"/>
-              </a:spcBef>
-              <a:spcAft>
-                <a:spcPts val="0"/>
-              </a:spcAft>
-              <a:buClrTx/>
-              <a:buSzTx/>
-              <a:buFontTx/>
-              <a:buNone/>
-              <a:tabLst/>
-              <a:defRPr/>
-            </a:pPr>
-            <a:r>
-              <a:rPr kumimoji="0" lang="zh-CN" altLang="en-US" sz="800" b="0" i="0" u="none" strike="noStrike" kern="0" cap="none" spc="0" normalizeH="0" baseline="0" noProof="0" dirty="0">
-                <a:ln>
-                  <a:noFill/>
-                </a:ln>
-                <a:solidFill>
-                  <a:srgbClr val="1D1D1A"/>
-                </a:solidFill>
-                <a:effectLst/>
-                <a:uLnTx/>
-                <a:uFillTx/>
-                <a:latin typeface="微软雅黑"/>
-                <a:ea typeface="微软雅黑"/>
-                <a:cs typeface="+mn-cs"/>
-              </a:rPr>
-              <a:t>调优</a:t>
-            </a:r>
-          </a:p>
-        </p:txBody>
-      </p:sp>
-      <p:sp>
-        <p:nvSpPr>
-          <p:cNvPr id="88" name="圆角矩形 87">
-            <a:extLst>
-              <a:ext uri="{FF2B5EF4-FFF2-40B4-BE49-F238E27FC236}">
-                <a16:creationId xmlns:a16="http://schemas.microsoft.com/office/drawing/2014/main" id="{65230B79-2822-7E4D-AB38-4EEB00A4EA09}"/>
-              </a:ext>
-            </a:extLst>
-          </p:cNvPr>
-          <p:cNvSpPr/>
-          <p:nvPr/>
-        </p:nvSpPr>
-        <p:spPr>
-          <a:xfrm>
-            <a:off x="9318727" y="1925317"/>
-            <a:ext cx="659505" cy="306000"/>
-          </a:xfrm>
-          <a:prstGeom prst="roundRect">
-            <a:avLst/>
-          </a:prstGeom>
-          <a:solidFill>
-            <a:srgbClr val="FFFFFF"/>
-          </a:solidFill>
-          <a:ln w="12700" cap="flat" cmpd="sng" algn="ctr">
-            <a:noFill/>
-            <a:prstDash val="solid"/>
-            <a:miter lim="800000"/>
-          </a:ln>
-          <a:effectLst/>
-        </p:spPr>
-        <p:txBody>
-          <a:bodyPr rtlCol="0" anchor="ctr"/>
-          <a:lstStyle/>
-          <a:p>
-            <a:pPr marL="0" marR="0" lvl="0" indent="0" algn="ctr" defTabSz="914400" eaLnBrk="1" fontAlgn="auto" latinLnBrk="0" hangingPunct="1">
-              <a:lnSpc>
-                <a:spcPct val="100000"/>
-              </a:lnSpc>
-              <a:spcBef>
-                <a:spcPts val="0"/>
-              </a:spcBef>
-              <a:spcAft>
-                <a:spcPts val="0"/>
-              </a:spcAft>
-              <a:buClrTx/>
-              <a:buSzTx/>
-              <a:buFontTx/>
-              <a:buNone/>
-              <a:tabLst/>
-              <a:defRPr/>
-            </a:pPr>
-            <a:r>
-              <a:rPr kumimoji="0" lang="zh-CN" altLang="en-US" sz="800" b="0" i="0" u="none" strike="noStrike" kern="0" cap="none" spc="0" normalizeH="0" baseline="0" noProof="0" dirty="0">
-                <a:ln>
-                  <a:noFill/>
-                </a:ln>
-                <a:solidFill>
-                  <a:srgbClr val="1D1D1A"/>
-                </a:solidFill>
-                <a:effectLst/>
-                <a:uLnTx/>
-                <a:uFillTx/>
-                <a:latin typeface="微软雅黑"/>
-                <a:ea typeface="微软雅黑"/>
-                <a:cs typeface="+mn-cs"/>
-              </a:rPr>
-              <a:t>性能</a:t>
-            </a:r>
-            <a:endParaRPr kumimoji="0" lang="en-US" altLang="zh-CN" sz="800" b="0" i="0" u="none" strike="noStrike" kern="0" cap="none" spc="0" normalizeH="0" baseline="0" noProof="0" dirty="0">
-              <a:ln>
-                <a:noFill/>
-              </a:ln>
-              <a:solidFill>
-                <a:srgbClr val="1D1D1A"/>
-              </a:solidFill>
-              <a:effectLst/>
-              <a:uLnTx/>
-              <a:uFillTx/>
-              <a:latin typeface="微软雅黑"/>
-              <a:ea typeface="微软雅黑"/>
-              <a:cs typeface="+mn-cs"/>
-            </a:endParaRPr>
-          </a:p>
-          <a:p>
-            <a:pPr marL="0" marR="0" lvl="0" indent="0" algn="ctr" defTabSz="914400" eaLnBrk="1" fontAlgn="auto" latinLnBrk="0" hangingPunct="1">
-              <a:lnSpc>
-                <a:spcPct val="100000"/>
-              </a:lnSpc>
-              <a:spcBef>
-                <a:spcPts val="0"/>
-              </a:spcBef>
-              <a:spcAft>
-                <a:spcPts val="0"/>
-              </a:spcAft>
-              <a:buClrTx/>
-              <a:buSzTx/>
-              <a:buFontTx/>
-              <a:buNone/>
-              <a:tabLst/>
-              <a:defRPr/>
-            </a:pPr>
-            <a:r>
-              <a:rPr kumimoji="0" lang="zh-CN" altLang="en-US" sz="800" b="0" i="0" u="none" strike="noStrike" kern="0" cap="none" spc="0" normalizeH="0" baseline="0" noProof="0" dirty="0">
-                <a:ln>
-                  <a:noFill/>
-                </a:ln>
-                <a:solidFill>
-                  <a:srgbClr val="1D1D1A"/>
-                </a:solidFill>
-                <a:effectLst/>
-                <a:uLnTx/>
-                <a:uFillTx/>
-                <a:latin typeface="微软雅黑"/>
-                <a:ea typeface="微软雅黑"/>
-                <a:cs typeface="+mn-cs"/>
-              </a:rPr>
-              <a:t>调优</a:t>
-            </a:r>
-          </a:p>
-        </p:txBody>
-      </p:sp>
-      <p:sp>
-        <p:nvSpPr>
-          <p:cNvPr id="90" name="圆角矩形 89">
-            <a:extLst>
-              <a:ext uri="{FF2B5EF4-FFF2-40B4-BE49-F238E27FC236}">
-                <a16:creationId xmlns:a16="http://schemas.microsoft.com/office/drawing/2014/main" id="{7EA02D9F-4E8F-0D46-87A3-917CAD84F504}"/>
-              </a:ext>
-            </a:extLst>
-          </p:cNvPr>
-          <p:cNvSpPr/>
-          <p:nvPr/>
-        </p:nvSpPr>
-        <p:spPr>
-          <a:xfrm>
-            <a:off x="9295092" y="3711258"/>
-            <a:ext cx="673537" cy="262186"/>
-          </a:xfrm>
-          <a:prstGeom prst="roundRect">
-            <a:avLst/>
-          </a:prstGeom>
-          <a:solidFill>
-            <a:srgbClr val="FFFFFF"/>
-          </a:solidFill>
-          <a:ln w="12700" cap="flat" cmpd="sng" algn="ctr">
-            <a:noFill/>
-            <a:prstDash val="solid"/>
-            <a:miter lim="800000"/>
-          </a:ln>
-          <a:effectLst/>
-        </p:spPr>
-        <p:txBody>
-          <a:bodyPr lIns="0" rIns="0" rtlCol="0" anchor="ctr"/>
-          <a:lstStyle/>
-          <a:p>
-            <a:pPr marL="0" marR="0" lvl="0" indent="0" algn="ctr" defTabSz="914400" eaLnBrk="1" fontAlgn="auto" latinLnBrk="0" hangingPunct="1">
-              <a:lnSpc>
-                <a:spcPct val="100000"/>
-              </a:lnSpc>
-              <a:spcBef>
-                <a:spcPts val="0"/>
-              </a:spcBef>
-              <a:spcAft>
-                <a:spcPts val="0"/>
-              </a:spcAft>
-              <a:buClrTx/>
-              <a:buSzTx/>
-              <a:buFontTx/>
-              <a:buNone/>
-              <a:tabLst/>
-              <a:defRPr/>
-            </a:pPr>
-            <a:r>
-              <a:rPr kumimoji="0" lang="zh-CN" altLang="en-US" sz="800" b="0" i="0" u="none" strike="noStrike" kern="0" cap="none" spc="0" normalizeH="0" baseline="0" noProof="0" dirty="0">
-                <a:ln>
-                  <a:noFill/>
-                </a:ln>
-                <a:solidFill>
-                  <a:srgbClr val="1D1D1A"/>
-                </a:solidFill>
-                <a:effectLst/>
-                <a:uLnTx/>
-                <a:uFillTx/>
-                <a:latin typeface="微软雅黑"/>
-                <a:ea typeface="微软雅黑"/>
-                <a:cs typeface="+mn-cs"/>
-              </a:rPr>
-              <a:t>密态</a:t>
-            </a:r>
-            <a:r>
-              <a:rPr kumimoji="0" lang="en-US" altLang="zh-CN" sz="800" b="0" i="0" u="none" strike="noStrike" kern="0" cap="none" spc="0" normalizeH="0" baseline="0" noProof="0" dirty="0">
-                <a:ln>
-                  <a:noFill/>
-                </a:ln>
-                <a:solidFill>
-                  <a:srgbClr val="1D1D1A"/>
-                </a:solidFill>
-                <a:effectLst/>
-                <a:uLnTx/>
-                <a:uFillTx/>
-                <a:latin typeface="微软雅黑"/>
-                <a:ea typeface="微软雅黑"/>
-                <a:cs typeface="+mn-cs"/>
-              </a:rPr>
-              <a:t>AI</a:t>
-            </a:r>
-            <a:endParaRPr kumimoji="0" lang="zh-CN" altLang="en-US" sz="800" b="0" i="0" u="none" strike="noStrike" kern="0" cap="none" spc="0" normalizeH="0" baseline="0" noProof="0" dirty="0">
-              <a:ln>
-                <a:noFill/>
-              </a:ln>
-              <a:solidFill>
-                <a:srgbClr val="1D1D1A"/>
-              </a:solidFill>
-              <a:effectLst/>
-              <a:uLnTx/>
-              <a:uFillTx/>
-              <a:latin typeface="微软雅黑"/>
-              <a:ea typeface="微软雅黑"/>
-              <a:cs typeface="+mn-cs"/>
-            </a:endParaRPr>
-          </a:p>
-        </p:txBody>
-      </p:sp>
-      <p:sp>
-        <p:nvSpPr>
-          <p:cNvPr id="92" name="圆角矩形 91">
-            <a:extLst>
-              <a:ext uri="{FF2B5EF4-FFF2-40B4-BE49-F238E27FC236}">
-                <a16:creationId xmlns:a16="http://schemas.microsoft.com/office/drawing/2014/main" id="{F381FB67-AEB7-E04B-BA80-EF0235B4D049}"/>
-              </a:ext>
-            </a:extLst>
-          </p:cNvPr>
-          <p:cNvSpPr/>
-          <p:nvPr/>
-        </p:nvSpPr>
-        <p:spPr>
-          <a:xfrm>
-            <a:off x="9300449" y="4142007"/>
-            <a:ext cx="673537" cy="262186"/>
-          </a:xfrm>
-          <a:prstGeom prst="roundRect">
-            <a:avLst/>
-          </a:prstGeom>
-          <a:solidFill>
-            <a:srgbClr val="FFFFFF"/>
-          </a:solidFill>
-          <a:ln w="12700" cap="flat" cmpd="sng" algn="ctr">
-            <a:noFill/>
-            <a:prstDash val="solid"/>
-            <a:miter lim="800000"/>
-          </a:ln>
-          <a:effectLst/>
-        </p:spPr>
-        <p:txBody>
-          <a:bodyPr lIns="0" rIns="0" rtlCol="0" anchor="ctr"/>
-          <a:lstStyle/>
-          <a:p>
-            <a:pPr marL="0" marR="0" lvl="0" indent="0" algn="ctr" defTabSz="914400" eaLnBrk="1" fontAlgn="auto" latinLnBrk="0" hangingPunct="1">
-              <a:lnSpc>
-                <a:spcPct val="100000"/>
-              </a:lnSpc>
-              <a:spcBef>
-                <a:spcPts val="0"/>
-              </a:spcBef>
-              <a:spcAft>
-                <a:spcPts val="0"/>
-              </a:spcAft>
-              <a:buClrTx/>
-              <a:buSzTx/>
-              <a:buFontTx/>
-              <a:buNone/>
-              <a:tabLst/>
-              <a:defRPr/>
-            </a:pPr>
-            <a:r>
-              <a:rPr kumimoji="0" lang="zh-CN" altLang="en-US" sz="800" b="0" i="0" u="none" strike="noStrike" kern="0" cap="none" spc="0" normalizeH="0" baseline="0" noProof="0" dirty="0">
-                <a:ln>
-                  <a:noFill/>
-                </a:ln>
-                <a:solidFill>
-                  <a:srgbClr val="1D1D1A"/>
-                </a:solidFill>
-                <a:effectLst/>
-                <a:uLnTx/>
-                <a:uFillTx/>
-                <a:latin typeface="微软雅黑"/>
-                <a:ea typeface="微软雅黑"/>
-                <a:cs typeface="+mn-cs"/>
-              </a:rPr>
-              <a:t>可信</a:t>
-            </a:r>
-            <a:r>
-              <a:rPr kumimoji="0" lang="en-US" altLang="zh-CN" sz="800" b="0" i="0" u="none" strike="noStrike" kern="0" cap="none" spc="0" normalizeH="0" baseline="0" noProof="0" dirty="0">
-                <a:ln>
-                  <a:noFill/>
-                </a:ln>
-                <a:solidFill>
-                  <a:srgbClr val="1D1D1A"/>
-                </a:solidFill>
-                <a:effectLst/>
-                <a:uLnTx/>
-                <a:uFillTx/>
-                <a:latin typeface="微软雅黑"/>
-                <a:ea typeface="微软雅黑"/>
-                <a:cs typeface="+mn-cs"/>
-              </a:rPr>
-              <a:t>AI</a:t>
-            </a:r>
-            <a:endParaRPr kumimoji="0" lang="zh-CN" altLang="en-US" sz="800" b="0" i="0" u="none" strike="noStrike" kern="0" cap="none" spc="0" normalizeH="0" baseline="0" noProof="0" dirty="0">
-              <a:ln>
-                <a:noFill/>
-              </a:ln>
-              <a:solidFill>
-                <a:srgbClr val="1D1D1A"/>
-              </a:solidFill>
-              <a:effectLst/>
-              <a:uLnTx/>
-              <a:uFillTx/>
-              <a:latin typeface="微软雅黑"/>
-              <a:ea typeface="微软雅黑"/>
-              <a:cs typeface="+mn-cs"/>
-            </a:endParaRPr>
-          </a:p>
-        </p:txBody>
-      </p:sp>
-      <p:sp>
-        <p:nvSpPr>
-          <p:cNvPr id="95" name="矩形 94">
-            <a:extLst>
-              <a:ext uri="{FF2B5EF4-FFF2-40B4-BE49-F238E27FC236}">
-                <a16:creationId xmlns:a16="http://schemas.microsoft.com/office/drawing/2014/main" id="{965F5BD4-AE77-FF40-8F76-D43EF2CA84C4}"/>
-              </a:ext>
-            </a:extLst>
-          </p:cNvPr>
-          <p:cNvSpPr/>
-          <p:nvPr/>
-        </p:nvSpPr>
-        <p:spPr>
-          <a:xfrm>
-            <a:off x="1578451" y="4698067"/>
-            <a:ext cx="1595672" cy="1285885"/>
-          </a:xfrm>
-          <a:prstGeom prst="rect">
-            <a:avLst/>
-          </a:prstGeom>
-          <a:solidFill>
-            <a:schemeClr val="bg2">
-              <a:lumMod val="20000"/>
-              <a:lumOff val="80000"/>
-            </a:schemeClr>
-          </a:solidFill>
-          <a:ln w="12700" cap="flat" cmpd="sng" algn="ctr">
-            <a:noFill/>
-            <a:prstDash val="solid"/>
-            <a:miter lim="800000"/>
-          </a:ln>
-          <a:effectLst/>
-        </p:spPr>
-        <p:txBody>
-          <a:bodyPr rtlCol="0" anchor="ctr" anchorCtr="0"/>
-          <a:lstStyle/>
-          <a:p>
-            <a:pPr marL="0" marR="0" lvl="0" indent="0" algn="ctr" defTabSz="914400" eaLnBrk="1" fontAlgn="auto" latinLnBrk="0" hangingPunct="1">
-              <a:lnSpc>
-                <a:spcPct val="100000"/>
-              </a:lnSpc>
-              <a:spcBef>
-                <a:spcPts val="0"/>
-              </a:spcBef>
-              <a:spcAft>
-                <a:spcPts val="0"/>
-              </a:spcAft>
-              <a:buClrTx/>
-              <a:buSzTx/>
-              <a:buFontTx/>
-              <a:buNone/>
-              <a:tabLst/>
-              <a:defRPr/>
-            </a:pPr>
-            <a:r>
-              <a:rPr kumimoji="0" lang="zh-CN" altLang="en-US" sz="1200" b="1" i="0" u="none" strike="noStrike" kern="0" cap="none" spc="0" normalizeH="0" baseline="0" noProof="0" dirty="0">
-                <a:ln>
-                  <a:noFill/>
-                </a:ln>
-                <a:solidFill>
-                  <a:srgbClr val="1D1D1A"/>
-                </a:solidFill>
-                <a:effectLst/>
-                <a:uLnTx/>
-                <a:uFillTx/>
-                <a:latin typeface="微软雅黑"/>
-                <a:ea typeface="微软雅黑"/>
-                <a:cs typeface="+mn-cs"/>
-              </a:rPr>
-              <a:t>多样性硬件</a:t>
-            </a:r>
-            <a:endParaRPr kumimoji="0" lang="en-US" altLang="zh-CN" sz="1200" b="1" i="0" u="none" strike="noStrike" kern="0" cap="none" spc="0" normalizeH="0" baseline="0" noProof="0" dirty="0">
-              <a:ln>
-                <a:noFill/>
-              </a:ln>
-              <a:solidFill>
-                <a:srgbClr val="1D1D1A"/>
-              </a:solidFill>
-              <a:effectLst/>
-              <a:uLnTx/>
-              <a:uFillTx/>
-              <a:latin typeface="微软雅黑"/>
-              <a:ea typeface="微软雅黑"/>
-              <a:cs typeface="+mn-cs"/>
-            </a:endParaRPr>
-          </a:p>
-        </p:txBody>
-      </p:sp>
-      <p:sp>
-        <p:nvSpPr>
-          <p:cNvPr id="99" name="矩形 98">
-            <a:extLst>
-              <a:ext uri="{FF2B5EF4-FFF2-40B4-BE49-F238E27FC236}">
-                <a16:creationId xmlns:a16="http://schemas.microsoft.com/office/drawing/2014/main" id="{A5CD07CD-7941-EA4D-A5B1-B8F0EBCE7CCC}"/>
-              </a:ext>
-            </a:extLst>
-          </p:cNvPr>
-          <p:cNvSpPr/>
-          <p:nvPr/>
-        </p:nvSpPr>
-        <p:spPr>
-          <a:xfrm>
-            <a:off x="1573233" y="4164372"/>
-            <a:ext cx="1595672" cy="455152"/>
-          </a:xfrm>
-          <a:prstGeom prst="rect">
-            <a:avLst/>
-          </a:prstGeom>
-          <a:solidFill>
-            <a:schemeClr val="bg2">
-              <a:lumMod val="20000"/>
-              <a:lumOff val="80000"/>
-            </a:schemeClr>
-          </a:solidFill>
-          <a:ln w="12700" cap="flat" cmpd="sng" algn="ctr">
-            <a:noFill/>
-            <a:prstDash val="solid"/>
-            <a:miter lim="800000"/>
-          </a:ln>
-          <a:effectLst/>
-        </p:spPr>
-        <p:txBody>
-          <a:bodyPr rtlCol="0" anchor="ctr" anchorCtr="0"/>
-          <a:lstStyle/>
-          <a:p>
-            <a:pPr marL="0" marR="0" lvl="0" indent="0" algn="ctr" defTabSz="914400" eaLnBrk="1" fontAlgn="auto" latinLnBrk="0" hangingPunct="1">
-              <a:lnSpc>
-                <a:spcPct val="100000"/>
-              </a:lnSpc>
-              <a:spcBef>
-                <a:spcPts val="0"/>
-              </a:spcBef>
-              <a:spcAft>
-                <a:spcPts val="0"/>
-              </a:spcAft>
-              <a:buClrTx/>
-              <a:buSzTx/>
-              <a:buFontTx/>
-              <a:buNone/>
-              <a:tabLst/>
-              <a:defRPr/>
-            </a:pPr>
-            <a:r>
-              <a:rPr kumimoji="0" lang="zh-CN" altLang="en-US" sz="1200" b="1" i="0" u="none" strike="noStrike" kern="0" cap="none" spc="0" normalizeH="0" baseline="0" noProof="0" dirty="0">
-                <a:ln>
-                  <a:noFill/>
-                </a:ln>
-                <a:solidFill>
-                  <a:srgbClr val="1D1D1A"/>
-                </a:solidFill>
-                <a:effectLst/>
-                <a:uLnTx/>
-                <a:uFillTx/>
-                <a:latin typeface="微软雅黑"/>
-                <a:ea typeface="微软雅黑"/>
-                <a:cs typeface="+mn-cs"/>
-              </a:rPr>
-              <a:t>全场景部署</a:t>
-            </a:r>
-            <a:endParaRPr kumimoji="0" lang="en-US" altLang="zh-CN" sz="1200" b="1" i="0" u="none" strike="noStrike" kern="0" cap="none" spc="0" normalizeH="0" baseline="0" noProof="0" dirty="0">
-              <a:ln>
-                <a:noFill/>
-              </a:ln>
-              <a:solidFill>
-                <a:srgbClr val="1D1D1A"/>
-              </a:solidFill>
-              <a:effectLst/>
-              <a:uLnTx/>
-              <a:uFillTx/>
-              <a:latin typeface="微软雅黑"/>
-              <a:ea typeface="微软雅黑"/>
-              <a:cs typeface="+mn-cs"/>
-            </a:endParaRPr>
-          </a:p>
-        </p:txBody>
-      </p:sp>
-      <p:sp>
-        <p:nvSpPr>
-          <p:cNvPr id="101" name="矩形 100">
-            <a:extLst>
-              <a:ext uri="{FF2B5EF4-FFF2-40B4-BE49-F238E27FC236}">
-                <a16:creationId xmlns:a16="http://schemas.microsoft.com/office/drawing/2014/main" id="{AC184407-C2EE-D348-99CE-E8223E178CC0}"/>
-              </a:ext>
-            </a:extLst>
-          </p:cNvPr>
-          <p:cNvSpPr/>
-          <p:nvPr/>
-        </p:nvSpPr>
-        <p:spPr>
-          <a:xfrm>
-            <a:off x="1578451" y="2828659"/>
-            <a:ext cx="1595672" cy="1196754"/>
-          </a:xfrm>
-          <a:prstGeom prst="rect">
-            <a:avLst/>
-          </a:prstGeom>
-          <a:solidFill>
-            <a:schemeClr val="bg2">
-              <a:lumMod val="20000"/>
-              <a:lumOff val="80000"/>
-            </a:schemeClr>
-          </a:solidFill>
-          <a:ln w="12700" cap="flat" cmpd="sng" algn="ctr">
-            <a:noFill/>
-            <a:prstDash val="solid"/>
-            <a:miter lim="800000"/>
-          </a:ln>
-          <a:effectLst/>
-        </p:spPr>
-        <p:txBody>
-          <a:bodyPr rtlCol="0" anchor="ctr" anchorCtr="0"/>
-          <a:lstStyle/>
-          <a:p>
-            <a:pPr marL="0" marR="0" lvl="0" indent="0" algn="ctr" defTabSz="914400" eaLnBrk="1" fontAlgn="auto" latinLnBrk="0" hangingPunct="1">
-              <a:lnSpc>
-                <a:spcPct val="100000"/>
-              </a:lnSpc>
-              <a:spcBef>
-                <a:spcPts val="0"/>
-              </a:spcBef>
-              <a:spcAft>
-                <a:spcPts val="0"/>
-              </a:spcAft>
-              <a:buClrTx/>
-              <a:buSzTx/>
-              <a:buFontTx/>
-              <a:buNone/>
-              <a:tabLst/>
-              <a:defRPr/>
-            </a:pPr>
-            <a:r>
-              <a:rPr kumimoji="0" lang="zh-CN" altLang="en-US" sz="1200" b="1" i="0" u="none" strike="noStrike" kern="0" cap="none" spc="0" normalizeH="0" baseline="0" noProof="0" dirty="0">
-                <a:ln>
-                  <a:noFill/>
-                </a:ln>
-                <a:solidFill>
-                  <a:srgbClr val="1D1D1A"/>
-                </a:solidFill>
-                <a:effectLst/>
-                <a:uLnTx/>
-                <a:uFillTx/>
-                <a:latin typeface="微软雅黑"/>
-                <a:ea typeface="微软雅黑"/>
-                <a:cs typeface="+mn-cs"/>
-              </a:rPr>
-              <a:t>运行态高效</a:t>
-            </a:r>
-            <a:endParaRPr kumimoji="0" lang="en-US" altLang="zh-CN" sz="1200" b="1" i="0" u="none" strike="noStrike" kern="0" cap="none" spc="0" normalizeH="0" baseline="0" noProof="0" dirty="0">
-              <a:ln>
-                <a:noFill/>
-              </a:ln>
-              <a:solidFill>
-                <a:srgbClr val="1D1D1A"/>
-              </a:solidFill>
-              <a:effectLst/>
-              <a:uLnTx/>
-              <a:uFillTx/>
-              <a:latin typeface="微软雅黑"/>
-              <a:ea typeface="微软雅黑"/>
-              <a:cs typeface="+mn-cs"/>
-            </a:endParaRPr>
-          </a:p>
-        </p:txBody>
-      </p:sp>
-      <p:sp>
-        <p:nvSpPr>
-          <p:cNvPr id="105" name="矩形 104">
-            <a:extLst>
-              <a:ext uri="{FF2B5EF4-FFF2-40B4-BE49-F238E27FC236}">
-                <a16:creationId xmlns:a16="http://schemas.microsoft.com/office/drawing/2014/main" id="{D0338445-C653-F74B-A203-C7C4F24A0AB3}"/>
-              </a:ext>
-            </a:extLst>
-          </p:cNvPr>
-          <p:cNvSpPr/>
-          <p:nvPr/>
-        </p:nvSpPr>
-        <p:spPr>
-          <a:xfrm>
-            <a:off x="1583532" y="2000755"/>
-            <a:ext cx="1595672" cy="686488"/>
-          </a:xfrm>
-          <a:prstGeom prst="rect">
-            <a:avLst/>
-          </a:prstGeom>
-          <a:solidFill>
-            <a:schemeClr val="bg2">
-              <a:lumMod val="20000"/>
-              <a:lumOff val="80000"/>
-            </a:schemeClr>
-          </a:solidFill>
-          <a:ln w="12700" cap="flat" cmpd="sng" algn="ctr">
-            <a:noFill/>
-            <a:prstDash val="solid"/>
-            <a:miter lim="800000"/>
-          </a:ln>
-          <a:effectLst/>
-        </p:spPr>
-        <p:txBody>
-          <a:bodyPr rtlCol="0" anchor="ctr" anchorCtr="0"/>
-          <a:lstStyle/>
-          <a:p>
-            <a:pPr marL="0" marR="0" lvl="0" indent="0" algn="ctr" defTabSz="914400" eaLnBrk="1" fontAlgn="auto" latinLnBrk="0" hangingPunct="1">
-              <a:lnSpc>
-                <a:spcPct val="100000"/>
-              </a:lnSpc>
-              <a:spcBef>
-                <a:spcPts val="0"/>
-              </a:spcBef>
-              <a:spcAft>
-                <a:spcPts val="0"/>
-              </a:spcAft>
-              <a:buClrTx/>
-              <a:buSzTx/>
-              <a:buFontTx/>
-              <a:buNone/>
-              <a:tabLst/>
-              <a:defRPr/>
-            </a:pPr>
-            <a:r>
-              <a:rPr kumimoji="0" lang="zh-CN" altLang="en-US" sz="1200" b="1" i="0" u="none" strike="noStrike" kern="0" cap="none" spc="0" normalizeH="0" baseline="0" noProof="0" dirty="0">
-                <a:ln>
-                  <a:noFill/>
-                </a:ln>
-                <a:solidFill>
-                  <a:srgbClr val="1D1D1A"/>
-                </a:solidFill>
-                <a:effectLst/>
-                <a:uLnTx/>
-                <a:uFillTx/>
-                <a:latin typeface="微软雅黑"/>
-                <a:ea typeface="微软雅黑"/>
-                <a:cs typeface="+mn-cs"/>
-              </a:rPr>
-              <a:t>开发态友好</a:t>
-            </a:r>
-            <a:endParaRPr kumimoji="0" lang="en-US" altLang="zh-CN" sz="1200" b="1" i="0" u="none" strike="noStrike" kern="0" cap="none" spc="0" normalizeH="0" baseline="0" noProof="0" dirty="0">
-              <a:ln>
-                <a:noFill/>
-              </a:ln>
-              <a:solidFill>
-                <a:srgbClr val="1D1D1A"/>
-              </a:solidFill>
-              <a:effectLst/>
-              <a:uLnTx/>
-              <a:uFillTx/>
-              <a:latin typeface="微软雅黑"/>
-              <a:ea typeface="微软雅黑"/>
-              <a:cs typeface="+mn-cs"/>
-            </a:endParaRPr>
-          </a:p>
-        </p:txBody>
-      </p:sp>
-      <p:sp>
-        <p:nvSpPr>
-          <p:cNvPr id="106" name="矩形 105">
-            <a:extLst>
-              <a:ext uri="{FF2B5EF4-FFF2-40B4-BE49-F238E27FC236}">
-                <a16:creationId xmlns:a16="http://schemas.microsoft.com/office/drawing/2014/main" id="{F7C284EF-64DF-2C4D-B0C5-0A35E396AE4F}"/>
-              </a:ext>
-            </a:extLst>
-          </p:cNvPr>
-          <p:cNvSpPr/>
-          <p:nvPr/>
-        </p:nvSpPr>
-        <p:spPr>
-          <a:xfrm>
-            <a:off x="1569130" y="1223692"/>
-            <a:ext cx="1595672" cy="621515"/>
-          </a:xfrm>
-          <a:prstGeom prst="rect">
-            <a:avLst/>
-          </a:prstGeom>
-          <a:solidFill>
-            <a:schemeClr val="bg2">
-              <a:lumMod val="20000"/>
-              <a:lumOff val="80000"/>
-            </a:schemeClr>
-          </a:solidFill>
-          <a:ln w="12700" cap="flat" cmpd="sng" algn="ctr">
-            <a:noFill/>
-            <a:prstDash val="solid"/>
-            <a:miter lim="800000"/>
-          </a:ln>
-          <a:effectLst/>
-        </p:spPr>
-        <p:txBody>
-          <a:bodyPr rtlCol="0" anchor="ctr" anchorCtr="0"/>
-          <a:lstStyle/>
-          <a:p>
-            <a:pPr marL="0" marR="0" lvl="0" indent="0" algn="ctr" defTabSz="914400" eaLnBrk="1" fontAlgn="auto" latinLnBrk="0" hangingPunct="1">
-              <a:lnSpc>
-                <a:spcPct val="100000"/>
-              </a:lnSpc>
-              <a:spcBef>
-                <a:spcPts val="0"/>
-              </a:spcBef>
-              <a:spcAft>
-                <a:spcPts val="0"/>
-              </a:spcAft>
-              <a:buClrTx/>
-              <a:buSzTx/>
-              <a:buFontTx/>
-              <a:buNone/>
-              <a:tabLst/>
-              <a:defRPr/>
-            </a:pPr>
-            <a:r>
-              <a:rPr kumimoji="0" lang="zh-CN" altLang="en-US" sz="1200" b="1" i="0" u="none" strike="noStrike" kern="0" cap="none" spc="0" normalizeH="0" baseline="0" noProof="0" dirty="0">
-                <a:ln>
-                  <a:noFill/>
-                </a:ln>
-                <a:solidFill>
-                  <a:srgbClr val="1D1D1A"/>
-                </a:solidFill>
-                <a:effectLst/>
-                <a:uLnTx/>
-                <a:uFillTx/>
-                <a:latin typeface="微软雅黑"/>
-                <a:ea typeface="微软雅黑"/>
-                <a:cs typeface="+mn-cs"/>
-              </a:rPr>
-              <a:t>多领域扩展</a:t>
-            </a:r>
-            <a:endParaRPr kumimoji="0" lang="en-US" altLang="zh-CN" sz="1200" b="1" i="0" u="none" strike="noStrike" kern="0" cap="none" spc="0" normalizeH="0" baseline="0" noProof="0" dirty="0">
-              <a:ln>
-                <a:noFill/>
-              </a:ln>
-              <a:solidFill>
-                <a:srgbClr val="1D1D1A"/>
-              </a:solidFill>
-              <a:effectLst/>
-              <a:uLnTx/>
-              <a:uFillTx/>
-              <a:latin typeface="微软雅黑"/>
-              <a:ea typeface="微软雅黑"/>
-              <a:cs typeface="+mn-cs"/>
-            </a:endParaRPr>
-          </a:p>
-        </p:txBody>
-      </p:sp>
-      <p:cxnSp>
-        <p:nvCxnSpPr>
-          <p:cNvPr id="107" name="直接连接符 99">
-            <a:extLst>
-              <a:ext uri="{FF2B5EF4-FFF2-40B4-BE49-F238E27FC236}">
-                <a16:creationId xmlns:a16="http://schemas.microsoft.com/office/drawing/2014/main" id="{FC295F9B-364F-8346-AFFA-648275749BC6}"/>
-              </a:ext>
-            </a:extLst>
-          </p:cNvPr>
-          <p:cNvCxnSpPr>
-            <a:cxnSpLocks/>
-          </p:cNvCxnSpPr>
-          <p:nvPr/>
-        </p:nvCxnSpPr>
-        <p:spPr>
-          <a:xfrm>
-            <a:off x="9142042" y="1247643"/>
-            <a:ext cx="0" cy="3317987"/>
-          </a:xfrm>
-          <a:prstGeom prst="line">
-            <a:avLst/>
-          </a:prstGeom>
-          <a:noFill/>
-          <a:ln w="12700" cap="flat" cmpd="sng" algn="ctr">
-            <a:solidFill>
-              <a:schemeClr val="bg2">
-                <a:lumMod val="60000"/>
-                <a:lumOff val="40000"/>
-              </a:schemeClr>
-            </a:solidFill>
-            <a:prstDash val="sysDash"/>
-            <a:miter lim="800000"/>
-          </a:ln>
-          <a:effectLst/>
-        </p:spPr>
-      </p:cxnSp>
-      <p:cxnSp>
-        <p:nvCxnSpPr>
-          <p:cNvPr id="108" name="直接连接符 99">
-            <a:extLst>
-              <a:ext uri="{FF2B5EF4-FFF2-40B4-BE49-F238E27FC236}">
-                <a16:creationId xmlns:a16="http://schemas.microsoft.com/office/drawing/2014/main" id="{35127FD8-0196-DD4E-A32A-869AC77CD431}"/>
-              </a:ext>
-            </a:extLst>
-          </p:cNvPr>
-          <p:cNvCxnSpPr>
-            <a:cxnSpLocks/>
-          </p:cNvCxnSpPr>
-          <p:nvPr/>
-        </p:nvCxnSpPr>
-        <p:spPr>
-          <a:xfrm flipH="1">
-            <a:off x="3246782" y="4095436"/>
-            <a:ext cx="5839524" cy="0"/>
-          </a:xfrm>
-          <a:prstGeom prst="line">
-            <a:avLst/>
-          </a:prstGeom>
-          <a:noFill/>
-          <a:ln w="12700" cap="flat" cmpd="sng" algn="ctr">
-            <a:solidFill>
-              <a:schemeClr val="bg2">
-                <a:lumMod val="60000"/>
-                <a:lumOff val="40000"/>
-              </a:schemeClr>
-            </a:solidFill>
-            <a:prstDash val="sysDash"/>
-            <a:miter lim="800000"/>
-          </a:ln>
-          <a:effectLst/>
-        </p:spPr>
-      </p:cxnSp>
-      <p:cxnSp>
-        <p:nvCxnSpPr>
-          <p:cNvPr id="109" name="直接连接符 99">
-            <a:extLst>
-              <a:ext uri="{FF2B5EF4-FFF2-40B4-BE49-F238E27FC236}">
-                <a16:creationId xmlns:a16="http://schemas.microsoft.com/office/drawing/2014/main" id="{1FB5B556-F94F-3144-922C-ADD5C4015D1F}"/>
-              </a:ext>
-            </a:extLst>
-          </p:cNvPr>
-          <p:cNvCxnSpPr>
-            <a:cxnSpLocks/>
-          </p:cNvCxnSpPr>
-          <p:nvPr/>
-        </p:nvCxnSpPr>
-        <p:spPr>
-          <a:xfrm flipH="1">
-            <a:off x="3238549" y="2775154"/>
-            <a:ext cx="5839524" cy="0"/>
-          </a:xfrm>
-          <a:prstGeom prst="line">
-            <a:avLst/>
-          </a:prstGeom>
-          <a:noFill/>
-          <a:ln w="12700" cap="flat" cmpd="sng" algn="ctr">
-            <a:solidFill>
-              <a:schemeClr val="bg2">
-                <a:lumMod val="60000"/>
-                <a:lumOff val="40000"/>
-              </a:schemeClr>
-            </a:solidFill>
-            <a:prstDash val="sysDash"/>
-            <a:miter lim="800000"/>
-          </a:ln>
-          <a:effectLst/>
-        </p:spPr>
-      </p:cxnSp>
-      <p:cxnSp>
-        <p:nvCxnSpPr>
-          <p:cNvPr id="110" name="直接连接符 99">
-            <a:extLst>
-              <a:ext uri="{FF2B5EF4-FFF2-40B4-BE49-F238E27FC236}">
-                <a16:creationId xmlns:a16="http://schemas.microsoft.com/office/drawing/2014/main" id="{330A9525-91A4-1E44-A016-20576F905052}"/>
-              </a:ext>
-            </a:extLst>
-          </p:cNvPr>
-          <p:cNvCxnSpPr>
-            <a:cxnSpLocks/>
-          </p:cNvCxnSpPr>
-          <p:nvPr/>
-        </p:nvCxnSpPr>
-        <p:spPr>
-          <a:xfrm flipH="1">
-            <a:off x="3256684" y="1925317"/>
-            <a:ext cx="5839524" cy="0"/>
-          </a:xfrm>
-          <a:prstGeom prst="line">
-            <a:avLst/>
-          </a:prstGeom>
-          <a:noFill/>
-          <a:ln w="12700" cap="flat" cmpd="sng" algn="ctr">
-            <a:solidFill>
-              <a:schemeClr val="bg2">
-                <a:lumMod val="60000"/>
-                <a:lumOff val="40000"/>
-              </a:schemeClr>
-            </a:solidFill>
-            <a:prstDash val="sysDash"/>
-            <a:miter lim="800000"/>
-          </a:ln>
-          <a:effectLst/>
-        </p:spPr>
-      </p:cxnSp>
-      <p:grpSp>
-        <p:nvGrpSpPr>
-          <p:cNvPr id="93" name="组合 92">
-            <a:extLst>
-              <a:ext uri="{FF2B5EF4-FFF2-40B4-BE49-F238E27FC236}">
-                <a16:creationId xmlns:a16="http://schemas.microsoft.com/office/drawing/2014/main" id="{977310B3-1205-264D-84C0-3F288EA78C1F}"/>
-              </a:ext>
-            </a:extLst>
-          </p:cNvPr>
-          <p:cNvGrpSpPr/>
-          <p:nvPr/>
-        </p:nvGrpSpPr>
-        <p:grpSpPr>
-          <a:xfrm>
-            <a:off x="198552" y="2762565"/>
-            <a:ext cx="8897656" cy="1286424"/>
-            <a:chOff x="350575" y="2101259"/>
-            <a:chExt cx="9349074" cy="1362808"/>
-          </a:xfrm>
-        </p:grpSpPr>
-        <p:sp>
-          <p:nvSpPr>
-            <p:cNvPr id="111" name="圆角矩形 110">
-              <a:extLst>
-                <a:ext uri="{FF2B5EF4-FFF2-40B4-BE49-F238E27FC236}">
-                  <a16:creationId xmlns:a16="http://schemas.microsoft.com/office/drawing/2014/main" id="{BAF99039-37EB-4C44-955C-3C887116CF86}"/>
-                </a:ext>
-              </a:extLst>
-            </p:cNvPr>
-            <p:cNvSpPr/>
-            <p:nvPr/>
-          </p:nvSpPr>
-          <p:spPr>
-            <a:xfrm>
-              <a:off x="4631320" y="2101259"/>
-              <a:ext cx="5068329" cy="1362808"/>
-            </a:xfrm>
-            <a:prstGeom prst="roundRect">
-              <a:avLst>
-                <a:gd name="adj" fmla="val 5359"/>
-              </a:avLst>
-            </a:prstGeom>
-            <a:noFill/>
-            <a:ln w="28575" cap="flat" cmpd="sng" algn="ctr">
-              <a:solidFill>
-                <a:srgbClr val="00B0F0"/>
-              </a:solidFill>
-              <a:prstDash val="sysDash"/>
-              <a:miter lim="800000"/>
-            </a:ln>
-            <a:effectLst/>
-          </p:spPr>
-          <p:txBody>
-            <a:bodyPr rtlCol="0" anchor="ctr"/>
-            <a:lstStyle/>
-            <a:p>
-              <a:pPr marL="0" marR="0" lvl="0" indent="0" algn="ctr" defTabSz="914400" eaLnBrk="1" fontAlgn="auto" latinLnBrk="0" hangingPunct="1">
-                <a:lnSpc>
-                  <a:spcPct val="100000"/>
-                </a:lnSpc>
-                <a:spcBef>
-                  <a:spcPts val="0"/>
-                </a:spcBef>
-                <a:spcAft>
-                  <a:spcPts val="0"/>
-                </a:spcAft>
-                <a:buClrTx/>
-                <a:buSzTx/>
-                <a:buFontTx/>
-                <a:buNone/>
-                <a:tabLst/>
-                <a:defRPr/>
-              </a:pPr>
-              <a:endParaRPr kumimoji="0" lang="zh-CN" altLang="en-US" sz="1800" b="0" i="0" u="none" strike="noStrike" kern="0" cap="none" spc="0" normalizeH="0" baseline="0" noProof="0">
-                <a:ln>
-                  <a:noFill/>
-                </a:ln>
-                <a:solidFill>
-                  <a:srgbClr val="666666"/>
-                </a:solidFill>
-                <a:effectLst/>
-                <a:uLnTx/>
-                <a:uFillTx/>
-                <a:latin typeface="Huawei Sans" panose="020B0604020202020204"/>
-                <a:ea typeface="微软雅黑"/>
-                <a:cs typeface="+mn-cs"/>
-              </a:endParaRPr>
-            </a:p>
-          </p:txBody>
-        </p:sp>
-        <p:sp>
-          <p:nvSpPr>
-            <p:cNvPr id="112" name="矩形 111">
-              <a:extLst>
-                <a:ext uri="{FF2B5EF4-FFF2-40B4-BE49-F238E27FC236}">
-                  <a16:creationId xmlns:a16="http://schemas.microsoft.com/office/drawing/2014/main" id="{6E81AB78-59BE-8047-A0F3-52962E0EC3F9}"/>
-                </a:ext>
-              </a:extLst>
-            </p:cNvPr>
-            <p:cNvSpPr/>
-            <p:nvPr/>
-          </p:nvSpPr>
-          <p:spPr>
-            <a:xfrm>
-              <a:off x="350575" y="2279421"/>
-              <a:ext cx="954107" cy="1061829"/>
-            </a:xfrm>
-            <a:prstGeom prst="rect">
-              <a:avLst/>
-            </a:prstGeom>
-          </p:spPr>
-          <p:txBody>
-            <a:bodyPr wrap="none">
-              <a:spAutoFit/>
-            </a:bodyPr>
-            <a:lstStyle/>
-            <a:p>
-              <a:pPr marL="0" marR="0" lvl="0" indent="0" algn="just" defTabSz="914034" eaLnBrk="1" fontAlgn="auto" latinLnBrk="0" hangingPunct="1">
-                <a:lnSpc>
-                  <a:spcPct val="150000"/>
-                </a:lnSpc>
-                <a:spcBef>
-                  <a:spcPts val="0"/>
-                </a:spcBef>
-                <a:spcAft>
-                  <a:spcPts val="0"/>
-                </a:spcAft>
-                <a:buClrTx/>
-                <a:buSzTx/>
-                <a:buFontTx/>
-                <a:buNone/>
-                <a:tabLst/>
-                <a:defRPr/>
-              </a:pPr>
-              <a:r>
-                <a:rPr kumimoji="0" lang="zh-CN" altLang="en-US" sz="1200" b="1" i="0" u="none" strike="noStrike" kern="0" cap="none" spc="0" normalizeH="0" baseline="0" noProof="0" dirty="0">
-                  <a:ln>
-                    <a:noFill/>
-                  </a:ln>
-                  <a:solidFill>
-                    <a:srgbClr val="1D1D1A"/>
-                  </a:solidFill>
-                  <a:effectLst/>
-                  <a:uLnTx/>
-                  <a:uFillTx/>
-                  <a:latin typeface="Huawei Sans" panose="020B0604020202020204"/>
-                  <a:ea typeface="微软雅黑"/>
-                </a:rPr>
-                <a:t>编译优化层</a:t>
-              </a:r>
-              <a:endParaRPr kumimoji="0" lang="en-US" altLang="zh-CN" sz="1200" b="1" i="0" u="none" strike="noStrike" kern="0" cap="none" spc="0" normalizeH="0" baseline="0" noProof="0" dirty="0">
-                <a:ln>
-                  <a:noFill/>
-                </a:ln>
-                <a:solidFill>
-                  <a:srgbClr val="1D1D1A"/>
-                </a:solidFill>
-                <a:effectLst/>
-                <a:uLnTx/>
-                <a:uFillTx/>
-                <a:latin typeface="微软雅黑"/>
-                <a:ea typeface="微软雅黑"/>
-                <a:sym typeface="Huawei Sans" panose="020C0503030203020204" pitchFamily="34" charset="0"/>
-              </a:endParaRPr>
-            </a:p>
-            <a:p>
-              <a:pPr marL="0" marR="0" lvl="0" indent="0" algn="just" defTabSz="914034" eaLnBrk="1" fontAlgn="auto" latinLnBrk="0" hangingPunct="1">
-                <a:lnSpc>
-                  <a:spcPct val="150000"/>
-                </a:lnSpc>
-                <a:spcBef>
-                  <a:spcPts val="0"/>
-                </a:spcBef>
-                <a:spcAft>
-                  <a:spcPts val="0"/>
-                </a:spcAft>
-                <a:buClrTx/>
-                <a:buSzTx/>
-                <a:buFontTx/>
-                <a:buNone/>
-                <a:tabLst/>
-                <a:defRPr/>
-              </a:pPr>
-              <a:r>
-                <a:rPr kumimoji="0" lang="zh-CN" altLang="en-US" sz="1000" b="0" i="0" u="none" strike="noStrike" kern="0" cap="none" spc="0" normalizeH="0" baseline="0" noProof="0" dirty="0">
-                  <a:ln>
-                    <a:noFill/>
-                  </a:ln>
-                  <a:solidFill>
-                    <a:srgbClr val="1D1D1A"/>
-                  </a:solidFill>
-                  <a:effectLst/>
-                  <a:uLnTx/>
-                  <a:uFillTx/>
-                  <a:latin typeface="Huawei Sans" panose="020B0604020202020204"/>
-                  <a:ea typeface="微软雅黑"/>
-                </a:rPr>
-                <a:t>硬件无关优化</a:t>
-              </a:r>
-              <a:endParaRPr kumimoji="0" lang="en-US" altLang="zh-CN" sz="1000" b="0" i="0" u="none" strike="noStrike" kern="0" cap="none" spc="0" normalizeH="0" baseline="0" noProof="0" dirty="0">
-                <a:ln>
-                  <a:noFill/>
-                </a:ln>
-                <a:solidFill>
-                  <a:srgbClr val="1D1D1A"/>
-                </a:solidFill>
-                <a:effectLst/>
-                <a:uLnTx/>
-                <a:uFillTx/>
-                <a:latin typeface="Huawei Sans" panose="020B0604020202020204"/>
-                <a:ea typeface="微软雅黑"/>
-              </a:endParaRPr>
-            </a:p>
-            <a:p>
-              <a:pPr marL="0" marR="0" lvl="0" indent="0" algn="just" defTabSz="914034" eaLnBrk="1" fontAlgn="auto" latinLnBrk="0" hangingPunct="1">
-                <a:lnSpc>
-                  <a:spcPct val="150000"/>
-                </a:lnSpc>
-                <a:spcBef>
-                  <a:spcPts val="0"/>
-                </a:spcBef>
-                <a:spcAft>
-                  <a:spcPts val="0"/>
-                </a:spcAft>
-                <a:buClrTx/>
-                <a:buSzTx/>
-                <a:buFontTx/>
-                <a:buNone/>
-                <a:tabLst/>
-                <a:defRPr/>
-              </a:pPr>
-              <a:r>
-                <a:rPr kumimoji="0" lang="zh-CN" altLang="en-US" sz="1000" b="0" i="0" u="none" strike="noStrike" kern="0" cap="none" spc="0" normalizeH="0" baseline="0" noProof="0" dirty="0">
-                  <a:ln>
-                    <a:noFill/>
-                  </a:ln>
-                  <a:solidFill>
-                    <a:srgbClr val="1D1D1A"/>
-                  </a:solidFill>
-                  <a:effectLst/>
-                  <a:uLnTx/>
-                  <a:uFillTx/>
-                  <a:latin typeface="微软雅黑"/>
-                  <a:ea typeface="微软雅黑"/>
-                  <a:sym typeface="Huawei Sans" panose="020C0503030203020204" pitchFamily="34" charset="0"/>
-                </a:rPr>
-                <a:t>硬件相关优化</a:t>
-              </a:r>
-              <a:endParaRPr kumimoji="0" lang="en-US" altLang="zh-CN" sz="1000" b="0" i="0" u="none" strike="noStrike" kern="0" cap="none" spc="0" normalizeH="0" baseline="0" noProof="0" dirty="0">
-                <a:ln>
-                  <a:noFill/>
-                </a:ln>
-                <a:solidFill>
-                  <a:srgbClr val="1D1D1A"/>
-                </a:solidFill>
-                <a:effectLst/>
-                <a:uLnTx/>
-                <a:uFillTx/>
-                <a:latin typeface="微软雅黑"/>
-                <a:ea typeface="微软雅黑"/>
-                <a:sym typeface="Huawei Sans" panose="020C0503030203020204" pitchFamily="34" charset="0"/>
-              </a:endParaRPr>
-            </a:p>
-            <a:p>
-              <a:pPr marL="0" marR="0" lvl="0" indent="0" algn="just" defTabSz="914034" eaLnBrk="1" fontAlgn="auto" latinLnBrk="0" hangingPunct="1">
-                <a:lnSpc>
-                  <a:spcPct val="150000"/>
-                </a:lnSpc>
-                <a:spcBef>
-                  <a:spcPts val="0"/>
-                </a:spcBef>
-                <a:spcAft>
-                  <a:spcPts val="0"/>
-                </a:spcAft>
-                <a:buClrTx/>
-                <a:buSzTx/>
-                <a:buFontTx/>
-                <a:buNone/>
-                <a:tabLst/>
-                <a:defRPr/>
-              </a:pPr>
-              <a:r>
-                <a:rPr kumimoji="0" lang="zh-CN" altLang="en-US" sz="1000" b="0" i="0" u="none" strike="noStrike" kern="0" cap="none" spc="0" normalizeH="0" baseline="0" noProof="0" dirty="0">
-                  <a:ln>
-                    <a:noFill/>
-                  </a:ln>
-                  <a:solidFill>
-                    <a:srgbClr val="1D1D1A"/>
-                  </a:solidFill>
-                  <a:effectLst/>
-                  <a:uLnTx/>
-                  <a:uFillTx/>
-                  <a:latin typeface="微软雅黑"/>
-                  <a:ea typeface="微软雅黑"/>
-                  <a:sym typeface="Huawei Sans" panose="020C0503030203020204" pitchFamily="34" charset="0"/>
-                </a:rPr>
-                <a:t>推理部署优化</a:t>
-              </a:r>
-              <a:endParaRPr kumimoji="0" lang="en-US" altLang="zh-CN" sz="1000" b="0" i="0" u="none" strike="noStrike" kern="0" cap="none" spc="0" normalizeH="0" baseline="0" noProof="0" dirty="0">
-                <a:ln>
-                  <a:noFill/>
-                </a:ln>
-                <a:solidFill>
-                  <a:srgbClr val="1D1D1A"/>
-                </a:solidFill>
-                <a:effectLst/>
-                <a:uLnTx/>
-                <a:uFillTx/>
-                <a:latin typeface="微软雅黑"/>
-                <a:ea typeface="微软雅黑"/>
-                <a:sym typeface="Huawei Sans" panose="020C0503030203020204" pitchFamily="34" charset="0"/>
-              </a:endParaRPr>
-            </a:p>
-          </p:txBody>
-        </p:sp>
-        <p:sp>
-          <p:nvSpPr>
-            <p:cNvPr id="113" name="左大括号 112">
-              <a:extLst>
-                <a:ext uri="{FF2B5EF4-FFF2-40B4-BE49-F238E27FC236}">
-                  <a16:creationId xmlns:a16="http://schemas.microsoft.com/office/drawing/2014/main" id="{9A749290-CF94-7842-97A8-007A4B7EBE00}"/>
-                </a:ext>
-              </a:extLst>
-            </p:cNvPr>
-            <p:cNvSpPr/>
-            <p:nvPr/>
-          </p:nvSpPr>
-          <p:spPr>
-            <a:xfrm flipH="1">
-              <a:off x="1290696" y="2288246"/>
-              <a:ext cx="262921" cy="1052959"/>
-            </a:xfrm>
-            <a:prstGeom prst="leftBrace">
-              <a:avLst/>
-            </a:prstGeom>
-            <a:noFill/>
-            <a:ln w="28575" cap="flat" cmpd="sng" algn="ctr">
-              <a:solidFill>
-                <a:srgbClr val="00B0F0"/>
-              </a:solidFill>
-              <a:prstDash val="solid"/>
-              <a:miter lim="800000"/>
-            </a:ln>
-            <a:effectLst/>
-          </p:spPr>
-          <p:txBody>
-            <a:bodyPr rtlCol="0" anchor="ctr"/>
-            <a:lstStyle/>
-            <a:p>
-              <a:pPr marL="0" marR="0" lvl="0" indent="0" algn="ctr" defTabSz="914400" eaLnBrk="1" fontAlgn="auto" latinLnBrk="0" hangingPunct="1">
-                <a:lnSpc>
-                  <a:spcPct val="100000"/>
-                </a:lnSpc>
-                <a:spcBef>
-                  <a:spcPts val="0"/>
-                </a:spcBef>
-                <a:spcAft>
-                  <a:spcPts val="0"/>
-                </a:spcAft>
-                <a:buClrTx/>
-                <a:buSzTx/>
-                <a:buFontTx/>
-                <a:buNone/>
-                <a:tabLst/>
-                <a:defRPr/>
-              </a:pPr>
-              <a:endParaRPr kumimoji="0" lang="zh-CN" altLang="en-US" sz="1800" b="0" i="0" u="none" strike="noStrike" kern="0" cap="none" spc="0" normalizeH="0" baseline="0" noProof="0">
-                <a:ln>
-                  <a:noFill/>
-                </a:ln>
-                <a:solidFill>
-                  <a:srgbClr val="1D1D1A"/>
-                </a:solidFill>
-                <a:effectLst/>
-                <a:uLnTx/>
-                <a:uFillTx/>
-                <a:latin typeface="Huawei Sans" panose="020B0604020202020204"/>
-                <a:ea typeface="微软雅黑"/>
-                <a:cs typeface="+mn-cs"/>
-              </a:endParaRPr>
-            </a:p>
-          </p:txBody>
-        </p:sp>
-      </p:grpSp>
-    </p:spTree>
-    <p:extLst>
-      <p:ext uri="{BB962C8B-B14F-4D97-AF65-F5344CB8AC3E}">
-        <p14:creationId xmlns:p14="http://schemas.microsoft.com/office/powerpoint/2010/main" val="4115932516"/>
-      </p:ext>
-    </p:extLst>
-  </p:cSld>
-  <p:clrMapOvr>
-    <a:masterClrMapping/>
-  </p:clrMapOvr>
-</p:sld>
-</file>
-
-<file path=ppt/slides/slide5.xml><?xml version="1.0" encoding="utf-8"?>
 <p:sld xmlns:a="http://schemas.openxmlformats.org/drawingml/2006/main" xmlns:r="http://schemas.openxmlformats.org/officeDocument/2006/relationships" xmlns:p="http://schemas.openxmlformats.org/presentationml/2006/main">
   <p:cSld>
     <p:spTree>
